--- a/presentation/Mrktblcks-Token-Presentation.pptx
+++ b/presentation/Mrktblcks-Token-Presentation.pptx
@@ -4,7 +4,7 @@
   <p:sldMasterIdLst>
     <p:sldMasterId id="2147483648" r:id="rId2"/>
     <p:sldMasterId id="2147483650" r:id="rId3"/>
-    <p:sldMasterId id="2147483654" r:id="rId4"/>
+    <p:sldMasterId id="2147483652" r:id="rId4"/>
   </p:sldMasterIdLst>
   <p:sldIdLst>
     <p:sldId id="256" r:id="rId5"/>
@@ -12,14 +12,19 @@
     <p:sldId id="258" r:id="rId7"/>
     <p:sldId id="259" r:id="rId8"/>
     <p:sldId id="260" r:id="rId9"/>
+    <p:sldId id="261" r:id="rId10"/>
+    <p:sldId id="262" r:id="rId11"/>
+    <p:sldId id="263" r:id="rId12"/>
+    <p:sldId id="264" r:id="rId13"/>
+    <p:sldId id="265" r:id="rId14"/>
   </p:sldIdLst>
   <p:sldSz cx="10080625" cy="5670550"/>
-  <p:notesSz cx="7772400" cy="10058400"/>
+  <p:notesSz cx="7559675" cy="10691813"/>
 </p:presentation>
 </file>
 
 <file path=ppt/slideLayouts/slideLayout1.xml><?xml version="1.0" encoding="utf-8"?>
-<p:sldLayout xmlns:a="http://schemas.openxmlformats.org/drawingml/2006/main" xmlns:p="http://schemas.openxmlformats.org/presentationml/2006/main" xmlns:r="http://schemas.openxmlformats.org/officeDocument/2006/relationships" xmlns:p14="http://schemas.microsoft.com/office/powerpoint/2010/main" xmlns:p15="http://schemas.microsoft.com/office/powerpoint/2012/main" xmlns:mc="http://schemas.openxmlformats.org/markup-compatibility/2006" type="blank" preserve="1">
+<p:sldLayout xmlns:a="http://schemas.openxmlformats.org/drawingml/2006/main" xmlns:p="http://schemas.openxmlformats.org/presentationml/2006/main" xmlns:r="http://schemas.openxmlformats.org/officeDocument/2006/relationships" xmlns:p14="http://schemas.microsoft.com/office/powerpoint/2010/main" xmlns:p15="http://schemas.microsoft.com/office/powerpoint/2012/main" xmlns:mc="http://schemas.openxmlformats.org/markup-compatibility/2006" type="tx" preserve="1">
   <p:cSld name="Vivid">
     <p:spTree>
       <p:nvGrpSpPr>
@@ -37,41 +42,88 @@
       </p:grpSpPr>
       <p:sp>
         <p:nvSpPr>
-          <p:cNvPr id="2" name="PlaceHolder 1"/>
+          <p:cNvPr id="6" name="PlaceHolder 1"/>
           <p:cNvSpPr>
             <a:spLocks noGrp="1"/>
           </p:cNvSpPr>
           <p:nvPr>
-            <p:ph type="ftr" idx="1"/>
+            <p:ph type="title"/>
           </p:nvPr>
         </p:nvSpPr>
-        <p:spPr/>
+        <p:spPr>
+          <a:xfrm>
+            <a:off x="504000" y="90000"/>
+            <a:ext cx="9072000" cy="990000"/>
+          </a:xfrm>
+          <a:prstGeom prst="rect">
+            <a:avLst/>
+          </a:prstGeom>
+          <a:noFill/>
+          <a:ln w="0">
+            <a:noFill/>
+          </a:ln>
+        </p:spPr>
         <p:txBody>
-          <a:bodyPr/>
-          <a:p>
-            <a:r>
-              <a:t>Footer</a:t>
-            </a:r>
+          <a:bodyPr lIns="0" rIns="0" tIns="0" bIns="0" anchor="b">
+            <a:normAutofit/>
+          </a:bodyPr>
+          <a:p>
+            <a:pPr indent="0">
+              <a:buNone/>
+            </a:pPr>
+            <a:endParaRPr b="0" lang="en-US" sz="4500" strike="noStrike" u="none">
+              <a:solidFill>
+                <a:srgbClr val="dbf5f9"/>
+              </a:solidFill>
+              <a:effectLst/>
+              <a:uFillTx/>
+              <a:latin typeface="Noto Sans"/>
+            </a:endParaRPr>
           </a:p>
         </p:txBody>
       </p:sp>
       <p:sp>
         <p:nvSpPr>
-          <p:cNvPr id="3" name="PlaceHolder 2"/>
+          <p:cNvPr id="7" name="PlaceHolder 2"/>
           <p:cNvSpPr>
             <a:spLocks noGrp="1"/>
           </p:cNvSpPr>
           <p:nvPr>
-            <p:ph type="sldNum" idx="2"/>
+            <p:ph/>
           </p:nvPr>
         </p:nvSpPr>
-        <p:spPr/>
+        <p:spPr>
+          <a:xfrm>
+            <a:off x="504000" y="1440000"/>
+            <a:ext cx="9072000" cy="3510000"/>
+          </a:xfrm>
+          <a:prstGeom prst="rect">
+            <a:avLst/>
+          </a:prstGeom>
+          <a:noFill/>
+          <a:ln w="0">
+            <a:noFill/>
+          </a:ln>
+        </p:spPr>
         <p:txBody>
-          <a:bodyPr/>
-          <a:p>
-            <a:fld id="{1D9EB72A-C52F-40F6-B569-8285D0070615}" type="slidenum">
-              <a:t>&lt;#&gt;</a:t>
-            </a:fld>
+          <a:bodyPr lIns="0" rIns="0" tIns="0" bIns="0" anchor="t">
+            <a:normAutofit/>
+          </a:bodyPr>
+          <a:p>
+            <a:pPr indent="0">
+              <a:spcAft>
+                <a:spcPts val="1054"/>
+              </a:spcAft>
+              <a:buNone/>
+            </a:pPr>
+            <a:endParaRPr b="0" lang="en-US" sz="2400" strike="noStrike" u="none">
+              <a:solidFill>
+                <a:srgbClr val="04617b"/>
+              </a:solidFill>
+              <a:effectLst/>
+              <a:uFillTx/>
+              <a:latin typeface="Noto Sans"/>
+            </a:endParaRPr>
           </a:p>
         </p:txBody>
       </p:sp>
@@ -82,7 +134,47 @@
             <a:spLocks noGrp="1"/>
           </p:cNvSpPr>
           <p:nvPr>
-            <p:ph type="dt" idx="3"/>
+            <p:ph type="ftr" idx="2"/>
+          </p:nvPr>
+        </p:nvSpPr>
+        <p:spPr/>
+        <p:txBody>
+          <a:bodyPr/>
+          <a:p>
+            <a:r>
+              <a:t>Footer</a:t>
+            </a:r>
+          </a:p>
+        </p:txBody>
+      </p:sp>
+      <p:sp>
+        <p:nvSpPr>
+          <p:cNvPr id="5" name="PlaceHolder 4"/>
+          <p:cNvSpPr>
+            <a:spLocks noGrp="1"/>
+          </p:cNvSpPr>
+          <p:nvPr>
+            <p:ph type="sldNum" idx="3"/>
+          </p:nvPr>
+        </p:nvSpPr>
+        <p:spPr/>
+        <p:txBody>
+          <a:bodyPr/>
+          <a:p>
+            <a:fld id="{4E857BE3-7440-4003-B42C-FAD968A0581E}" type="slidenum">
+              <a:t>&lt;#&gt;</a:t>
+            </a:fld>
+          </a:p>
+        </p:txBody>
+      </p:sp>
+      <p:sp>
+        <p:nvSpPr>
+          <p:cNvPr id="6" name="PlaceHolder 5"/>
+          <p:cNvSpPr>
+            <a:spLocks noGrp="1"/>
+          </p:cNvSpPr>
+          <p:nvPr>
+            <p:ph type="dt" idx="1"/>
           </p:nvPr>
         </p:nvSpPr>
         <p:spPr/>
@@ -102,7 +194,7 @@
 </file>
 
 <file path=ppt/slideLayouts/slideLayout2.xml><?xml version="1.0" encoding="utf-8"?>
-<p:sldLayout xmlns:a="http://schemas.openxmlformats.org/drawingml/2006/main" xmlns:p="http://schemas.openxmlformats.org/presentationml/2006/main" xmlns:r="http://schemas.openxmlformats.org/officeDocument/2006/relationships" xmlns:p14="http://schemas.microsoft.com/office/powerpoint/2010/main" xmlns:p15="http://schemas.microsoft.com/office/powerpoint/2012/main" xmlns:mc="http://schemas.openxmlformats.org/markup-compatibility/2006" type="blank" preserve="1">
+<p:sldLayout xmlns:a="http://schemas.openxmlformats.org/drawingml/2006/main" xmlns:p="http://schemas.openxmlformats.org/presentationml/2006/main" xmlns:r="http://schemas.openxmlformats.org/officeDocument/2006/relationships" xmlns:p14="http://schemas.microsoft.com/office/powerpoint/2010/main" xmlns:p15="http://schemas.microsoft.com/office/powerpoint/2012/main" xmlns:mc="http://schemas.openxmlformats.org/markup-compatibility/2006" type="tx" preserve="1">
   <p:cSld name="Vivid1">
     <p:spTree>
       <p:nvGrpSpPr>
@@ -120,368 +212,6 @@
       </p:grpSpPr>
       <p:sp>
         <p:nvSpPr>
-          <p:cNvPr id="4" name=""/>
-          <p:cNvSpPr/>
-          <p:nvPr/>
-        </p:nvSpPr>
-        <p:spPr>
-          <a:xfrm flipV="1">
-            <a:off x="0" y="-720"/>
-            <a:ext cx="10079640" cy="1079640"/>
-          </a:xfrm>
-          <a:prstGeom prst="rect">
-            <a:avLst/>
-          </a:prstGeom>
-          <a:pattFill prst="lgGrid">
-            <a:fgClr>
-              <a:srgbClr val="3465a4"/>
-            </a:fgClr>
-            <a:bgClr>
-              <a:srgbClr val="009eda"/>
-            </a:bgClr>
-          </a:pattFill>
-          <a:ln w="18000">
-            <a:noFill/>
-          </a:ln>
-          <a:effectLst>
-            <a:outerShdw blurRad="0" dir="5400000" dist="25200" rotWithShape="0">
-              <a:srgbClr val="f49100"/>
-            </a:outerShdw>
-          </a:effectLst>
-        </p:spPr>
-        <p:style>
-          <a:lnRef idx="0"/>
-          <a:fillRef idx="0"/>
-          <a:effectRef idx="0"/>
-          <a:fontRef idx="minor"/>
-        </p:style>
-        <p:txBody>
-          <a:bodyPr wrap="none" lIns="36000" rIns="36000" tIns="36000" bIns="36000" anchor="ctr">
-            <a:noAutofit/>
-          </a:bodyPr>
-          <a:p>
-            <a:pPr>
-              <a:lnSpc>
-                <a:spcPct val="100000"/>
-              </a:lnSpc>
-            </a:pPr>
-            <a:endParaRPr b="0" lang="en-US" sz="2200" strike="noStrike" u="none">
-              <a:solidFill>
-                <a:srgbClr val="ffffff"/>
-              </a:solidFill>
-              <a:effectLst/>
-              <a:uFillTx/>
-              <a:latin typeface="Noto Sans"/>
-              <a:ea typeface="DejaVu Sans"/>
-            </a:endParaRPr>
-          </a:p>
-        </p:txBody>
-      </p:sp>
-      <p:sp>
-        <p:nvSpPr>
-          <p:cNvPr id="5" name="PlaceHolder 1"/>
-          <p:cNvSpPr>
-            <a:spLocks noGrp="1"/>
-          </p:cNvSpPr>
-          <p:nvPr>
-            <p:ph type="ftr" idx="4"/>
-          </p:nvPr>
-        </p:nvSpPr>
-        <p:spPr>
-          <a:xfrm>
-            <a:off x="3420000" y="5130000"/>
-            <a:ext cx="3239640" cy="449640"/>
-          </a:xfrm>
-          <a:prstGeom prst="rect">
-            <a:avLst/>
-          </a:prstGeom>
-          <a:noFill/>
-          <a:ln w="0">
-            <a:noFill/>
-          </a:ln>
-        </p:spPr>
-        <p:txBody>
-          <a:bodyPr lIns="0" rIns="0" tIns="0" bIns="0" anchor="t">
-            <a:noAutofit/>
-          </a:bodyPr>
-          <a:lstStyle>
-            <a:lvl1pPr indent="0" algn="ctr">
-              <a:lnSpc>
-                <a:spcPct val="100000"/>
-              </a:lnSpc>
-              <a:buNone/>
-              <a:tabLst>
-                <a:tab algn="l" pos="0"/>
-              </a:tabLst>
-              <a:defRPr b="0" lang="en-US" sz="1400" strike="noStrike" u="none">
-                <a:solidFill>
-                  <a:srgbClr val="484848"/>
-                </a:solidFill>
-                <a:effectLst/>
-                <a:uFillTx/>
-                <a:latin typeface="Noto Sans"/>
-              </a:defRPr>
-            </a:lvl1pPr>
-          </a:lstStyle>
-          <a:p>
-            <a:pPr indent="0" algn="ctr">
-              <a:lnSpc>
-                <a:spcPct val="100000"/>
-              </a:lnSpc>
-              <a:buNone/>
-              <a:tabLst>
-                <a:tab algn="l" pos="0"/>
-              </a:tabLst>
-            </a:pPr>
-            <a:r>
-              <a:rPr b="0" lang="en-US" sz="1400" strike="noStrike" u="none">
-                <a:solidFill>
-                  <a:srgbClr val="484848"/>
-                </a:solidFill>
-                <a:effectLst/>
-                <a:uFillTx/>
-                <a:latin typeface="Noto Sans"/>
-              </a:rPr>
-              <a:t> </a:t>
-            </a:r>
-            <a:endParaRPr b="0" lang="en-US" sz="1400" strike="noStrike" u="none">
-              <a:solidFill>
-                <a:srgbClr val="ffffff"/>
-              </a:solidFill>
-              <a:effectLst/>
-              <a:uFillTx/>
-              <a:latin typeface="Times New Roman"/>
-            </a:endParaRPr>
-          </a:p>
-        </p:txBody>
-      </p:sp>
-      <p:sp>
-        <p:nvSpPr>
-          <p:cNvPr id="6" name="PlaceHolder 2"/>
-          <p:cNvSpPr>
-            <a:spLocks noGrp="1"/>
-          </p:cNvSpPr>
-          <p:nvPr>
-            <p:ph type="sldNum" idx="5"/>
-          </p:nvPr>
-        </p:nvSpPr>
-        <p:spPr>
-          <a:xfrm>
-            <a:off x="7236000" y="5130000"/>
-            <a:ext cx="2339640" cy="449640"/>
-          </a:xfrm>
-          <a:prstGeom prst="rect">
-            <a:avLst/>
-          </a:prstGeom>
-          <a:noFill/>
-          <a:ln w="0">
-            <a:noFill/>
-          </a:ln>
-        </p:spPr>
-        <p:txBody>
-          <a:bodyPr lIns="0" rIns="0" tIns="0" bIns="0" anchor="t">
-            <a:noAutofit/>
-          </a:bodyPr>
-          <a:lstStyle>
-            <a:lvl1pPr indent="0" algn="r">
-              <a:lnSpc>
-                <a:spcPct val="100000"/>
-              </a:lnSpc>
-              <a:buNone/>
-              <a:tabLst>
-                <a:tab algn="l" pos="0"/>
-              </a:tabLst>
-              <a:defRPr b="0" lang="en-US" sz="1400" strike="noStrike" u="none">
-                <a:solidFill>
-                  <a:srgbClr val="484848"/>
-                </a:solidFill>
-                <a:effectLst/>
-                <a:uFillTx/>
-                <a:latin typeface="Noto Sans"/>
-              </a:defRPr>
-            </a:lvl1pPr>
-          </a:lstStyle>
-          <a:p>
-            <a:pPr indent="0" algn="r">
-              <a:lnSpc>
-                <a:spcPct val="100000"/>
-              </a:lnSpc>
-              <a:buNone/>
-              <a:tabLst>
-                <a:tab algn="l" pos="0"/>
-              </a:tabLst>
-            </a:pPr>
-            <a:fld id="{C83FBB8F-5F88-49AA-A5C1-D2D3B293E596}" type="slidenum">
-              <a:rPr b="0" lang="en-US" sz="1400" strike="noStrike" u="none">
-                <a:solidFill>
-                  <a:srgbClr val="484848"/>
-                </a:solidFill>
-                <a:effectLst/>
-                <a:uFillTx/>
-                <a:latin typeface="Noto Sans"/>
-              </a:rPr>
-              <a:t>1</a:t>
-            </a:fld>
-            <a:endParaRPr b="0" lang="en-US" sz="1400" strike="noStrike" u="none">
-              <a:solidFill>
-                <a:srgbClr val="ffffff"/>
-              </a:solidFill>
-              <a:effectLst/>
-              <a:uFillTx/>
-              <a:latin typeface="Times New Roman"/>
-            </a:endParaRPr>
-          </a:p>
-        </p:txBody>
-      </p:sp>
-      <p:sp>
-        <p:nvSpPr>
-          <p:cNvPr id="7" name="PlaceHolder 3"/>
-          <p:cNvSpPr>
-            <a:spLocks noGrp="1"/>
-          </p:cNvSpPr>
-          <p:nvPr>
-            <p:ph type="dt" idx="6"/>
-          </p:nvPr>
-        </p:nvSpPr>
-        <p:spPr>
-          <a:xfrm>
-            <a:off x="504000" y="5130000"/>
-            <a:ext cx="2339640" cy="449640"/>
-          </a:xfrm>
-          <a:prstGeom prst="rect">
-            <a:avLst/>
-          </a:prstGeom>
-          <a:noFill/>
-          <a:ln w="0">
-            <a:noFill/>
-          </a:ln>
-        </p:spPr>
-        <p:txBody>
-          <a:bodyPr lIns="0" rIns="0" tIns="0" bIns="0" anchor="t">
-            <a:noAutofit/>
-          </a:bodyPr>
-          <a:lstStyle>
-            <a:lvl1pPr indent="0">
-              <a:buNone/>
-              <a:defRPr b="0" lang="en-US" sz="1400" strike="noStrike" u="none">
-                <a:solidFill>
-                  <a:srgbClr val="ffffff"/>
-                </a:solidFill>
-                <a:effectLst/>
-                <a:uFillTx/>
-                <a:latin typeface="Times New Roman"/>
-              </a:defRPr>
-            </a:lvl1pPr>
-          </a:lstStyle>
-          <a:p>
-            <a:pPr indent="0">
-              <a:buNone/>
-            </a:pPr>
-            <a:r>
-              <a:rPr b="0" lang="en-US" sz="1400" strike="noStrike" u="none">
-                <a:solidFill>
-                  <a:srgbClr val="ffffff"/>
-                </a:solidFill>
-                <a:effectLst/>
-                <a:uFillTx/>
-                <a:latin typeface="Times New Roman"/>
-              </a:rPr>
-              <a:t> </a:t>
-            </a:r>
-            <a:endParaRPr b="0" lang="en-US" sz="1400" strike="noStrike" u="none">
-              <a:solidFill>
-                <a:srgbClr val="ffffff"/>
-              </a:solidFill>
-              <a:effectLst/>
-              <a:uFillTx/>
-              <a:latin typeface="Times New Roman"/>
-            </a:endParaRPr>
-          </a:p>
-        </p:txBody>
-      </p:sp>
-    </p:spTree>
-  </p:cSld>
-</p:sldLayout>
-</file>
-
-<file path=ppt/slideLayouts/slideLayout3.xml><?xml version="1.0" encoding="utf-8"?>
-<p:sldLayout xmlns:a="http://schemas.openxmlformats.org/drawingml/2006/main" xmlns:p="http://schemas.openxmlformats.org/presentationml/2006/main" xmlns:r="http://schemas.openxmlformats.org/officeDocument/2006/relationships" xmlns:p14="http://schemas.microsoft.com/office/powerpoint/2010/main" xmlns:p15="http://schemas.microsoft.com/office/powerpoint/2012/main" xmlns:mc="http://schemas.openxmlformats.org/markup-compatibility/2006" type="blank" preserve="1">
-  <p:cSld name="Default">
-    <p:spTree>
-      <p:nvGrpSpPr>
-        <p:cNvPr id="1" name=""/>
-        <p:cNvGrpSpPr/>
-        <p:nvPr/>
-      </p:nvGrpSpPr>
-      <p:grpSpPr>
-        <a:xfrm>
-          <a:off x="0" y="0"/>
-          <a:ext cx="0" cy="0"/>
-          <a:chOff x="0" y="0"/>
-          <a:chExt cx="0" cy="0"/>
-        </a:xfrm>
-      </p:grpSpPr>
-      <p:sp>
-        <p:nvSpPr>
-          <p:cNvPr id="8" name=""/>
-          <p:cNvSpPr/>
-          <p:nvPr/>
-        </p:nvSpPr>
-        <p:spPr>
-          <a:xfrm flipV="1">
-            <a:off x="0" y="-720"/>
-            <a:ext cx="10079640" cy="1079640"/>
-          </a:xfrm>
-          <a:prstGeom prst="rect">
-            <a:avLst/>
-          </a:prstGeom>
-          <a:pattFill prst="lgGrid">
-            <a:fgClr>
-              <a:srgbClr val="3465a4"/>
-            </a:fgClr>
-            <a:bgClr>
-              <a:srgbClr val="009eda"/>
-            </a:bgClr>
-          </a:pattFill>
-          <a:ln w="18000">
-            <a:noFill/>
-          </a:ln>
-          <a:effectLst>
-            <a:outerShdw blurRad="0" dir="5400000" dist="25200" rotWithShape="0">
-              <a:srgbClr val="f49100"/>
-            </a:outerShdw>
-          </a:effectLst>
-        </p:spPr>
-        <p:style>
-          <a:lnRef idx="0"/>
-          <a:fillRef idx="0"/>
-          <a:effectRef idx="0"/>
-          <a:fontRef idx="minor"/>
-        </p:style>
-        <p:txBody>
-          <a:bodyPr wrap="none" lIns="36000" rIns="36000" tIns="36000" bIns="36000" anchor="ctr">
-            <a:noAutofit/>
-          </a:bodyPr>
-          <a:p>
-            <a:pPr>
-              <a:lnSpc>
-                <a:spcPct val="100000"/>
-              </a:lnSpc>
-            </a:pPr>
-            <a:endParaRPr b="0" lang="en-US" sz="2200" strike="noStrike" u="none">
-              <a:solidFill>
-                <a:srgbClr val="ffffff"/>
-              </a:solidFill>
-              <a:effectLst/>
-              <a:uFillTx/>
-              <a:latin typeface="Noto Sans"/>
-              <a:ea typeface="DejaVu Sans"/>
-            </a:endParaRPr>
-          </a:p>
-        </p:txBody>
-      </p:sp>
-      <p:sp>
-        <p:nvSpPr>
           <p:cNvPr id="14" name="PlaceHolder 1"/>
           <p:cNvSpPr>
             <a:spLocks noGrp="1"/>
@@ -493,7 +223,7 @@
         <p:spPr>
           <a:xfrm>
             <a:off x="504000" y="90000"/>
-            <a:ext cx="9071640" cy="989640"/>
+            <a:ext cx="9072000" cy="990000"/>
           </a:xfrm>
           <a:prstGeom prst="rect">
             <a:avLst/>
@@ -511,24 +241,13 @@
             <a:pPr indent="0">
               <a:buNone/>
             </a:pPr>
-            <a:r>
-              <a:rPr b="0" lang="en-US" sz="1800" strike="noStrike" u="none">
-                <a:solidFill>
-                  <a:srgbClr val="ffffff"/>
-                </a:solidFill>
-                <a:effectLst/>
-                <a:uFillTx/>
-                <a:latin typeface="Arial"/>
-              </a:rPr>
-              <a:t>Click to edit the title text format</a:t>
-            </a:r>
-            <a:endParaRPr b="0" lang="en-US" sz="1800" strike="noStrike" u="none">
-              <a:solidFill>
-                <a:srgbClr val="ffffff"/>
-              </a:solidFill>
-              <a:effectLst/>
-              <a:uFillTx/>
-              <a:latin typeface="Arial"/>
+            <a:endParaRPr b="0" lang="en-US" sz="4500" strike="noStrike" u="none">
+              <a:solidFill>
+                <a:srgbClr val="dbf5f9"/>
+              </a:solidFill>
+              <a:effectLst/>
+              <a:uFillTx/>
+              <a:latin typeface="Noto Sans"/>
             </a:endParaRPr>
           </a:p>
         </p:txBody>
@@ -540,13 +259,13 @@
             <a:spLocks noGrp="1"/>
           </p:cNvSpPr>
           <p:nvPr>
-            <p:ph type="body"/>
+            <p:ph/>
           </p:nvPr>
         </p:nvSpPr>
         <p:spPr>
           <a:xfrm>
             <a:off x="504000" y="1440000"/>
-            <a:ext cx="9071640" cy="3509640"/>
+            <a:ext cx="9072000" cy="3510000"/>
           </a:xfrm>
           <a:prstGeom prst="rect">
             <a:avLst/>
@@ -561,450 +280,81 @@
             <a:normAutofit/>
           </a:bodyPr>
           <a:p>
-            <a:pPr marL="432000" indent="-324000">
-              <a:spcBef>
-                <a:spcPts val="1417"/>
-              </a:spcBef>
-              <a:buClr>
-                <a:srgbClr val="ffffff"/>
-              </a:buClr>
-              <a:buSzPct val="45000"/>
-              <a:buFont typeface="Wingdings" charset="2"/>
-              <a:buChar char=""/>
-            </a:pPr>
-            <a:r>
-              <a:rPr b="0" lang="en-US" sz="1800" strike="noStrike" u="none">
-                <a:solidFill>
-                  <a:srgbClr val="ffffff"/>
-                </a:solidFill>
-                <a:effectLst/>
-                <a:uFillTx/>
-                <a:latin typeface="Arial"/>
-              </a:rPr>
-              <a:t>Click to edit the outline text format</a:t>
-            </a:r>
-            <a:endParaRPr b="0" lang="en-US" sz="1800" strike="noStrike" u="none">
-              <a:solidFill>
-                <a:srgbClr val="ffffff"/>
-              </a:solidFill>
-              <a:effectLst/>
-              <a:uFillTx/>
-              <a:latin typeface="Arial"/>
-            </a:endParaRPr>
-          </a:p>
-          <a:p>
-            <a:pPr lvl="1" marL="864000" indent="-324000">
-              <a:spcBef>
-                <a:spcPts val="1134"/>
-              </a:spcBef>
-              <a:buClr>
-                <a:srgbClr val="ffffff"/>
-              </a:buClr>
-              <a:buSzPct val="75000"/>
-              <a:buFont typeface="Symbol" charset="2"/>
-              <a:buChar char=""/>
-            </a:pPr>
-            <a:r>
-              <a:rPr b="0" lang="en-US" sz="1800" strike="noStrike" u="none">
-                <a:solidFill>
-                  <a:srgbClr val="ffffff"/>
-                </a:solidFill>
-                <a:effectLst/>
-                <a:uFillTx/>
-                <a:latin typeface="Arial"/>
-              </a:rPr>
-              <a:t>Second Outline Level</a:t>
-            </a:r>
-            <a:endParaRPr b="0" lang="en-US" sz="1800" strike="noStrike" u="none">
-              <a:solidFill>
-                <a:srgbClr val="ffffff"/>
-              </a:solidFill>
-              <a:effectLst/>
-              <a:uFillTx/>
-              <a:latin typeface="Arial"/>
-            </a:endParaRPr>
-          </a:p>
-          <a:p>
-            <a:pPr lvl="2" marL="1296000" indent="-288000">
-              <a:spcBef>
-                <a:spcPts val="850"/>
-              </a:spcBef>
-              <a:buClr>
-                <a:srgbClr val="ffffff"/>
-              </a:buClr>
-              <a:buSzPct val="45000"/>
-              <a:buFont typeface="Wingdings" charset="2"/>
-              <a:buChar char=""/>
-            </a:pPr>
-            <a:r>
-              <a:rPr b="0" lang="en-US" sz="1800" strike="noStrike" u="none">
-                <a:solidFill>
-                  <a:srgbClr val="ffffff"/>
-                </a:solidFill>
-                <a:effectLst/>
-                <a:uFillTx/>
-                <a:latin typeface="Arial"/>
-              </a:rPr>
-              <a:t>Third Outline Level</a:t>
-            </a:r>
-            <a:endParaRPr b="0" lang="en-US" sz="1800" strike="noStrike" u="none">
-              <a:solidFill>
-                <a:srgbClr val="ffffff"/>
-              </a:solidFill>
-              <a:effectLst/>
-              <a:uFillTx/>
-              <a:latin typeface="Arial"/>
-            </a:endParaRPr>
-          </a:p>
-          <a:p>
-            <a:pPr lvl="3" marL="1728000" indent="-216000">
-              <a:spcBef>
-                <a:spcPts val="567"/>
-              </a:spcBef>
-              <a:buClr>
-                <a:srgbClr val="ffffff"/>
-              </a:buClr>
-              <a:buSzPct val="75000"/>
-              <a:buFont typeface="Symbol" charset="2"/>
-              <a:buChar char=""/>
-            </a:pPr>
-            <a:r>
-              <a:rPr b="0" lang="en-US" sz="1800" strike="noStrike" u="none">
-                <a:solidFill>
-                  <a:srgbClr val="ffffff"/>
-                </a:solidFill>
-                <a:effectLst/>
-                <a:uFillTx/>
-                <a:latin typeface="Arial"/>
-              </a:rPr>
-              <a:t>Fourth Outline Level</a:t>
-            </a:r>
-            <a:endParaRPr b="0" lang="en-US" sz="1800" strike="noStrike" u="none">
-              <a:solidFill>
-                <a:srgbClr val="ffffff"/>
-              </a:solidFill>
-              <a:effectLst/>
-              <a:uFillTx/>
-              <a:latin typeface="Arial"/>
-            </a:endParaRPr>
-          </a:p>
-          <a:p>
-            <a:pPr lvl="4" marL="2160000" indent="-216000">
-              <a:spcBef>
-                <a:spcPts val="283"/>
-              </a:spcBef>
-              <a:buClr>
-                <a:srgbClr val="ffffff"/>
-              </a:buClr>
-              <a:buSzPct val="45000"/>
-              <a:buFont typeface="Wingdings" charset="2"/>
-              <a:buChar char=""/>
-            </a:pPr>
-            <a:r>
-              <a:rPr b="0" lang="en-US" sz="1800" strike="noStrike" u="none">
-                <a:solidFill>
-                  <a:srgbClr val="ffffff"/>
-                </a:solidFill>
-                <a:effectLst/>
-                <a:uFillTx/>
-                <a:latin typeface="Arial"/>
-              </a:rPr>
-              <a:t>Fifth Outline Level</a:t>
-            </a:r>
-            <a:endParaRPr b="0" lang="en-US" sz="1800" strike="noStrike" u="none">
-              <a:solidFill>
-                <a:srgbClr val="ffffff"/>
-              </a:solidFill>
-              <a:effectLst/>
-              <a:uFillTx/>
-              <a:latin typeface="Arial"/>
-            </a:endParaRPr>
-          </a:p>
-          <a:p>
-            <a:pPr lvl="5" marL="2592000" indent="-216000">
-              <a:spcBef>
-                <a:spcPts val="283"/>
-              </a:spcBef>
-              <a:buClr>
-                <a:srgbClr val="ffffff"/>
-              </a:buClr>
-              <a:buSzPct val="45000"/>
-              <a:buFont typeface="Wingdings" charset="2"/>
-              <a:buChar char=""/>
-            </a:pPr>
-            <a:r>
-              <a:rPr b="0" lang="en-US" sz="1800" strike="noStrike" u="none">
-                <a:solidFill>
-                  <a:srgbClr val="ffffff"/>
-                </a:solidFill>
-                <a:effectLst/>
-                <a:uFillTx/>
-                <a:latin typeface="Arial"/>
-              </a:rPr>
-              <a:t>Sixth Outline Level</a:t>
-            </a:r>
-            <a:endParaRPr b="0" lang="en-US" sz="1800" strike="noStrike" u="none">
-              <a:solidFill>
-                <a:srgbClr val="ffffff"/>
-              </a:solidFill>
-              <a:effectLst/>
-              <a:uFillTx/>
-              <a:latin typeface="Arial"/>
-            </a:endParaRPr>
-          </a:p>
-          <a:p>
-            <a:pPr lvl="6" marL="3024000" indent="-216000">
-              <a:spcBef>
-                <a:spcPts val="283"/>
-              </a:spcBef>
-              <a:buClr>
-                <a:srgbClr val="ffffff"/>
-              </a:buClr>
-              <a:buSzPct val="45000"/>
-              <a:buFont typeface="Wingdings" charset="2"/>
-              <a:buChar char=""/>
-            </a:pPr>
-            <a:r>
-              <a:rPr b="0" lang="en-US" sz="1800" strike="noStrike" u="none">
-                <a:solidFill>
-                  <a:srgbClr val="ffffff"/>
-                </a:solidFill>
-                <a:effectLst/>
-                <a:uFillTx/>
-                <a:latin typeface="Arial"/>
-              </a:rPr>
-              <a:t>Seventh Outline Level</a:t>
-            </a:r>
-            <a:endParaRPr b="0" lang="en-US" sz="1800" strike="noStrike" u="none">
-              <a:solidFill>
-                <a:srgbClr val="ffffff"/>
-              </a:solidFill>
-              <a:effectLst/>
-              <a:uFillTx/>
-              <a:latin typeface="Arial"/>
+            <a:pPr indent="0">
+              <a:spcAft>
+                <a:spcPts val="1054"/>
+              </a:spcAft>
+              <a:buNone/>
+            </a:pPr>
+            <a:endParaRPr b="0" lang="en-US" sz="2400" strike="noStrike" u="none">
+              <a:solidFill>
+                <a:srgbClr val="04617b"/>
+              </a:solidFill>
+              <a:effectLst/>
+              <a:uFillTx/>
+              <a:latin typeface="Noto Sans"/>
             </a:endParaRPr>
           </a:p>
         </p:txBody>
       </p:sp>
       <p:sp>
         <p:nvSpPr>
-          <p:cNvPr id="16" name="PlaceHolder 3"/>
+          <p:cNvPr id="4" name="PlaceHolder 3"/>
           <p:cNvSpPr>
             <a:spLocks noGrp="1"/>
           </p:cNvSpPr>
           <p:nvPr>
-            <p:ph type="ftr" idx="10"/>
+            <p:ph type="ftr" idx="5"/>
           </p:nvPr>
         </p:nvSpPr>
-        <p:spPr>
-          <a:xfrm>
-            <a:off x="3420000" y="5130000"/>
-            <a:ext cx="3239640" cy="449640"/>
-          </a:xfrm>
-          <a:prstGeom prst="rect">
-            <a:avLst/>
-          </a:prstGeom>
-          <a:noFill/>
-          <a:ln w="0">
-            <a:noFill/>
-          </a:ln>
-        </p:spPr>
+        <p:spPr/>
         <p:txBody>
-          <a:bodyPr lIns="0" rIns="0" tIns="0" bIns="0" anchor="t">
-            <a:noAutofit/>
-          </a:bodyPr>
-          <a:lstStyle>
-            <a:lvl1pPr indent="0" algn="ctr">
-              <a:lnSpc>
-                <a:spcPct val="100000"/>
-              </a:lnSpc>
-              <a:buNone/>
-              <a:tabLst>
-                <a:tab algn="l" pos="0"/>
-              </a:tabLst>
-              <a:defRPr b="0" lang="en-US" sz="1400" strike="noStrike" u="none">
-                <a:solidFill>
-                  <a:srgbClr val="484848"/>
-                </a:solidFill>
-                <a:effectLst/>
-                <a:uFillTx/>
-                <a:latin typeface="Noto Sans"/>
-              </a:defRPr>
-            </a:lvl1pPr>
-          </a:lstStyle>
-          <a:p>
-            <a:pPr indent="0" algn="ctr">
-              <a:lnSpc>
-                <a:spcPct val="100000"/>
-              </a:lnSpc>
-              <a:buNone/>
-              <a:tabLst>
-                <a:tab algn="l" pos="0"/>
-              </a:tabLst>
-            </a:pPr>
-            <a:r>
-              <a:rPr b="0" lang="en-US" sz="1400" strike="noStrike" u="none">
-                <a:solidFill>
-                  <a:srgbClr val="484848"/>
-                </a:solidFill>
-                <a:effectLst/>
-                <a:uFillTx/>
-                <a:latin typeface="Noto Sans"/>
-              </a:rPr>
-              <a:t>&lt;footer&gt;</a:t>
-            </a:r>
-            <a:endParaRPr b="0" lang="en-US" sz="1400" strike="noStrike" u="none">
-              <a:solidFill>
-                <a:srgbClr val="ffffff"/>
-              </a:solidFill>
-              <a:effectLst/>
-              <a:uFillTx/>
-              <a:latin typeface="Times New Roman"/>
-            </a:endParaRPr>
+          <a:bodyPr/>
+          <a:p>
+            <a:r>
+              <a:t>Footer</a:t>
+            </a:r>
           </a:p>
         </p:txBody>
       </p:sp>
       <p:sp>
         <p:nvSpPr>
-          <p:cNvPr id="17" name="PlaceHolder 4"/>
+          <p:cNvPr id="5" name="PlaceHolder 4"/>
           <p:cNvSpPr>
             <a:spLocks noGrp="1"/>
           </p:cNvSpPr>
           <p:nvPr>
-            <p:ph type="sldNum" idx="11"/>
+            <p:ph type="sldNum" idx="6"/>
           </p:nvPr>
         </p:nvSpPr>
-        <p:spPr>
-          <a:xfrm>
-            <a:off x="7236000" y="5130000"/>
-            <a:ext cx="2339640" cy="449640"/>
-          </a:xfrm>
-          <a:prstGeom prst="rect">
-            <a:avLst/>
-          </a:prstGeom>
-          <a:noFill/>
-          <a:ln w="0">
-            <a:noFill/>
-          </a:ln>
-        </p:spPr>
+        <p:spPr/>
         <p:txBody>
-          <a:bodyPr lIns="0" rIns="0" tIns="0" bIns="0" anchor="t">
-            <a:noAutofit/>
-          </a:bodyPr>
-          <a:lstStyle>
-            <a:lvl1pPr indent="0" algn="r">
-              <a:lnSpc>
-                <a:spcPct val="100000"/>
-              </a:lnSpc>
-              <a:buNone/>
-              <a:tabLst>
-                <a:tab algn="l" pos="0"/>
-              </a:tabLst>
-              <a:defRPr b="0" lang="en-US" sz="1400" strike="noStrike" u="none">
-                <a:solidFill>
-                  <a:srgbClr val="484848"/>
-                </a:solidFill>
-                <a:effectLst/>
-                <a:uFillTx/>
-                <a:latin typeface="Noto Sans"/>
-              </a:defRPr>
-            </a:lvl1pPr>
-          </a:lstStyle>
-          <a:p>
-            <a:pPr indent="0" algn="r">
-              <a:lnSpc>
-                <a:spcPct val="100000"/>
-              </a:lnSpc>
-              <a:buNone/>
-              <a:tabLst>
-                <a:tab algn="l" pos="0"/>
-              </a:tabLst>
-            </a:pPr>
-            <a:fld id="{1AF22219-C7E0-42AC-826E-A9DEA242A4AA}" type="slidenum">
-              <a:rPr b="0" lang="en-US" sz="1400" strike="noStrike" u="none">
-                <a:solidFill>
-                  <a:srgbClr val="484848"/>
-                </a:solidFill>
-                <a:effectLst/>
-                <a:uFillTx/>
-                <a:latin typeface="Noto Sans"/>
-              </a:rPr>
-              <a:t>&lt;number&gt;</a:t>
+          <a:bodyPr/>
+          <a:p>
+            <a:fld id="{948E7856-83CF-47A6-BC1A-E9B2FD1C8B42}" type="slidenum">
+              <a:t>&lt;#&gt;</a:t>
             </a:fld>
-            <a:endParaRPr b="0" lang="en-US" sz="1400" strike="noStrike" u="none">
-              <a:solidFill>
-                <a:srgbClr val="ffffff"/>
-              </a:solidFill>
-              <a:effectLst/>
-              <a:uFillTx/>
-              <a:latin typeface="Times New Roman"/>
-            </a:endParaRPr>
           </a:p>
         </p:txBody>
       </p:sp>
       <p:sp>
         <p:nvSpPr>
-          <p:cNvPr id="18" name="PlaceHolder 5"/>
+          <p:cNvPr id="6" name="PlaceHolder 5"/>
           <p:cNvSpPr>
             <a:spLocks noGrp="1"/>
           </p:cNvSpPr>
           <p:nvPr>
-            <p:ph type="dt" idx="12"/>
+            <p:ph type="dt" idx="4"/>
           </p:nvPr>
         </p:nvSpPr>
-        <p:spPr>
-          <a:xfrm>
-            <a:off x="504000" y="5130000"/>
-            <a:ext cx="2339640" cy="449640"/>
-          </a:xfrm>
-          <a:prstGeom prst="rect">
-            <a:avLst/>
-          </a:prstGeom>
-          <a:noFill/>
-          <a:ln w="0">
-            <a:noFill/>
-          </a:ln>
-        </p:spPr>
+        <p:spPr/>
         <p:txBody>
-          <a:bodyPr lIns="0" rIns="0" tIns="0" bIns="0" anchor="t">
-            <a:noAutofit/>
-          </a:bodyPr>
-          <a:lstStyle>
-            <a:lvl1pPr indent="0">
-              <a:buNone/>
-              <a:defRPr b="0" lang="en-US" sz="1400" strike="noStrike" u="none">
-                <a:solidFill>
-                  <a:srgbClr val="ffffff"/>
-                </a:solidFill>
-                <a:effectLst/>
-                <a:uFillTx/>
-                <a:latin typeface="Times New Roman"/>
-              </a:defRPr>
-            </a:lvl1pPr>
-          </a:lstStyle>
-          <a:p>
-            <a:pPr indent="0">
-              <a:buNone/>
-            </a:pPr>
-            <a:r>
-              <a:rPr b="0" lang="en-US" sz="1400" strike="noStrike" u="none">
-                <a:solidFill>
-                  <a:srgbClr val="ffffff"/>
-                </a:solidFill>
-                <a:effectLst/>
-                <a:uFillTx/>
-                <a:latin typeface="Times New Roman"/>
-              </a:rPr>
-              <a:t>&lt;date/time&gt;</a:t>
-            </a:r>
-            <a:endParaRPr b="0" lang="en-US" sz="1400" strike="noStrike" u="none">
-              <a:solidFill>
-                <a:srgbClr val="ffffff"/>
-              </a:solidFill>
-              <a:effectLst/>
-              <a:uFillTx/>
-              <a:latin typeface="Times New Roman"/>
-            </a:endParaRPr>
+          <a:bodyPr/>
+          <a:p>
+            <a:r>
+              <a:rPr lang="en-US"/>
+              <a:t/>
+            </a:r>
           </a:p>
         </p:txBody>
       </p:sp>
@@ -1013,617 +363,8 @@
 </p:sldLayout>
 </file>
 
-<file path=ppt/slideLayouts/slideLayout4.xml><?xml version="1.0" encoding="utf-8"?>
-<p:sldLayout xmlns:a="http://schemas.openxmlformats.org/drawingml/2006/main" xmlns:p="http://schemas.openxmlformats.org/presentationml/2006/main" xmlns:r="http://schemas.openxmlformats.org/officeDocument/2006/relationships" xmlns:p14="http://schemas.microsoft.com/office/powerpoint/2010/main" xmlns:p15="http://schemas.microsoft.com/office/powerpoint/2012/main" xmlns:mc="http://schemas.openxmlformats.org/markup-compatibility/2006" type="tx" preserve="1">
-  <p:cSld name="Default">
-    <p:spTree>
-      <p:nvGrpSpPr>
-        <p:cNvPr id="1" name=""/>
-        <p:cNvGrpSpPr/>
-        <p:nvPr/>
-      </p:nvGrpSpPr>
-      <p:grpSpPr>
-        <a:xfrm>
-          <a:off x="0" y="0"/>
-          <a:ext cx="0" cy="0"/>
-          <a:chOff x="0" y="0"/>
-          <a:chExt cx="0" cy="0"/>
-        </a:xfrm>
-      </p:grpSpPr>
-      <p:sp>
-        <p:nvSpPr>
-          <p:cNvPr id="8" name=""/>
-          <p:cNvSpPr/>
-          <p:nvPr/>
-        </p:nvSpPr>
-        <p:spPr>
-          <a:xfrm flipV="1">
-            <a:off x="0" y="-720"/>
-            <a:ext cx="10079640" cy="1079640"/>
-          </a:xfrm>
-          <a:prstGeom prst="rect">
-            <a:avLst/>
-          </a:prstGeom>
-          <a:pattFill prst="lgGrid">
-            <a:fgClr>
-              <a:srgbClr val="3465a4"/>
-            </a:fgClr>
-            <a:bgClr>
-              <a:srgbClr val="009eda"/>
-            </a:bgClr>
-          </a:pattFill>
-          <a:ln w="18000">
-            <a:noFill/>
-          </a:ln>
-          <a:effectLst>
-            <a:outerShdw blurRad="0" dir="5400000" dist="25200" rotWithShape="0">
-              <a:srgbClr val="f49100"/>
-            </a:outerShdw>
-          </a:effectLst>
-        </p:spPr>
-        <p:style>
-          <a:lnRef idx="0"/>
-          <a:fillRef idx="0"/>
-          <a:effectRef idx="0"/>
-          <a:fontRef idx="minor"/>
-        </p:style>
-        <p:txBody>
-          <a:bodyPr wrap="none" lIns="36000" rIns="36000" tIns="36000" bIns="36000" anchor="ctr">
-            <a:noAutofit/>
-          </a:bodyPr>
-          <a:p>
-            <a:pPr>
-              <a:lnSpc>
-                <a:spcPct val="100000"/>
-              </a:lnSpc>
-            </a:pPr>
-            <a:endParaRPr b="0" lang="en-US" sz="2200" strike="noStrike" u="none">
-              <a:solidFill>
-                <a:srgbClr val="ffffff"/>
-              </a:solidFill>
-              <a:effectLst/>
-              <a:uFillTx/>
-              <a:latin typeface="Noto Sans"/>
-              <a:ea typeface="DejaVu Sans"/>
-            </a:endParaRPr>
-          </a:p>
-        </p:txBody>
-      </p:sp>
-      <p:sp>
-        <p:nvSpPr>
-          <p:cNvPr id="9" name="PlaceHolder 1"/>
-          <p:cNvSpPr>
-            <a:spLocks noGrp="1"/>
-          </p:cNvSpPr>
-          <p:nvPr>
-            <p:ph type="title"/>
-          </p:nvPr>
-        </p:nvSpPr>
-        <p:spPr>
-          <a:xfrm>
-            <a:off x="504000" y="90000"/>
-            <a:ext cx="9071640" cy="989640"/>
-          </a:xfrm>
-          <a:prstGeom prst="rect">
-            <a:avLst/>
-          </a:prstGeom>
-          <a:noFill/>
-          <a:ln w="0">
-            <a:noFill/>
-          </a:ln>
-        </p:spPr>
-        <p:txBody>
-          <a:bodyPr lIns="0" rIns="0" tIns="0" bIns="0" anchor="b">
-            <a:normAutofit/>
-          </a:bodyPr>
-          <a:p>
-            <a:pPr indent="0">
-              <a:buNone/>
-            </a:pPr>
-            <a:r>
-              <a:rPr b="0" lang="en-US" sz="1800" strike="noStrike" u="none">
-                <a:solidFill>
-                  <a:srgbClr val="ffffff"/>
-                </a:solidFill>
-                <a:effectLst/>
-                <a:uFillTx/>
-                <a:latin typeface="Arial"/>
-              </a:rPr>
-              <a:t>Click to edit the title text format</a:t>
-            </a:r>
-            <a:endParaRPr b="0" lang="en-US" sz="1800" strike="noStrike" u="none">
-              <a:solidFill>
-                <a:srgbClr val="ffffff"/>
-              </a:solidFill>
-              <a:effectLst/>
-              <a:uFillTx/>
-              <a:latin typeface="Arial"/>
-            </a:endParaRPr>
-          </a:p>
-        </p:txBody>
-      </p:sp>
-      <p:sp>
-        <p:nvSpPr>
-          <p:cNvPr id="10" name="PlaceHolder 2"/>
-          <p:cNvSpPr>
-            <a:spLocks noGrp="1"/>
-          </p:cNvSpPr>
-          <p:nvPr>
-            <p:ph type="body"/>
-          </p:nvPr>
-        </p:nvSpPr>
-        <p:spPr>
-          <a:xfrm>
-            <a:off x="504000" y="1440000"/>
-            <a:ext cx="9071640" cy="3509640"/>
-          </a:xfrm>
-          <a:prstGeom prst="rect">
-            <a:avLst/>
-          </a:prstGeom>
-          <a:noFill/>
-          <a:ln w="0">
-            <a:noFill/>
-          </a:ln>
-        </p:spPr>
-        <p:txBody>
-          <a:bodyPr lIns="0" rIns="0" tIns="0" bIns="0" anchor="t">
-            <a:normAutofit/>
-          </a:bodyPr>
-          <a:p>
-            <a:pPr marL="432000" indent="-324000">
-              <a:spcBef>
-                <a:spcPts val="1417"/>
-              </a:spcBef>
-              <a:buClr>
-                <a:srgbClr val="ffffff"/>
-              </a:buClr>
-              <a:buSzPct val="45000"/>
-              <a:buFont typeface="Wingdings" charset="2"/>
-              <a:buChar char=""/>
-            </a:pPr>
-            <a:r>
-              <a:rPr b="0" lang="en-US" sz="1800" strike="noStrike" u="none">
-                <a:solidFill>
-                  <a:srgbClr val="ffffff"/>
-                </a:solidFill>
-                <a:effectLst/>
-                <a:uFillTx/>
-                <a:latin typeface="Arial"/>
-              </a:rPr>
-              <a:t>Click to edit the outline text format</a:t>
-            </a:r>
-            <a:endParaRPr b="0" lang="en-US" sz="1800" strike="noStrike" u="none">
-              <a:solidFill>
-                <a:srgbClr val="ffffff"/>
-              </a:solidFill>
-              <a:effectLst/>
-              <a:uFillTx/>
-              <a:latin typeface="Arial"/>
-            </a:endParaRPr>
-          </a:p>
-          <a:p>
-            <a:pPr lvl="1" marL="864000" indent="-324000">
-              <a:spcBef>
-                <a:spcPts val="1134"/>
-              </a:spcBef>
-              <a:buClr>
-                <a:srgbClr val="ffffff"/>
-              </a:buClr>
-              <a:buSzPct val="75000"/>
-              <a:buFont typeface="Symbol" charset="2"/>
-              <a:buChar char=""/>
-            </a:pPr>
-            <a:r>
-              <a:rPr b="0" lang="en-US" sz="1800" strike="noStrike" u="none">
-                <a:solidFill>
-                  <a:srgbClr val="ffffff"/>
-                </a:solidFill>
-                <a:effectLst/>
-                <a:uFillTx/>
-                <a:latin typeface="Arial"/>
-              </a:rPr>
-              <a:t>Second Outline Level</a:t>
-            </a:r>
-            <a:endParaRPr b="0" lang="en-US" sz="1800" strike="noStrike" u="none">
-              <a:solidFill>
-                <a:srgbClr val="ffffff"/>
-              </a:solidFill>
-              <a:effectLst/>
-              <a:uFillTx/>
-              <a:latin typeface="Arial"/>
-            </a:endParaRPr>
-          </a:p>
-          <a:p>
-            <a:pPr lvl="2" marL="1296000" indent="-288000">
-              <a:spcBef>
-                <a:spcPts val="850"/>
-              </a:spcBef>
-              <a:buClr>
-                <a:srgbClr val="ffffff"/>
-              </a:buClr>
-              <a:buSzPct val="45000"/>
-              <a:buFont typeface="Wingdings" charset="2"/>
-              <a:buChar char=""/>
-            </a:pPr>
-            <a:r>
-              <a:rPr b="0" lang="en-US" sz="1800" strike="noStrike" u="none">
-                <a:solidFill>
-                  <a:srgbClr val="ffffff"/>
-                </a:solidFill>
-                <a:effectLst/>
-                <a:uFillTx/>
-                <a:latin typeface="Arial"/>
-              </a:rPr>
-              <a:t>Third Outline Level</a:t>
-            </a:r>
-            <a:endParaRPr b="0" lang="en-US" sz="1800" strike="noStrike" u="none">
-              <a:solidFill>
-                <a:srgbClr val="ffffff"/>
-              </a:solidFill>
-              <a:effectLst/>
-              <a:uFillTx/>
-              <a:latin typeface="Arial"/>
-            </a:endParaRPr>
-          </a:p>
-          <a:p>
-            <a:pPr lvl="3" marL="1728000" indent="-216000">
-              <a:spcBef>
-                <a:spcPts val="567"/>
-              </a:spcBef>
-              <a:buClr>
-                <a:srgbClr val="ffffff"/>
-              </a:buClr>
-              <a:buSzPct val="75000"/>
-              <a:buFont typeface="Symbol" charset="2"/>
-              <a:buChar char=""/>
-            </a:pPr>
-            <a:r>
-              <a:rPr b="0" lang="en-US" sz="1800" strike="noStrike" u="none">
-                <a:solidFill>
-                  <a:srgbClr val="ffffff"/>
-                </a:solidFill>
-                <a:effectLst/>
-                <a:uFillTx/>
-                <a:latin typeface="Arial"/>
-              </a:rPr>
-              <a:t>Fourth Outline Level</a:t>
-            </a:r>
-            <a:endParaRPr b="0" lang="en-US" sz="1800" strike="noStrike" u="none">
-              <a:solidFill>
-                <a:srgbClr val="ffffff"/>
-              </a:solidFill>
-              <a:effectLst/>
-              <a:uFillTx/>
-              <a:latin typeface="Arial"/>
-            </a:endParaRPr>
-          </a:p>
-          <a:p>
-            <a:pPr lvl="4" marL="2160000" indent="-216000">
-              <a:spcBef>
-                <a:spcPts val="283"/>
-              </a:spcBef>
-              <a:buClr>
-                <a:srgbClr val="ffffff"/>
-              </a:buClr>
-              <a:buSzPct val="45000"/>
-              <a:buFont typeface="Wingdings" charset="2"/>
-              <a:buChar char=""/>
-            </a:pPr>
-            <a:r>
-              <a:rPr b="0" lang="en-US" sz="1800" strike="noStrike" u="none">
-                <a:solidFill>
-                  <a:srgbClr val="ffffff"/>
-                </a:solidFill>
-                <a:effectLst/>
-                <a:uFillTx/>
-                <a:latin typeface="Arial"/>
-              </a:rPr>
-              <a:t>Fifth Outline Level</a:t>
-            </a:r>
-            <a:endParaRPr b="0" lang="en-US" sz="1800" strike="noStrike" u="none">
-              <a:solidFill>
-                <a:srgbClr val="ffffff"/>
-              </a:solidFill>
-              <a:effectLst/>
-              <a:uFillTx/>
-              <a:latin typeface="Arial"/>
-            </a:endParaRPr>
-          </a:p>
-          <a:p>
-            <a:pPr lvl="5" marL="2592000" indent="-216000">
-              <a:spcBef>
-                <a:spcPts val="283"/>
-              </a:spcBef>
-              <a:buClr>
-                <a:srgbClr val="ffffff"/>
-              </a:buClr>
-              <a:buSzPct val="45000"/>
-              <a:buFont typeface="Wingdings" charset="2"/>
-              <a:buChar char=""/>
-            </a:pPr>
-            <a:r>
-              <a:rPr b="0" lang="en-US" sz="1800" strike="noStrike" u="none">
-                <a:solidFill>
-                  <a:srgbClr val="ffffff"/>
-                </a:solidFill>
-                <a:effectLst/>
-                <a:uFillTx/>
-                <a:latin typeface="Arial"/>
-              </a:rPr>
-              <a:t>Sixth Outline Level</a:t>
-            </a:r>
-            <a:endParaRPr b="0" lang="en-US" sz="1800" strike="noStrike" u="none">
-              <a:solidFill>
-                <a:srgbClr val="ffffff"/>
-              </a:solidFill>
-              <a:effectLst/>
-              <a:uFillTx/>
-              <a:latin typeface="Arial"/>
-            </a:endParaRPr>
-          </a:p>
-          <a:p>
-            <a:pPr lvl="6" marL="3024000" indent="-216000">
-              <a:spcBef>
-                <a:spcPts val="283"/>
-              </a:spcBef>
-              <a:buClr>
-                <a:srgbClr val="ffffff"/>
-              </a:buClr>
-              <a:buSzPct val="45000"/>
-              <a:buFont typeface="Wingdings" charset="2"/>
-              <a:buChar char=""/>
-            </a:pPr>
-            <a:r>
-              <a:rPr b="0" lang="en-US" sz="1800" strike="noStrike" u="none">
-                <a:solidFill>
-                  <a:srgbClr val="ffffff"/>
-                </a:solidFill>
-                <a:effectLst/>
-                <a:uFillTx/>
-                <a:latin typeface="Arial"/>
-              </a:rPr>
-              <a:t>Seventh Outline Level</a:t>
-            </a:r>
-            <a:endParaRPr b="0" lang="en-US" sz="1800" strike="noStrike" u="none">
-              <a:solidFill>
-                <a:srgbClr val="ffffff"/>
-              </a:solidFill>
-              <a:effectLst/>
-              <a:uFillTx/>
-              <a:latin typeface="Arial"/>
-            </a:endParaRPr>
-          </a:p>
-        </p:txBody>
-      </p:sp>
-      <p:sp>
-        <p:nvSpPr>
-          <p:cNvPr id="11" name="PlaceHolder 3"/>
-          <p:cNvSpPr>
-            <a:spLocks noGrp="1"/>
-          </p:cNvSpPr>
-          <p:nvPr>
-            <p:ph type="ftr" idx="7"/>
-          </p:nvPr>
-        </p:nvSpPr>
-        <p:spPr>
-          <a:xfrm>
-            <a:off x="3420000" y="5130000"/>
-            <a:ext cx="3239640" cy="449640"/>
-          </a:xfrm>
-          <a:prstGeom prst="rect">
-            <a:avLst/>
-          </a:prstGeom>
-          <a:noFill/>
-          <a:ln w="0">
-            <a:noFill/>
-          </a:ln>
-        </p:spPr>
-        <p:txBody>
-          <a:bodyPr lIns="0" rIns="0" tIns="0" bIns="0" anchor="t">
-            <a:noAutofit/>
-          </a:bodyPr>
-          <a:lstStyle>
-            <a:lvl1pPr indent="0" algn="ctr">
-              <a:lnSpc>
-                <a:spcPct val="100000"/>
-              </a:lnSpc>
-              <a:buNone/>
-              <a:tabLst>
-                <a:tab algn="l" pos="0"/>
-              </a:tabLst>
-              <a:defRPr b="0" lang="en-US" sz="1400" strike="noStrike" u="none">
-                <a:solidFill>
-                  <a:srgbClr val="484848"/>
-                </a:solidFill>
-                <a:effectLst/>
-                <a:uFillTx/>
-                <a:latin typeface="Noto Sans"/>
-              </a:defRPr>
-            </a:lvl1pPr>
-          </a:lstStyle>
-          <a:p>
-            <a:pPr indent="0" algn="ctr">
-              <a:lnSpc>
-                <a:spcPct val="100000"/>
-              </a:lnSpc>
-              <a:buNone/>
-              <a:tabLst>
-                <a:tab algn="l" pos="0"/>
-              </a:tabLst>
-            </a:pPr>
-            <a:r>
-              <a:rPr b="0" lang="en-US" sz="1400" strike="noStrike" u="none">
-                <a:solidFill>
-                  <a:srgbClr val="484848"/>
-                </a:solidFill>
-                <a:effectLst/>
-                <a:uFillTx/>
-                <a:latin typeface="Noto Sans"/>
-              </a:rPr>
-              <a:t>&lt;footer&gt;</a:t>
-            </a:r>
-            <a:endParaRPr b="0" lang="en-US" sz="1400" strike="noStrike" u="none">
-              <a:solidFill>
-                <a:srgbClr val="ffffff"/>
-              </a:solidFill>
-              <a:effectLst/>
-              <a:uFillTx/>
-              <a:latin typeface="Times New Roman"/>
-            </a:endParaRPr>
-          </a:p>
-        </p:txBody>
-      </p:sp>
-      <p:sp>
-        <p:nvSpPr>
-          <p:cNvPr id="12" name="PlaceHolder 4"/>
-          <p:cNvSpPr>
-            <a:spLocks noGrp="1"/>
-          </p:cNvSpPr>
-          <p:nvPr>
-            <p:ph type="sldNum" idx="8"/>
-          </p:nvPr>
-        </p:nvSpPr>
-        <p:spPr>
-          <a:xfrm>
-            <a:off x="7236000" y="5130000"/>
-            <a:ext cx="2339640" cy="449640"/>
-          </a:xfrm>
-          <a:prstGeom prst="rect">
-            <a:avLst/>
-          </a:prstGeom>
-          <a:noFill/>
-          <a:ln w="0">
-            <a:noFill/>
-          </a:ln>
-        </p:spPr>
-        <p:txBody>
-          <a:bodyPr lIns="0" rIns="0" tIns="0" bIns="0" anchor="t">
-            <a:noAutofit/>
-          </a:bodyPr>
-          <a:lstStyle>
-            <a:lvl1pPr indent="0" algn="r">
-              <a:lnSpc>
-                <a:spcPct val="100000"/>
-              </a:lnSpc>
-              <a:buNone/>
-              <a:tabLst>
-                <a:tab algn="l" pos="0"/>
-              </a:tabLst>
-              <a:defRPr b="0" lang="en-US" sz="1400" strike="noStrike" u="none">
-                <a:solidFill>
-                  <a:srgbClr val="484848"/>
-                </a:solidFill>
-                <a:effectLst/>
-                <a:uFillTx/>
-                <a:latin typeface="Noto Sans"/>
-              </a:defRPr>
-            </a:lvl1pPr>
-          </a:lstStyle>
-          <a:p>
-            <a:pPr indent="0" algn="r">
-              <a:lnSpc>
-                <a:spcPct val="100000"/>
-              </a:lnSpc>
-              <a:buNone/>
-              <a:tabLst>
-                <a:tab algn="l" pos="0"/>
-              </a:tabLst>
-            </a:pPr>
-            <a:fld id="{3772BFD2-4E02-474C-BB04-9FCF176F9428}" type="slidenum">
-              <a:rPr b="0" lang="en-US" sz="1400" strike="noStrike" u="none">
-                <a:solidFill>
-                  <a:srgbClr val="484848"/>
-                </a:solidFill>
-                <a:effectLst/>
-                <a:uFillTx/>
-                <a:latin typeface="Noto Sans"/>
-              </a:rPr>
-              <a:t>&lt;number&gt;</a:t>
-            </a:fld>
-            <a:endParaRPr b="0" lang="en-US" sz="1400" strike="noStrike" u="none">
-              <a:solidFill>
-                <a:srgbClr val="ffffff"/>
-              </a:solidFill>
-              <a:effectLst/>
-              <a:uFillTx/>
-              <a:latin typeface="Times New Roman"/>
-            </a:endParaRPr>
-          </a:p>
-        </p:txBody>
-      </p:sp>
-      <p:sp>
-        <p:nvSpPr>
-          <p:cNvPr id="13" name="PlaceHolder 5"/>
-          <p:cNvSpPr>
-            <a:spLocks noGrp="1"/>
-          </p:cNvSpPr>
-          <p:nvPr>
-            <p:ph type="dt" idx="9"/>
-          </p:nvPr>
-        </p:nvSpPr>
-        <p:spPr>
-          <a:xfrm>
-            <a:off x="504000" y="5130000"/>
-            <a:ext cx="2339640" cy="449640"/>
-          </a:xfrm>
-          <a:prstGeom prst="rect">
-            <a:avLst/>
-          </a:prstGeom>
-          <a:noFill/>
-          <a:ln w="0">
-            <a:noFill/>
-          </a:ln>
-        </p:spPr>
-        <p:txBody>
-          <a:bodyPr lIns="0" rIns="0" tIns="0" bIns="0" anchor="t">
-            <a:noAutofit/>
-          </a:bodyPr>
-          <a:lstStyle>
-            <a:lvl1pPr indent="0">
-              <a:buNone/>
-              <a:defRPr b="0" lang="en-US" sz="1400" strike="noStrike" u="none">
-                <a:solidFill>
-                  <a:srgbClr val="ffffff"/>
-                </a:solidFill>
-                <a:effectLst/>
-                <a:uFillTx/>
-                <a:latin typeface="Times New Roman"/>
-              </a:defRPr>
-            </a:lvl1pPr>
-          </a:lstStyle>
-          <a:p>
-            <a:pPr indent="0">
-              <a:buNone/>
-            </a:pPr>
-            <a:r>
-              <a:rPr b="0" lang="en-US" sz="1400" strike="noStrike" u="none">
-                <a:solidFill>
-                  <a:srgbClr val="ffffff"/>
-                </a:solidFill>
-                <a:effectLst/>
-                <a:uFillTx/>
-                <a:latin typeface="Times New Roman"/>
-              </a:rPr>
-              <a:t>&lt;date/time&gt;</a:t>
-            </a:r>
-            <a:endParaRPr b="0" lang="en-US" sz="1400" strike="noStrike" u="none">
-              <a:solidFill>
-                <a:srgbClr val="ffffff"/>
-              </a:solidFill>
-              <a:effectLst/>
-              <a:uFillTx/>
-              <a:latin typeface="Times New Roman"/>
-            </a:endParaRPr>
-          </a:p>
-        </p:txBody>
-      </p:sp>
-    </p:spTree>
-  </p:cSld>
-</p:sldLayout>
-</file>
-
-<file path=ppt/slideLayouts/slideLayout5.xml><?xml version="1.0" encoding="utf-8"?>
-<p:sldLayout xmlns:a="http://schemas.openxmlformats.org/drawingml/2006/main" xmlns:p="http://schemas.openxmlformats.org/presentationml/2006/main" xmlns:r="http://schemas.openxmlformats.org/officeDocument/2006/relationships" xmlns:p14="http://schemas.microsoft.com/office/powerpoint/2010/main" xmlns:p15="http://schemas.microsoft.com/office/powerpoint/2012/main" xmlns:mc="http://schemas.openxmlformats.org/markup-compatibility/2006" type="blank" preserve="1">
+<file path=ppt/slideLayouts/slideLayout3.xml><?xml version="1.0" encoding="utf-8"?>
+<p:sldLayout xmlns:a="http://schemas.openxmlformats.org/drawingml/2006/main" xmlns:p="http://schemas.openxmlformats.org/presentationml/2006/main" xmlns:r="http://schemas.openxmlformats.org/officeDocument/2006/relationships" xmlns:p14="http://schemas.microsoft.com/office/powerpoint/2010/main" xmlns:p15="http://schemas.microsoft.com/office/powerpoint/2012/main" xmlns:mc="http://schemas.openxmlformats.org/markup-compatibility/2006" type="titleOnly" preserve="1">
   <p:cSld name="Vivid2">
     <p:spTree>
       <p:nvGrpSpPr>
@@ -1641,487 +382,7 @@
       </p:grpSpPr>
       <p:sp>
         <p:nvSpPr>
-          <p:cNvPr id="19" name=""/>
-          <p:cNvSpPr/>
-          <p:nvPr/>
-        </p:nvSpPr>
-        <p:spPr>
-          <a:xfrm flipV="1">
-            <a:off x="0" y="-720"/>
-            <a:ext cx="10079640" cy="179640"/>
-          </a:xfrm>
-          <a:prstGeom prst="rect">
-            <a:avLst/>
-          </a:prstGeom>
-          <a:pattFill prst="lgGrid">
-            <a:fgClr>
-              <a:srgbClr val="3465a4"/>
-            </a:fgClr>
-            <a:bgClr>
-              <a:srgbClr val="009eda"/>
-            </a:bgClr>
-          </a:pattFill>
-          <a:ln w="18000">
-            <a:noFill/>
-          </a:ln>
-          <a:effectLst>
-            <a:outerShdw blurRad="0" dir="5400000" dist="25200" rotWithShape="0">
-              <a:srgbClr val="f49100"/>
-            </a:outerShdw>
-          </a:effectLst>
-        </p:spPr>
-        <p:style>
-          <a:lnRef idx="0"/>
-          <a:fillRef idx="0"/>
-          <a:effectRef idx="0"/>
-          <a:fontRef idx="minor"/>
-        </p:style>
-        <p:txBody>
-          <a:bodyPr wrap="none" lIns="36000" rIns="36000" tIns="36000" bIns="36000" anchor="ctr">
-            <a:noAutofit/>
-          </a:bodyPr>
-          <a:p>
-            <a:pPr>
-              <a:lnSpc>
-                <a:spcPct val="100000"/>
-              </a:lnSpc>
-            </a:pPr>
-            <a:endParaRPr b="0" lang="en-US" sz="2200" strike="noStrike" u="none">
-              <a:solidFill>
-                <a:srgbClr val="ffffff"/>
-              </a:solidFill>
-              <a:effectLst/>
-              <a:uFillTx/>
-              <a:latin typeface="Noto Sans"/>
-              <a:ea typeface="DejaVu Sans"/>
-            </a:endParaRPr>
-          </a:p>
-        </p:txBody>
-      </p:sp>
-      <p:sp>
-        <p:nvSpPr>
-          <p:cNvPr id="20" name=""/>
-          <p:cNvSpPr/>
-          <p:nvPr/>
-        </p:nvSpPr>
-        <p:spPr>
-          <a:xfrm>
-            <a:off x="0" y="5580000"/>
-            <a:ext cx="10079640" cy="89640"/>
-          </a:xfrm>
-          <a:prstGeom prst="rect">
-            <a:avLst/>
-          </a:prstGeom>
-          <a:pattFill prst="lgGrid">
-            <a:fgClr>
-              <a:srgbClr val="3465a4"/>
-            </a:fgClr>
-            <a:bgClr>
-              <a:srgbClr val="009eda"/>
-            </a:bgClr>
-          </a:pattFill>
-          <a:ln w="18000">
-            <a:noFill/>
-          </a:ln>
-          <a:effectLst>
-            <a:outerShdw blurRad="0" dir="16200000" dist="25200" rotWithShape="0">
-              <a:srgbClr val="f49100"/>
-            </a:outerShdw>
-          </a:effectLst>
-        </p:spPr>
-        <p:style>
-          <a:lnRef idx="0"/>
-          <a:fillRef idx="0"/>
-          <a:effectRef idx="0"/>
-          <a:fontRef idx="minor"/>
-        </p:style>
-        <p:txBody>
-          <a:bodyPr wrap="none" lIns="36000" rIns="36000" tIns="36000" bIns="36000" anchor="ctr">
-            <a:noAutofit/>
-          </a:bodyPr>
-          <a:p>
-            <a:pPr>
-              <a:lnSpc>
-                <a:spcPct val="100000"/>
-              </a:lnSpc>
-            </a:pPr>
-            <a:endParaRPr b="0" lang="en-US" sz="2200" strike="noStrike" u="none">
-              <a:solidFill>
-                <a:srgbClr val="ffffff"/>
-              </a:solidFill>
-              <a:effectLst/>
-              <a:uFillTx/>
-              <a:latin typeface="Noto Sans"/>
-              <a:ea typeface="DejaVu Sans"/>
-            </a:endParaRPr>
-          </a:p>
-        </p:txBody>
-      </p:sp>
-      <p:sp>
-        <p:nvSpPr>
-          <p:cNvPr id="21" name="PlaceHolder 1"/>
-          <p:cNvSpPr>
-            <a:spLocks noGrp="1"/>
-          </p:cNvSpPr>
-          <p:nvPr>
-            <p:ph type="ftr" idx="13"/>
-          </p:nvPr>
-        </p:nvSpPr>
-        <p:spPr>
-          <a:xfrm>
-            <a:off x="3420000" y="5130000"/>
-            <a:ext cx="3239640" cy="449640"/>
-          </a:xfrm>
-          <a:prstGeom prst="rect">
-            <a:avLst/>
-          </a:prstGeom>
-          <a:noFill/>
-          <a:ln w="0">
-            <a:noFill/>
-          </a:ln>
-        </p:spPr>
-        <p:txBody>
-          <a:bodyPr lIns="0" rIns="0" tIns="0" bIns="0" anchor="t">
-            <a:noAutofit/>
-          </a:bodyPr>
-          <a:lstStyle>
-            <a:lvl1pPr indent="0" algn="ctr">
-              <a:lnSpc>
-                <a:spcPct val="100000"/>
-              </a:lnSpc>
-              <a:buNone/>
-              <a:tabLst>
-                <a:tab algn="l" pos="0"/>
-              </a:tabLst>
-              <a:defRPr b="0" lang="en-US" sz="1400" strike="noStrike" u="none">
-                <a:solidFill>
-                  <a:srgbClr val="484848"/>
-                </a:solidFill>
-                <a:effectLst/>
-                <a:uFillTx/>
-                <a:latin typeface="Noto Sans"/>
-              </a:defRPr>
-            </a:lvl1pPr>
-          </a:lstStyle>
-          <a:p>
-            <a:pPr indent="0" algn="ctr">
-              <a:lnSpc>
-                <a:spcPct val="100000"/>
-              </a:lnSpc>
-              <a:buNone/>
-              <a:tabLst>
-                <a:tab algn="l" pos="0"/>
-              </a:tabLst>
-            </a:pPr>
-            <a:r>
-              <a:rPr b="0" lang="en-US" sz="1400" strike="noStrike" u="none">
-                <a:solidFill>
-                  <a:srgbClr val="484848"/>
-                </a:solidFill>
-                <a:effectLst/>
-                <a:uFillTx/>
-                <a:latin typeface="Noto Sans"/>
-              </a:rPr>
-              <a:t>&lt;footer&gt;</a:t>
-            </a:r>
-            <a:endParaRPr b="0" lang="en-US" sz="1400" strike="noStrike" u="none">
-              <a:solidFill>
-                <a:srgbClr val="ffffff"/>
-              </a:solidFill>
-              <a:effectLst/>
-              <a:uFillTx/>
-              <a:latin typeface="Times New Roman"/>
-            </a:endParaRPr>
-          </a:p>
-        </p:txBody>
-      </p:sp>
-      <p:sp>
-        <p:nvSpPr>
-          <p:cNvPr id="22" name="PlaceHolder 2"/>
-          <p:cNvSpPr>
-            <a:spLocks noGrp="1"/>
-          </p:cNvSpPr>
-          <p:nvPr>
-            <p:ph type="sldNum" idx="14"/>
-          </p:nvPr>
-        </p:nvSpPr>
-        <p:spPr>
-          <a:xfrm>
-            <a:off x="7236000" y="5130000"/>
-            <a:ext cx="2339640" cy="449640"/>
-          </a:xfrm>
-          <a:prstGeom prst="rect">
-            <a:avLst/>
-          </a:prstGeom>
-          <a:noFill/>
-          <a:ln w="0">
-            <a:noFill/>
-          </a:ln>
-        </p:spPr>
-        <p:txBody>
-          <a:bodyPr lIns="0" rIns="0" tIns="0" bIns="0" anchor="t">
-            <a:noAutofit/>
-          </a:bodyPr>
-          <a:lstStyle>
-            <a:lvl1pPr indent="0" algn="r">
-              <a:lnSpc>
-                <a:spcPct val="100000"/>
-              </a:lnSpc>
-              <a:buNone/>
-              <a:tabLst>
-                <a:tab algn="l" pos="0"/>
-              </a:tabLst>
-              <a:defRPr b="0" lang="en-US" sz="1400" strike="noStrike" u="none">
-                <a:solidFill>
-                  <a:srgbClr val="484848"/>
-                </a:solidFill>
-                <a:effectLst/>
-                <a:uFillTx/>
-                <a:latin typeface="Noto Sans"/>
-              </a:defRPr>
-            </a:lvl1pPr>
-          </a:lstStyle>
-          <a:p>
-            <a:pPr indent="0" algn="r">
-              <a:lnSpc>
-                <a:spcPct val="100000"/>
-              </a:lnSpc>
-              <a:buNone/>
-              <a:tabLst>
-                <a:tab algn="l" pos="0"/>
-              </a:tabLst>
-            </a:pPr>
-            <a:fld id="{6C408573-9ED2-4283-9586-E04E50824C95}" type="slidenum">
-              <a:rPr b="0" lang="en-US" sz="1400" strike="noStrike" u="none">
-                <a:solidFill>
-                  <a:srgbClr val="484848"/>
-                </a:solidFill>
-                <a:effectLst/>
-                <a:uFillTx/>
-                <a:latin typeface="Noto Sans"/>
-              </a:rPr>
-              <a:t>&lt;number&gt;</a:t>
-            </a:fld>
-            <a:endParaRPr b="0" lang="en-US" sz="1400" strike="noStrike" u="none">
-              <a:solidFill>
-                <a:srgbClr val="ffffff"/>
-              </a:solidFill>
-              <a:effectLst/>
-              <a:uFillTx/>
-              <a:latin typeface="Times New Roman"/>
-            </a:endParaRPr>
-          </a:p>
-        </p:txBody>
-      </p:sp>
-      <p:sp>
-        <p:nvSpPr>
-          <p:cNvPr id="23" name="PlaceHolder 3"/>
-          <p:cNvSpPr>
-            <a:spLocks noGrp="1"/>
-          </p:cNvSpPr>
-          <p:nvPr>
-            <p:ph type="dt" idx="15"/>
-          </p:nvPr>
-        </p:nvSpPr>
-        <p:spPr>
-          <a:xfrm>
-            <a:off x="504000" y="5130000"/>
-            <a:ext cx="2339640" cy="449640"/>
-          </a:xfrm>
-          <a:prstGeom prst="rect">
-            <a:avLst/>
-          </a:prstGeom>
-          <a:noFill/>
-          <a:ln w="0">
-            <a:noFill/>
-          </a:ln>
-        </p:spPr>
-        <p:txBody>
-          <a:bodyPr lIns="0" rIns="0" tIns="0" bIns="0" anchor="t">
-            <a:noAutofit/>
-          </a:bodyPr>
-          <a:lstStyle>
-            <a:lvl1pPr indent="0">
-              <a:buNone/>
-              <a:defRPr b="0" lang="en-US" sz="1400" strike="noStrike" u="none">
-                <a:solidFill>
-                  <a:srgbClr val="ffffff"/>
-                </a:solidFill>
-                <a:effectLst/>
-                <a:uFillTx/>
-                <a:latin typeface="Times New Roman"/>
-              </a:defRPr>
-            </a:lvl1pPr>
-          </a:lstStyle>
-          <a:p>
-            <a:pPr indent="0">
-              <a:buNone/>
-            </a:pPr>
-            <a:r>
-              <a:rPr b="0" lang="en-US" sz="1400" strike="noStrike" u="none">
-                <a:solidFill>
-                  <a:srgbClr val="ffffff"/>
-                </a:solidFill>
-                <a:effectLst/>
-                <a:uFillTx/>
-                <a:latin typeface="Times New Roman"/>
-              </a:rPr>
-              <a:t>&lt;date/time&gt;</a:t>
-            </a:r>
-            <a:endParaRPr b="0" lang="en-US" sz="1400" strike="noStrike" u="none">
-              <a:solidFill>
-                <a:srgbClr val="ffffff"/>
-              </a:solidFill>
-              <a:effectLst/>
-              <a:uFillTx/>
-              <a:latin typeface="Times New Roman"/>
-            </a:endParaRPr>
-          </a:p>
-        </p:txBody>
-      </p:sp>
-    </p:spTree>
-  </p:cSld>
-</p:sldLayout>
-</file>
-
-<file path=ppt/slideLayouts/slideLayout6.xml><?xml version="1.0" encoding="utf-8"?>
-<p:sldLayout xmlns:a="http://schemas.openxmlformats.org/drawingml/2006/main" xmlns:p="http://schemas.openxmlformats.org/presentationml/2006/main" xmlns:r="http://schemas.openxmlformats.org/officeDocument/2006/relationships" xmlns:p14="http://schemas.microsoft.com/office/powerpoint/2010/main" xmlns:p15="http://schemas.microsoft.com/office/powerpoint/2012/main" xmlns:mc="http://schemas.openxmlformats.org/markup-compatibility/2006" type="titleOnly" preserve="1">
-  <p:cSld name="Default 1">
-    <p:spTree>
-      <p:nvGrpSpPr>
-        <p:cNvPr id="1" name=""/>
-        <p:cNvGrpSpPr/>
-        <p:nvPr/>
-      </p:nvGrpSpPr>
-      <p:grpSpPr>
-        <a:xfrm>
-          <a:off x="0" y="0"/>
-          <a:ext cx="0" cy="0"/>
-          <a:chOff x="0" y="0"/>
-          <a:chExt cx="0" cy="0"/>
-        </a:xfrm>
-      </p:grpSpPr>
-      <p:sp>
-        <p:nvSpPr>
-          <p:cNvPr id="24" name=""/>
-          <p:cNvSpPr/>
-          <p:nvPr/>
-        </p:nvSpPr>
-        <p:spPr>
-          <a:xfrm flipV="1">
-            <a:off x="0" y="-720"/>
-            <a:ext cx="10079640" cy="179640"/>
-          </a:xfrm>
-          <a:prstGeom prst="rect">
-            <a:avLst/>
-          </a:prstGeom>
-          <a:pattFill prst="lgGrid">
-            <a:fgClr>
-              <a:srgbClr val="3465a4"/>
-            </a:fgClr>
-            <a:bgClr>
-              <a:srgbClr val="009eda"/>
-            </a:bgClr>
-          </a:pattFill>
-          <a:ln w="18000">
-            <a:noFill/>
-          </a:ln>
-          <a:effectLst>
-            <a:outerShdw blurRad="0" dir="5400000" dist="25200" rotWithShape="0">
-              <a:srgbClr val="f49100"/>
-            </a:outerShdw>
-          </a:effectLst>
-        </p:spPr>
-        <p:style>
-          <a:lnRef idx="0"/>
-          <a:fillRef idx="0"/>
-          <a:effectRef idx="0"/>
-          <a:fontRef idx="minor"/>
-        </p:style>
-        <p:txBody>
-          <a:bodyPr wrap="none" lIns="36000" rIns="36000" tIns="36000" bIns="36000" anchor="ctr">
-            <a:noAutofit/>
-          </a:bodyPr>
-          <a:p>
-            <a:pPr>
-              <a:lnSpc>
-                <a:spcPct val="100000"/>
-              </a:lnSpc>
-            </a:pPr>
-            <a:endParaRPr b="0" lang="en-US" sz="2200" strike="noStrike" u="none">
-              <a:solidFill>
-                <a:srgbClr val="ffffff"/>
-              </a:solidFill>
-              <a:effectLst/>
-              <a:uFillTx/>
-              <a:latin typeface="Noto Sans"/>
-              <a:ea typeface="DejaVu Sans"/>
-            </a:endParaRPr>
-          </a:p>
-        </p:txBody>
-      </p:sp>
-      <p:sp>
-        <p:nvSpPr>
-          <p:cNvPr id="25" name=""/>
-          <p:cNvSpPr/>
-          <p:nvPr/>
-        </p:nvSpPr>
-        <p:spPr>
-          <a:xfrm>
-            <a:off x="0" y="5580000"/>
-            <a:ext cx="10079640" cy="89640"/>
-          </a:xfrm>
-          <a:prstGeom prst="rect">
-            <a:avLst/>
-          </a:prstGeom>
-          <a:pattFill prst="lgGrid">
-            <a:fgClr>
-              <a:srgbClr val="3465a4"/>
-            </a:fgClr>
-            <a:bgClr>
-              <a:srgbClr val="009eda"/>
-            </a:bgClr>
-          </a:pattFill>
-          <a:ln w="18000">
-            <a:noFill/>
-          </a:ln>
-          <a:effectLst>
-            <a:outerShdw blurRad="0" dir="16200000" dist="25200" rotWithShape="0">
-              <a:srgbClr val="f49100"/>
-            </a:outerShdw>
-          </a:effectLst>
-        </p:spPr>
-        <p:style>
-          <a:lnRef idx="0"/>
-          <a:fillRef idx="0"/>
-          <a:effectRef idx="0"/>
-          <a:fontRef idx="minor"/>
-        </p:style>
-        <p:txBody>
-          <a:bodyPr wrap="none" lIns="36000" rIns="36000" tIns="36000" bIns="36000" anchor="ctr">
-            <a:noAutofit/>
-          </a:bodyPr>
-          <a:p>
-            <a:pPr>
-              <a:lnSpc>
-                <a:spcPct val="100000"/>
-              </a:lnSpc>
-            </a:pPr>
-            <a:endParaRPr b="0" lang="en-US" sz="2200" strike="noStrike" u="none">
-              <a:solidFill>
-                <a:srgbClr val="ffffff"/>
-              </a:solidFill>
-              <a:effectLst/>
-              <a:uFillTx/>
-              <a:latin typeface="Noto Sans"/>
-              <a:ea typeface="DejaVu Sans"/>
-            </a:endParaRPr>
-          </a:p>
-        </p:txBody>
-      </p:sp>
-      <p:sp>
-        <p:nvSpPr>
-          <p:cNvPr id="26" name="PlaceHolder 1"/>
+          <p:cNvPr id="23" name="PlaceHolder 1"/>
           <p:cNvSpPr>
             <a:spLocks noGrp="1"/>
           </p:cNvSpPr>
@@ -2132,7 +393,7 @@
         <p:spPr>
           <a:xfrm>
             <a:off x="504000" y="90000"/>
-            <a:ext cx="9071640" cy="989640"/>
+            <a:ext cx="9072000" cy="990000"/>
           </a:xfrm>
           <a:prstGeom prst="rect">
             <a:avLst/>
@@ -2150,500 +411,75 @@
             <a:pPr indent="0">
               <a:buNone/>
             </a:pPr>
-            <a:r>
-              <a:rPr b="0" lang="en-US" sz="1800" strike="noStrike" u="none">
-                <a:solidFill>
-                  <a:srgbClr val="ffffff"/>
-                </a:solidFill>
-                <a:effectLst/>
-                <a:uFillTx/>
-                <a:latin typeface="Arial"/>
-              </a:rPr>
-              <a:t>Click to edit the title text format</a:t>
-            </a:r>
-            <a:endParaRPr b="0" lang="en-US" sz="1800" strike="noStrike" u="none">
-              <a:solidFill>
-                <a:srgbClr val="ffffff"/>
-              </a:solidFill>
-              <a:effectLst/>
-              <a:uFillTx/>
-              <a:latin typeface="Arial"/>
+            <a:endParaRPr b="0" lang="en-US" sz="4500" strike="noStrike" u="none">
+              <a:solidFill>
+                <a:srgbClr val="dbf5f9"/>
+              </a:solidFill>
+              <a:effectLst/>
+              <a:uFillTx/>
+              <a:latin typeface="Noto Sans"/>
             </a:endParaRPr>
           </a:p>
         </p:txBody>
       </p:sp>
       <p:sp>
         <p:nvSpPr>
-          <p:cNvPr id="27" name="PlaceHolder 2"/>
+          <p:cNvPr id="3" name="PlaceHolder 2"/>
           <p:cNvSpPr>
             <a:spLocks noGrp="1"/>
           </p:cNvSpPr>
           <p:nvPr>
-            <p:ph type="ftr" idx="16"/>
+            <p:ph type="ftr" idx="8"/>
           </p:nvPr>
         </p:nvSpPr>
-        <p:spPr>
-          <a:xfrm>
-            <a:off x="3420000" y="5130000"/>
-            <a:ext cx="3239640" cy="449640"/>
-          </a:xfrm>
-          <a:prstGeom prst="rect">
-            <a:avLst/>
-          </a:prstGeom>
-          <a:noFill/>
-          <a:ln w="0">
-            <a:noFill/>
-          </a:ln>
-        </p:spPr>
+        <p:spPr/>
         <p:txBody>
-          <a:bodyPr lIns="0" rIns="0" tIns="0" bIns="0" anchor="t">
-            <a:noAutofit/>
-          </a:bodyPr>
-          <a:lstStyle>
-            <a:lvl1pPr indent="0" algn="ctr">
-              <a:lnSpc>
-                <a:spcPct val="100000"/>
-              </a:lnSpc>
-              <a:buNone/>
-              <a:tabLst>
-                <a:tab algn="l" pos="0"/>
-              </a:tabLst>
-              <a:defRPr b="0" lang="en-US" sz="1400" strike="noStrike" u="none">
-                <a:solidFill>
-                  <a:srgbClr val="484848"/>
-                </a:solidFill>
-                <a:effectLst/>
-                <a:uFillTx/>
-                <a:latin typeface="Noto Sans"/>
-              </a:defRPr>
-            </a:lvl1pPr>
-          </a:lstStyle>
-          <a:p>
-            <a:pPr indent="0" algn="ctr">
-              <a:lnSpc>
-                <a:spcPct val="100000"/>
-              </a:lnSpc>
-              <a:buNone/>
-              <a:tabLst>
-                <a:tab algn="l" pos="0"/>
-              </a:tabLst>
-            </a:pPr>
-            <a:r>
-              <a:rPr b="0" lang="en-US" sz="1400" strike="noStrike" u="none">
-                <a:solidFill>
-                  <a:srgbClr val="484848"/>
-                </a:solidFill>
-                <a:effectLst/>
-                <a:uFillTx/>
-                <a:latin typeface="Noto Sans"/>
-              </a:rPr>
-              <a:t>&lt;footer&gt;</a:t>
-            </a:r>
-            <a:endParaRPr b="0" lang="en-US" sz="1400" strike="noStrike" u="none">
-              <a:solidFill>
-                <a:srgbClr val="ffffff"/>
-              </a:solidFill>
-              <a:effectLst/>
-              <a:uFillTx/>
-              <a:latin typeface="Times New Roman"/>
-            </a:endParaRPr>
+          <a:bodyPr/>
+          <a:p>
+            <a:r>
+              <a:t>Footer</a:t>
+            </a:r>
           </a:p>
         </p:txBody>
       </p:sp>
       <p:sp>
         <p:nvSpPr>
-          <p:cNvPr id="28" name="PlaceHolder 3"/>
+          <p:cNvPr id="4" name="PlaceHolder 3"/>
           <p:cNvSpPr>
             <a:spLocks noGrp="1"/>
           </p:cNvSpPr>
           <p:nvPr>
-            <p:ph type="sldNum" idx="17"/>
+            <p:ph type="sldNum" idx="9"/>
           </p:nvPr>
         </p:nvSpPr>
-        <p:spPr>
-          <a:xfrm>
-            <a:off x="7236000" y="5130000"/>
-            <a:ext cx="2339640" cy="449640"/>
-          </a:xfrm>
-          <a:prstGeom prst="rect">
-            <a:avLst/>
-          </a:prstGeom>
-          <a:noFill/>
-          <a:ln w="0">
-            <a:noFill/>
-          </a:ln>
-        </p:spPr>
+        <p:spPr/>
         <p:txBody>
-          <a:bodyPr lIns="0" rIns="0" tIns="0" bIns="0" anchor="t">
-            <a:noAutofit/>
-          </a:bodyPr>
-          <a:lstStyle>
-            <a:lvl1pPr indent="0" algn="r">
-              <a:lnSpc>
-                <a:spcPct val="100000"/>
-              </a:lnSpc>
-              <a:buNone/>
-              <a:tabLst>
-                <a:tab algn="l" pos="0"/>
-              </a:tabLst>
-              <a:defRPr b="0" lang="en-US" sz="1400" strike="noStrike" u="none">
-                <a:solidFill>
-                  <a:srgbClr val="484848"/>
-                </a:solidFill>
-                <a:effectLst/>
-                <a:uFillTx/>
-                <a:latin typeface="Noto Sans"/>
-              </a:defRPr>
-            </a:lvl1pPr>
-          </a:lstStyle>
-          <a:p>
-            <a:pPr indent="0" algn="r">
-              <a:lnSpc>
-                <a:spcPct val="100000"/>
-              </a:lnSpc>
-              <a:buNone/>
-              <a:tabLst>
-                <a:tab algn="l" pos="0"/>
-              </a:tabLst>
-            </a:pPr>
-            <a:fld id="{D8474A38-4E62-456C-A7D3-A7C1B1DA885B}" type="slidenum">
-              <a:rPr b="0" lang="en-US" sz="1400" strike="noStrike" u="none">
-                <a:solidFill>
-                  <a:srgbClr val="484848"/>
-                </a:solidFill>
-                <a:effectLst/>
-                <a:uFillTx/>
-                <a:latin typeface="Noto Sans"/>
-              </a:rPr>
-              <a:t>&lt;number&gt;</a:t>
+          <a:bodyPr/>
+          <a:p>
+            <a:fld id="{4FBFA2F3-8D6D-40BA-84AC-39F73070056E}" type="slidenum">
+              <a:t>&lt;#&gt;</a:t>
             </a:fld>
-            <a:endParaRPr b="0" lang="en-US" sz="1400" strike="noStrike" u="none">
-              <a:solidFill>
-                <a:srgbClr val="ffffff"/>
-              </a:solidFill>
-              <a:effectLst/>
-              <a:uFillTx/>
-              <a:latin typeface="Times New Roman"/>
-            </a:endParaRPr>
           </a:p>
         </p:txBody>
       </p:sp>
       <p:sp>
         <p:nvSpPr>
-          <p:cNvPr id="29" name="PlaceHolder 4"/>
+          <p:cNvPr id="5" name="PlaceHolder 4"/>
           <p:cNvSpPr>
             <a:spLocks noGrp="1"/>
           </p:cNvSpPr>
           <p:nvPr>
-            <p:ph type="dt" idx="18"/>
+            <p:ph type="dt" idx="7"/>
           </p:nvPr>
         </p:nvSpPr>
-        <p:spPr>
-          <a:xfrm>
-            <a:off x="504000" y="5130000"/>
-            <a:ext cx="2339640" cy="449640"/>
-          </a:xfrm>
-          <a:prstGeom prst="rect">
-            <a:avLst/>
-          </a:prstGeom>
-          <a:noFill/>
-          <a:ln w="0">
-            <a:noFill/>
-          </a:ln>
-        </p:spPr>
+        <p:spPr/>
         <p:txBody>
-          <a:bodyPr lIns="0" rIns="0" tIns="0" bIns="0" anchor="t">
-            <a:noAutofit/>
-          </a:bodyPr>
-          <a:lstStyle>
-            <a:lvl1pPr indent="0">
-              <a:buNone/>
-              <a:defRPr b="0" lang="en-US" sz="1400" strike="noStrike" u="none">
-                <a:solidFill>
-                  <a:srgbClr val="ffffff"/>
-                </a:solidFill>
-                <a:effectLst/>
-                <a:uFillTx/>
-                <a:latin typeface="Times New Roman"/>
-              </a:defRPr>
-            </a:lvl1pPr>
-          </a:lstStyle>
-          <a:p>
-            <a:pPr indent="0">
-              <a:buNone/>
-            </a:pPr>
-            <a:r>
-              <a:rPr b="0" lang="en-US" sz="1400" strike="noStrike" u="none">
-                <a:solidFill>
-                  <a:srgbClr val="ffffff"/>
-                </a:solidFill>
-                <a:effectLst/>
-                <a:uFillTx/>
-                <a:latin typeface="Times New Roman"/>
-              </a:rPr>
-              <a:t>&lt;date/time&gt;</a:t>
-            </a:r>
-            <a:endParaRPr b="0" lang="en-US" sz="1400" strike="noStrike" u="none">
-              <a:solidFill>
-                <a:srgbClr val="ffffff"/>
-              </a:solidFill>
-              <a:effectLst/>
-              <a:uFillTx/>
-              <a:latin typeface="Times New Roman"/>
-            </a:endParaRPr>
-          </a:p>
-        </p:txBody>
-      </p:sp>
-      <p:sp>
-        <p:nvSpPr>
-          <p:cNvPr id="30" name="PlaceHolder 5"/>
-          <p:cNvSpPr>
-            <a:spLocks noGrp="1"/>
-          </p:cNvSpPr>
-          <p:nvPr>
-            <p:ph type="body"/>
-          </p:nvPr>
-        </p:nvSpPr>
-        <p:spPr>
-          <a:xfrm>
-            <a:off x="504000" y="1326600"/>
-            <a:ext cx="9072000" cy="3288600"/>
-          </a:xfrm>
-          <a:prstGeom prst="rect">
-            <a:avLst/>
-          </a:prstGeom>
-          <a:noFill/>
-          <a:ln w="0">
-            <a:noFill/>
-          </a:ln>
-        </p:spPr>
-        <p:txBody>
-          <a:bodyPr lIns="0" rIns="0" tIns="0" bIns="0" anchor="t">
-            <a:normAutofit/>
-          </a:bodyPr>
-          <a:p>
-            <a:pPr marL="432000" indent="-324000">
-              <a:spcBef>
-                <a:spcPts val="1417"/>
-              </a:spcBef>
-              <a:buClr>
-                <a:srgbClr val="ffffff"/>
-              </a:buClr>
-              <a:buSzPct val="45000"/>
-              <a:buFont typeface="Wingdings" charset="2"/>
-              <a:buChar char=""/>
-            </a:pPr>
-            <a:r>
-              <a:rPr b="0" lang="en-US" sz="3200" strike="noStrike" u="none">
-                <a:solidFill>
-                  <a:srgbClr val="ffffff"/>
-                </a:solidFill>
-                <a:effectLst/>
-                <a:uFillTx/>
-                <a:latin typeface="Arial"/>
-              </a:rPr>
-              <a:t>Click to edit the outline text format</a:t>
-            </a:r>
-            <a:endParaRPr b="0" lang="en-US" sz="3200" strike="noStrike" u="none">
-              <a:solidFill>
-                <a:srgbClr val="ffffff"/>
-              </a:solidFill>
-              <a:effectLst/>
-              <a:uFillTx/>
-              <a:latin typeface="Arial"/>
-            </a:endParaRPr>
-          </a:p>
-          <a:p>
-            <a:pPr lvl="1" marL="864000" indent="-324000">
-              <a:spcBef>
-                <a:spcPts val="1134"/>
-              </a:spcBef>
-              <a:buClr>
-                <a:srgbClr val="ffffff"/>
-              </a:buClr>
-              <a:buSzPct val="75000"/>
-              <a:buFont typeface="Symbol" charset="2"/>
-              <a:buChar char=""/>
-            </a:pPr>
-            <a:r>
-              <a:rPr b="0" lang="en-US" sz="2800" strike="noStrike" u="none">
-                <a:solidFill>
-                  <a:srgbClr val="ffffff"/>
-                </a:solidFill>
-                <a:effectLst/>
-                <a:uFillTx/>
-                <a:latin typeface="Arial"/>
-              </a:rPr>
-              <a:t>Second Outline Level</a:t>
-            </a:r>
-            <a:endParaRPr b="0" lang="en-US" sz="2800" strike="noStrike" u="none">
-              <a:solidFill>
-                <a:srgbClr val="ffffff"/>
-              </a:solidFill>
-              <a:effectLst/>
-              <a:uFillTx/>
-              <a:latin typeface="Arial"/>
-            </a:endParaRPr>
-          </a:p>
-          <a:p>
-            <a:pPr lvl="2" marL="1296000" indent="-288000">
-              <a:spcBef>
-                <a:spcPts val="850"/>
-              </a:spcBef>
-              <a:buClr>
-                <a:srgbClr val="ffffff"/>
-              </a:buClr>
-              <a:buSzPct val="45000"/>
-              <a:buFont typeface="Wingdings" charset="2"/>
-              <a:buChar char=""/>
-            </a:pPr>
-            <a:r>
-              <a:rPr b="0" lang="en-US" sz="2400" strike="noStrike" u="none">
-                <a:solidFill>
-                  <a:srgbClr val="ffffff"/>
-                </a:solidFill>
-                <a:effectLst/>
-                <a:uFillTx/>
-                <a:latin typeface="Arial"/>
-              </a:rPr>
-              <a:t>Third Outline Level</a:t>
-            </a:r>
-            <a:endParaRPr b="0" lang="en-US" sz="2400" strike="noStrike" u="none">
-              <a:solidFill>
-                <a:srgbClr val="ffffff"/>
-              </a:solidFill>
-              <a:effectLst/>
-              <a:uFillTx/>
-              <a:latin typeface="Arial"/>
-            </a:endParaRPr>
-          </a:p>
-          <a:p>
-            <a:pPr lvl="3" marL="1728000" indent="-216000">
-              <a:spcBef>
-                <a:spcPts val="567"/>
-              </a:spcBef>
-              <a:buClr>
-                <a:srgbClr val="ffffff"/>
-              </a:buClr>
-              <a:buSzPct val="75000"/>
-              <a:buFont typeface="Symbol" charset="2"/>
-              <a:buChar char=""/>
-            </a:pPr>
-            <a:r>
-              <a:rPr b="0" lang="en-US" sz="2000" strike="noStrike" u="none">
-                <a:solidFill>
-                  <a:srgbClr val="ffffff"/>
-                </a:solidFill>
-                <a:effectLst/>
-                <a:uFillTx/>
-                <a:latin typeface="Arial"/>
-              </a:rPr>
-              <a:t>Fourth Outline Level</a:t>
-            </a:r>
-            <a:endParaRPr b="0" lang="en-US" sz="2000" strike="noStrike" u="none">
-              <a:solidFill>
-                <a:srgbClr val="ffffff"/>
-              </a:solidFill>
-              <a:effectLst/>
-              <a:uFillTx/>
-              <a:latin typeface="Arial"/>
-            </a:endParaRPr>
-          </a:p>
-          <a:p>
-            <a:pPr lvl="4" marL="2160000" indent="-216000">
-              <a:spcBef>
-                <a:spcPts val="283"/>
-              </a:spcBef>
-              <a:buClr>
-                <a:srgbClr val="ffffff"/>
-              </a:buClr>
-              <a:buSzPct val="45000"/>
-              <a:buFont typeface="Wingdings" charset="2"/>
-              <a:buChar char=""/>
-            </a:pPr>
-            <a:r>
-              <a:rPr b="0" lang="en-US" sz="2000" strike="noStrike" u="none">
-                <a:solidFill>
-                  <a:srgbClr val="ffffff"/>
-                </a:solidFill>
-                <a:effectLst/>
-                <a:uFillTx/>
-                <a:latin typeface="Arial"/>
-              </a:rPr>
-              <a:t>Fifth Outline Level</a:t>
-            </a:r>
-            <a:endParaRPr b="0" lang="en-US" sz="2000" strike="noStrike" u="none">
-              <a:solidFill>
-                <a:srgbClr val="ffffff"/>
-              </a:solidFill>
-              <a:effectLst/>
-              <a:uFillTx/>
-              <a:latin typeface="Arial"/>
-            </a:endParaRPr>
-          </a:p>
-          <a:p>
-            <a:pPr lvl="5" marL="2592000" indent="-216000">
-              <a:spcBef>
-                <a:spcPts val="283"/>
-              </a:spcBef>
-              <a:buClr>
-                <a:srgbClr val="ffffff"/>
-              </a:buClr>
-              <a:buSzPct val="45000"/>
-              <a:buFont typeface="Wingdings" charset="2"/>
-              <a:buChar char=""/>
-            </a:pPr>
-            <a:r>
-              <a:rPr b="0" lang="en-US" sz="2000" strike="noStrike" u="none">
-                <a:solidFill>
-                  <a:srgbClr val="ffffff"/>
-                </a:solidFill>
-                <a:effectLst/>
-                <a:uFillTx/>
-                <a:latin typeface="Arial"/>
-              </a:rPr>
-              <a:t>Sixth Outline Level</a:t>
-            </a:r>
-            <a:endParaRPr b="0" lang="en-US" sz="2000" strike="noStrike" u="none">
-              <a:solidFill>
-                <a:srgbClr val="ffffff"/>
-              </a:solidFill>
-              <a:effectLst/>
-              <a:uFillTx/>
-              <a:latin typeface="Arial"/>
-            </a:endParaRPr>
-          </a:p>
-          <a:p>
-            <a:pPr lvl="6" marL="3024000" indent="-216000">
-              <a:spcBef>
-                <a:spcPts val="283"/>
-              </a:spcBef>
-              <a:buClr>
-                <a:srgbClr val="ffffff"/>
-              </a:buClr>
-              <a:buSzPct val="45000"/>
-              <a:buFont typeface="Wingdings" charset="2"/>
-              <a:buChar char=""/>
-            </a:pPr>
-            <a:r>
-              <a:rPr b="0" lang="en-US" sz="2000" strike="noStrike" u="none">
-                <a:solidFill>
-                  <a:srgbClr val="ffffff"/>
-                </a:solidFill>
-                <a:effectLst/>
-                <a:uFillTx/>
-                <a:latin typeface="Arial"/>
-              </a:rPr>
-              <a:t>Seventh Outline Level</a:t>
-            </a:r>
-            <a:endParaRPr b="0" lang="en-US" sz="2000" strike="noStrike" u="none">
-              <a:solidFill>
-                <a:srgbClr val="ffffff"/>
-              </a:solidFill>
-              <a:effectLst/>
-              <a:uFillTx/>
-              <a:latin typeface="Arial"/>
-            </a:endParaRPr>
+          <a:bodyPr/>
+          <a:p>
+            <a:r>
+              <a:rPr lang="en-US"/>
+              <a:t/>
+            </a:r>
           </a:p>
         </p:txBody>
       </p:sp>
@@ -2678,7 +514,7 @@
         <p:spPr>
           <a:xfrm>
             <a:off x="0" y="3780000"/>
-            <a:ext cx="10079640" cy="1889640"/>
+            <a:ext cx="10080000" cy="1890000"/>
           </a:xfrm>
           <a:prstGeom prst="rect">
             <a:avLst/>
@@ -2695,7 +531,7 @@
             <a:noFill/>
           </a:ln>
           <a:effectLst>
-            <a:outerShdw blurRad="0" dir="16200000" dist="25200" rotWithShape="0">
+            <a:outerShdw dist="25200" dir="16200000" blurRad="0" rotWithShape="0">
               <a:srgbClr val="f49100"/>
             </a:outerShdw>
           </a:effectLst>
@@ -2711,11 +547,6 @@
             <a:noAutofit/>
           </a:bodyPr>
           <a:p>
-            <a:pPr>
-              <a:lnSpc>
-                <a:spcPct val="100000"/>
-              </a:lnSpc>
-            </a:pPr>
             <a:endParaRPr b="0" lang="en-US" sz="2200" strike="noStrike" u="none">
               <a:solidFill>
                 <a:srgbClr val="ffffff"/>
@@ -2723,7 +554,6 @@
               <a:effectLst/>
               <a:uFillTx/>
               <a:latin typeface="Noto Sans"/>
-              <a:ea typeface="DejaVu Sans"/>
             </a:endParaRPr>
           </a:p>
         </p:txBody>
@@ -2735,13 +565,13 @@
             <a:spLocks noGrp="1"/>
           </p:cNvSpPr>
           <p:nvPr>
-            <p:ph type="ftr" idx="1"/>
+            <p:ph type="dt" idx="1"/>
           </p:nvPr>
         </p:nvSpPr>
         <p:spPr>
           <a:xfrm>
-            <a:off x="3420000" y="5130000"/>
-            <a:ext cx="3239640" cy="449640"/>
+            <a:off x="504000" y="5130000"/>
+            <a:ext cx="2340000" cy="450000"/>
           </a:xfrm>
           <a:prstGeom prst="rect">
             <a:avLst/>
@@ -2753,17 +583,11 @@
         </p:spPr>
         <p:txBody>
           <a:bodyPr lIns="0" rIns="0" tIns="0" bIns="0" anchor="t">
-            <a:noAutofit/>
+            <a:spAutoFit/>
           </a:bodyPr>
           <a:lstStyle>
-            <a:lvl1pPr indent="0" algn="ctr">
-              <a:lnSpc>
-                <a:spcPct val="100000"/>
-              </a:lnSpc>
+            <a:lvl1pPr indent="0">
               <a:buNone/>
-              <a:tabLst>
-                <a:tab algn="l" pos="0"/>
-              </a:tabLst>
               <a:defRPr b="0" lang="en-US" sz="1400" strike="noStrike" u="none">
                 <a:solidFill>
                   <a:srgbClr val="dbf5f9"/>
@@ -2775,14 +599,8 @@
             </a:lvl1pPr>
           </a:lstStyle>
           <a:p>
-            <a:pPr indent="0" algn="ctr">
-              <a:lnSpc>
-                <a:spcPct val="100000"/>
-              </a:lnSpc>
+            <a:pPr indent="0">
               <a:buNone/>
-              <a:tabLst>
-                <a:tab algn="l" pos="0"/>
-              </a:tabLst>
             </a:pPr>
             <a:r>
               <a:rPr b="0" lang="en-US" sz="1400" strike="noStrike" u="none">
@@ -2793,15 +611,15 @@
                 <a:uFillTx/>
                 <a:latin typeface="Noto Sans"/>
               </a:rPr>
-              <a:t>&lt;footer&gt;</a:t>
+              <a:t>&lt;date/time&gt;</a:t>
             </a:r>
             <a:endParaRPr b="0" lang="en-US" sz="1400" strike="noStrike" u="none">
               <a:solidFill>
-                <a:srgbClr val="ffffff"/>
-              </a:solidFill>
-              <a:effectLst/>
-              <a:uFillTx/>
-              <a:latin typeface="Times New Roman"/>
+                <a:srgbClr val="dbf5f9"/>
+              </a:solidFill>
+              <a:effectLst/>
+              <a:uFillTx/>
+              <a:latin typeface="Noto Sans"/>
             </a:endParaRPr>
           </a:p>
         </p:txBody>
@@ -2813,13 +631,13 @@
             <a:spLocks noGrp="1"/>
           </p:cNvSpPr>
           <p:nvPr>
-            <p:ph type="sldNum" idx="2"/>
+            <p:ph type="ftr" idx="2"/>
           </p:nvPr>
         </p:nvSpPr>
         <p:spPr>
           <a:xfrm>
-            <a:off x="7236000" y="5130000"/>
-            <a:ext cx="2339640" cy="449640"/>
+            <a:off x="3420000" y="5130000"/>
+            <a:ext cx="3240000" cy="450000"/>
           </a:xfrm>
           <a:prstGeom prst="rect">
             <a:avLst/>
@@ -2831,17 +649,11 @@
         </p:spPr>
         <p:txBody>
           <a:bodyPr lIns="0" rIns="0" tIns="0" bIns="0" anchor="t">
-            <a:noAutofit/>
+            <a:spAutoFit/>
           </a:bodyPr>
           <a:lstStyle>
-            <a:lvl1pPr indent="0" algn="r">
-              <a:lnSpc>
-                <a:spcPct val="100000"/>
-              </a:lnSpc>
+            <a:lvl1pPr indent="0" algn="ctr">
               <a:buNone/>
-              <a:tabLst>
-                <a:tab algn="l" pos="0"/>
-              </a:tabLst>
               <a:defRPr b="0" lang="en-US" sz="1400" strike="noStrike" u="none">
                 <a:solidFill>
                   <a:srgbClr val="dbf5f9"/>
@@ -2853,16 +665,10 @@
             </a:lvl1pPr>
           </a:lstStyle>
           <a:p>
-            <a:pPr indent="0" algn="r">
-              <a:lnSpc>
-                <a:spcPct val="100000"/>
-              </a:lnSpc>
+            <a:pPr indent="0" algn="ctr">
               <a:buNone/>
-              <a:tabLst>
-                <a:tab algn="l" pos="0"/>
-              </a:tabLst>
-            </a:pPr>
-            <a:fld id="{F9CA7DB7-790C-4229-BB76-CE499F11E19A}" type="slidenum">
+            </a:pPr>
+            <a:r>
               <a:rPr b="0" lang="en-US" sz="1400" strike="noStrike" u="none">
                 <a:solidFill>
                   <a:srgbClr val="dbf5f9"/>
@@ -2871,15 +677,15 @@
                 <a:uFillTx/>
                 <a:latin typeface="Noto Sans"/>
               </a:rPr>
-              <a:t>&lt;number&gt;</a:t>
-            </a:fld>
+              <a:t>&lt;footer&gt;</a:t>
+            </a:r>
             <a:endParaRPr b="0" lang="en-US" sz="1400" strike="noStrike" u="none">
               <a:solidFill>
-                <a:srgbClr val="ffffff"/>
-              </a:solidFill>
-              <a:effectLst/>
-              <a:uFillTx/>
-              <a:latin typeface="Times New Roman"/>
+                <a:srgbClr val="dbf5f9"/>
+              </a:solidFill>
+              <a:effectLst/>
+              <a:uFillTx/>
+              <a:latin typeface="Noto Sans"/>
             </a:endParaRPr>
           </a:p>
         </p:txBody>
@@ -2891,13 +697,13 @@
             <a:spLocks noGrp="1"/>
           </p:cNvSpPr>
           <p:nvPr>
-            <p:ph type="dt" idx="3"/>
+            <p:ph type="sldNum" idx="3"/>
           </p:nvPr>
         </p:nvSpPr>
         <p:spPr>
           <a:xfrm>
-            <a:off x="504000" y="5130000"/>
-            <a:ext cx="2339640" cy="449640"/>
+            <a:off x="7236000" y="5130000"/>
+            <a:ext cx="2340000" cy="450000"/>
           </a:xfrm>
           <a:prstGeom prst="rect">
             <a:avLst/>
@@ -2909,43 +715,349 @@
         </p:spPr>
         <p:txBody>
           <a:bodyPr lIns="0" rIns="0" tIns="0" bIns="0" anchor="t">
-            <a:noAutofit/>
+            <a:spAutoFit/>
           </a:bodyPr>
           <a:lstStyle>
-            <a:lvl1pPr indent="0">
+            <a:lvl1pPr indent="0" algn="r">
               <a:buNone/>
               <a:defRPr b="0" lang="en-US" sz="1400" strike="noStrike" u="none">
                 <a:solidFill>
-                  <a:srgbClr val="ffffff"/>
-                </a:solidFill>
-                <a:effectLst/>
-                <a:uFillTx/>
-                <a:latin typeface="Times New Roman"/>
+                  <a:srgbClr val="dbf5f9"/>
+                </a:solidFill>
+                <a:effectLst/>
+                <a:uFillTx/>
+                <a:latin typeface="Noto Sans"/>
               </a:defRPr>
             </a:lvl1pPr>
           </a:lstStyle>
           <a:p>
+            <a:pPr indent="0" algn="r">
+              <a:buNone/>
+            </a:pPr>
+            <a:fld id="{39A85855-CAF8-45CF-A34D-F1579025321C}" type="slidenum">
+              <a:rPr b="0" lang="en-US" sz="1400" strike="noStrike" u="none">
+                <a:solidFill>
+                  <a:srgbClr val="dbf5f9"/>
+                </a:solidFill>
+                <a:effectLst/>
+                <a:uFillTx/>
+                <a:latin typeface="Noto Sans"/>
+              </a:rPr>
+              <a:t>&lt;number&gt;</a:t>
+            </a:fld>
+            <a:endParaRPr b="0" lang="en-US" sz="1400" strike="noStrike" u="none">
+              <a:solidFill>
+                <a:srgbClr val="dbf5f9"/>
+              </a:solidFill>
+              <a:effectLst/>
+              <a:uFillTx/>
+              <a:latin typeface="Noto Sans"/>
+            </a:endParaRPr>
+          </a:p>
+        </p:txBody>
+      </p:sp>
+      <p:sp>
+        <p:nvSpPr>
+          <p:cNvPr id="4" name="PlaceHolder 4"/>
+          <p:cNvSpPr>
+            <a:spLocks noGrp="1"/>
+          </p:cNvSpPr>
+          <p:nvPr>
+            <p:ph type="title"/>
+          </p:nvPr>
+        </p:nvSpPr>
+        <p:spPr>
+          <a:xfrm>
+            <a:off x="504000" y="270000"/>
+            <a:ext cx="9072000" cy="3240000"/>
+          </a:xfrm>
+          <a:prstGeom prst="rect">
+            <a:avLst/>
+          </a:prstGeom>
+          <a:noFill/>
+          <a:ln w="0">
+            <a:noFill/>
+          </a:ln>
+        </p:spPr>
+        <p:txBody>
+          <a:bodyPr lIns="0" rIns="0" tIns="0" bIns="0" anchor="b">
+            <a:normAutofit/>
+          </a:bodyPr>
+          <a:p>
             <a:pPr indent="0">
               <a:buNone/>
             </a:pPr>
             <a:r>
-              <a:rPr b="0" lang="en-US" sz="1400" strike="noStrike" u="none">
-                <a:solidFill>
-                  <a:srgbClr val="ffffff"/>
-                </a:solidFill>
-                <a:effectLst/>
-                <a:uFillTx/>
-                <a:latin typeface="Times New Roman"/>
-              </a:rPr>
-              <a:t>&lt;date/time&gt;</a:t>
-            </a:r>
-            <a:endParaRPr b="0" lang="en-US" sz="1400" strike="noStrike" u="none">
-              <a:solidFill>
-                <a:srgbClr val="ffffff"/>
-              </a:solidFill>
-              <a:effectLst/>
-              <a:uFillTx/>
-              <a:latin typeface="Times New Roman"/>
+              <a:rPr b="0" lang="en-US" sz="6000" strike="noStrike" u="none">
+                <a:solidFill>
+                  <a:srgbClr val="04617b"/>
+                </a:solidFill>
+                <a:effectLst/>
+                <a:uFillTx/>
+                <a:latin typeface="Noto Sans"/>
+              </a:rPr>
+              <a:t>Click to edit the title text format</a:t>
+            </a:r>
+            <a:endParaRPr b="0" lang="en-US" sz="6000" strike="noStrike" u="none">
+              <a:solidFill>
+                <a:srgbClr val="04617b"/>
+              </a:solidFill>
+              <a:effectLst/>
+              <a:uFillTx/>
+              <a:latin typeface="Noto Sans"/>
+            </a:endParaRPr>
+          </a:p>
+        </p:txBody>
+      </p:sp>
+      <p:sp>
+        <p:nvSpPr>
+          <p:cNvPr id="5" name="PlaceHolder 5"/>
+          <p:cNvSpPr>
+            <a:spLocks noGrp="1"/>
+          </p:cNvSpPr>
+          <p:nvPr>
+            <p:ph type="body"/>
+          </p:nvPr>
+        </p:nvSpPr>
+        <p:spPr>
+          <a:xfrm>
+            <a:off x="504000" y="3870000"/>
+            <a:ext cx="9072000" cy="1170000"/>
+          </a:xfrm>
+          <a:prstGeom prst="rect">
+            <a:avLst/>
+          </a:prstGeom>
+          <a:noFill/>
+          <a:ln w="0">
+            <a:noFill/>
+          </a:ln>
+        </p:spPr>
+        <p:txBody>
+          <a:bodyPr lIns="0" rIns="0" tIns="0" bIns="0" anchor="t">
+            <a:normAutofit fontScale="47500" lnSpcReduction="19999"/>
+          </a:bodyPr>
+          <a:p>
+            <a:pPr marL="432000" indent="-324000">
+              <a:spcAft>
+                <a:spcPts val="924"/>
+              </a:spcAft>
+              <a:buClr>
+                <a:srgbClr val="f49100"/>
+              </a:buClr>
+              <a:buSzPct val="45000"/>
+              <a:buFont typeface="Wingdings" charset="2"/>
+              <a:buChar char=""/>
+            </a:pPr>
+            <a:r>
+              <a:rPr b="0" lang="en-US" sz="2100" strike="noStrike" u="none">
+                <a:solidFill>
+                  <a:srgbClr val="dbf5f9"/>
+                </a:solidFill>
+                <a:effectLst/>
+                <a:uFillTx/>
+                <a:latin typeface="Noto Sans"/>
+              </a:rPr>
+              <a:t>Click to edit the outline text format</a:t>
+            </a:r>
+            <a:endParaRPr b="0" lang="en-US" sz="2100" strike="noStrike" u="none">
+              <a:solidFill>
+                <a:srgbClr val="dbf5f9"/>
+              </a:solidFill>
+              <a:effectLst/>
+              <a:uFillTx/>
+              <a:latin typeface="Noto Sans"/>
+            </a:endParaRPr>
+          </a:p>
+          <a:p>
+            <a:pPr lvl="1" marL="864000" indent="-324000">
+              <a:spcAft>
+                <a:spcPts val="842"/>
+              </a:spcAft>
+              <a:buClr>
+                <a:srgbClr val="f49100"/>
+              </a:buClr>
+              <a:buSzPct val="75000"/>
+              <a:buFont typeface="Symbol" charset="2"/>
+              <a:buChar char=""/>
+            </a:pPr>
+            <a:r>
+              <a:rPr b="0" lang="en-US" sz="1650" strike="noStrike" u="none">
+                <a:solidFill>
+                  <a:srgbClr val="dbf5f9"/>
+                </a:solidFill>
+                <a:effectLst/>
+                <a:uFillTx/>
+                <a:latin typeface="Noto Sans"/>
+              </a:rPr>
+              <a:t>Second Outline Level</a:t>
+            </a:r>
+            <a:endParaRPr b="0" lang="en-US" sz="1650" strike="noStrike" u="none">
+              <a:solidFill>
+                <a:srgbClr val="dbf5f9"/>
+              </a:solidFill>
+              <a:effectLst/>
+              <a:uFillTx/>
+              <a:latin typeface="Noto Sans"/>
+            </a:endParaRPr>
+          </a:p>
+          <a:p>
+            <a:pPr lvl="2" marL="1296000" indent="-288000">
+              <a:spcAft>
+                <a:spcPts val="635"/>
+              </a:spcAft>
+              <a:buClr>
+                <a:srgbClr val="f49100"/>
+              </a:buClr>
+              <a:buSzPct val="45000"/>
+              <a:buFont typeface="Wingdings" charset="2"/>
+              <a:buChar char=""/>
+            </a:pPr>
+            <a:r>
+              <a:rPr b="0" lang="en-US" sz="1800" strike="noStrike" u="none">
+                <a:solidFill>
+                  <a:srgbClr val="dbf5f9"/>
+                </a:solidFill>
+                <a:effectLst/>
+                <a:uFillTx/>
+                <a:latin typeface="Noto Sans"/>
+              </a:rPr>
+              <a:t>Third Outline Level</a:t>
+            </a:r>
+            <a:endParaRPr b="0" lang="en-US" sz="1800" strike="noStrike" u="none">
+              <a:solidFill>
+                <a:srgbClr val="dbf5f9"/>
+              </a:solidFill>
+              <a:effectLst/>
+              <a:uFillTx/>
+              <a:latin typeface="Noto Sans"/>
+            </a:endParaRPr>
+          </a:p>
+          <a:p>
+            <a:pPr lvl="3" marL="1728000" indent="-216000">
+              <a:spcAft>
+                <a:spcPts val="422"/>
+              </a:spcAft>
+              <a:buClr>
+                <a:srgbClr val="f49100"/>
+              </a:buClr>
+              <a:buSzPct val="75000"/>
+              <a:buFont typeface="Symbol" charset="2"/>
+              <a:buChar char=""/>
+            </a:pPr>
+            <a:r>
+              <a:rPr b="0" lang="en-US" sz="1500" strike="noStrike" u="none">
+                <a:solidFill>
+                  <a:srgbClr val="dbf5f9"/>
+                </a:solidFill>
+                <a:effectLst/>
+                <a:uFillTx/>
+                <a:latin typeface="Noto Sans"/>
+              </a:rPr>
+              <a:t>Fourth Outline Level</a:t>
+            </a:r>
+            <a:endParaRPr b="0" lang="en-US" sz="1500" strike="noStrike" u="none">
+              <a:solidFill>
+                <a:srgbClr val="dbf5f9"/>
+              </a:solidFill>
+              <a:effectLst/>
+              <a:uFillTx/>
+              <a:latin typeface="Noto Sans"/>
+            </a:endParaRPr>
+          </a:p>
+          <a:p>
+            <a:pPr lvl="4" marL="2160000" indent="-216000">
+              <a:spcAft>
+                <a:spcPts val="210"/>
+              </a:spcAft>
+              <a:buClr>
+                <a:srgbClr val="f49100"/>
+              </a:buClr>
+              <a:buSzPct val="45000"/>
+              <a:buFont typeface="Wingdings" charset="2"/>
+              <a:buChar char=""/>
+            </a:pPr>
+            <a:r>
+              <a:rPr b="0" lang="en-US" sz="1500" strike="noStrike" u="none">
+                <a:solidFill>
+                  <a:srgbClr val="dbf5f9"/>
+                </a:solidFill>
+                <a:effectLst/>
+                <a:uFillTx/>
+                <a:latin typeface="Noto Sans"/>
+              </a:rPr>
+              <a:t>Fifth Outline Level</a:t>
+            </a:r>
+            <a:endParaRPr b="0" lang="en-US" sz="1500" strike="noStrike" u="none">
+              <a:solidFill>
+                <a:srgbClr val="dbf5f9"/>
+              </a:solidFill>
+              <a:effectLst/>
+              <a:uFillTx/>
+              <a:latin typeface="Noto Sans"/>
+            </a:endParaRPr>
+          </a:p>
+          <a:p>
+            <a:pPr lvl="5" marL="2592000" indent="-216000">
+              <a:spcAft>
+                <a:spcPts val="210"/>
+              </a:spcAft>
+              <a:buClr>
+                <a:srgbClr val="f49100"/>
+              </a:buClr>
+              <a:buSzPct val="45000"/>
+              <a:buFont typeface="Wingdings" charset="2"/>
+              <a:buChar char=""/>
+            </a:pPr>
+            <a:r>
+              <a:rPr b="0" lang="en-US" sz="1500" strike="noStrike" u="none">
+                <a:solidFill>
+                  <a:srgbClr val="dbf5f9"/>
+                </a:solidFill>
+                <a:effectLst/>
+                <a:uFillTx/>
+                <a:latin typeface="Noto Sans"/>
+              </a:rPr>
+              <a:t>Sixth Outline Level</a:t>
+            </a:r>
+            <a:endParaRPr b="0" lang="en-US" sz="1500" strike="noStrike" u="none">
+              <a:solidFill>
+                <a:srgbClr val="dbf5f9"/>
+              </a:solidFill>
+              <a:effectLst/>
+              <a:uFillTx/>
+              <a:latin typeface="Noto Sans"/>
+            </a:endParaRPr>
+          </a:p>
+          <a:p>
+            <a:pPr lvl="6" marL="3024000" indent="-216000">
+              <a:spcAft>
+                <a:spcPts val="210"/>
+              </a:spcAft>
+              <a:buClr>
+                <a:srgbClr val="f49100"/>
+              </a:buClr>
+              <a:buSzPct val="45000"/>
+              <a:buFont typeface="Wingdings" charset="2"/>
+              <a:buChar char=""/>
+            </a:pPr>
+            <a:r>
+              <a:rPr b="0" lang="en-US" sz="1500" strike="noStrike" u="none">
+                <a:solidFill>
+                  <a:srgbClr val="dbf5f9"/>
+                </a:solidFill>
+                <a:effectLst/>
+                <a:uFillTx/>
+                <a:latin typeface="Noto Sans"/>
+              </a:rPr>
+              <a:t>Seventh Outline Level</a:t>
+            </a:r>
+            <a:endParaRPr b="0" lang="en-US" sz="1500" strike="noStrike" u="none">
+              <a:solidFill>
+                <a:srgbClr val="dbf5f9"/>
+              </a:solidFill>
+              <a:effectLst/>
+              <a:uFillTx/>
+              <a:latin typeface="Noto Sans"/>
             </a:endParaRPr>
           </a:p>
         </p:txBody>
@@ -2976,18 +1088,573 @@
           <a:chExt cx="0" cy="0"/>
         </a:xfrm>
       </p:grpSpPr>
+      <p:sp>
+        <p:nvSpPr>
+          <p:cNvPr id="8" name=""/>
+          <p:cNvSpPr/>
+          <p:nvPr/>
+        </p:nvSpPr>
+        <p:spPr>
+          <a:xfrm flipV="1">
+            <a:off x="0" y="0"/>
+            <a:ext cx="10080000" cy="1080000"/>
+          </a:xfrm>
+          <a:prstGeom prst="rect">
+            <a:avLst/>
+          </a:prstGeom>
+          <a:pattFill prst="lgGrid">
+            <a:fgClr>
+              <a:srgbClr val="3465a4"/>
+            </a:fgClr>
+            <a:bgClr>
+              <a:srgbClr val="009eda"/>
+            </a:bgClr>
+          </a:pattFill>
+          <a:ln w="18000">
+            <a:noFill/>
+          </a:ln>
+          <a:effectLst>
+            <a:outerShdw dist="25200" dir="5400000" blurRad="0" rotWithShape="0">
+              <a:srgbClr val="f49100"/>
+            </a:outerShdw>
+          </a:effectLst>
+        </p:spPr>
+        <p:style>
+          <a:lnRef idx="0"/>
+          <a:fillRef idx="0"/>
+          <a:effectRef idx="0"/>
+          <a:fontRef idx="minor"/>
+        </p:style>
+        <p:txBody>
+          <a:bodyPr wrap="none" lIns="36000" rIns="36000" tIns="36000" bIns="36000" anchor="ctr">
+            <a:noAutofit/>
+          </a:bodyPr>
+          <a:p>
+            <a:endParaRPr b="0" lang="en-US" sz="2200" strike="noStrike" u="none">
+              <a:solidFill>
+                <a:srgbClr val="ffffff"/>
+              </a:solidFill>
+              <a:effectLst/>
+              <a:uFillTx/>
+              <a:latin typeface="Noto Sans"/>
+            </a:endParaRPr>
+          </a:p>
+        </p:txBody>
+      </p:sp>
+      <p:sp>
+        <p:nvSpPr>
+          <p:cNvPr id="9" name="PlaceHolder 1"/>
+          <p:cNvSpPr>
+            <a:spLocks noGrp="1"/>
+          </p:cNvSpPr>
+          <p:nvPr>
+            <p:ph type="title"/>
+          </p:nvPr>
+        </p:nvSpPr>
+        <p:spPr>
+          <a:xfrm>
+            <a:off x="504000" y="90000"/>
+            <a:ext cx="9072000" cy="990000"/>
+          </a:xfrm>
+          <a:prstGeom prst="rect">
+            <a:avLst/>
+          </a:prstGeom>
+          <a:noFill/>
+          <a:ln w="0">
+            <a:noFill/>
+          </a:ln>
+        </p:spPr>
+        <p:txBody>
+          <a:bodyPr lIns="0" rIns="0" tIns="0" bIns="0" anchor="b">
+            <a:normAutofit/>
+          </a:bodyPr>
+          <a:p>
+            <a:pPr indent="0">
+              <a:buNone/>
+            </a:pPr>
+            <a:r>
+              <a:rPr b="0" lang="en-US" sz="4500" strike="noStrike" u="none">
+                <a:solidFill>
+                  <a:srgbClr val="dbf5f9"/>
+                </a:solidFill>
+                <a:effectLst/>
+                <a:uFillTx/>
+                <a:latin typeface="Noto Sans"/>
+              </a:rPr>
+              <a:t>Click to edit the title text format</a:t>
+            </a:r>
+            <a:endParaRPr b="0" lang="en-US" sz="4500" strike="noStrike" u="none">
+              <a:solidFill>
+                <a:srgbClr val="dbf5f9"/>
+              </a:solidFill>
+              <a:effectLst/>
+              <a:uFillTx/>
+              <a:latin typeface="Noto Sans"/>
+            </a:endParaRPr>
+          </a:p>
+        </p:txBody>
+      </p:sp>
+      <p:sp>
+        <p:nvSpPr>
+          <p:cNvPr id="10" name="PlaceHolder 2"/>
+          <p:cNvSpPr>
+            <a:spLocks noGrp="1"/>
+          </p:cNvSpPr>
+          <p:nvPr>
+            <p:ph type="body"/>
+          </p:nvPr>
+        </p:nvSpPr>
+        <p:spPr>
+          <a:xfrm>
+            <a:off x="504000" y="1440000"/>
+            <a:ext cx="9072000" cy="3510000"/>
+          </a:xfrm>
+          <a:prstGeom prst="rect">
+            <a:avLst/>
+          </a:prstGeom>
+          <a:noFill/>
+          <a:ln w="0">
+            <a:noFill/>
+          </a:ln>
+        </p:spPr>
+        <p:txBody>
+          <a:bodyPr lIns="0" rIns="0" tIns="0" bIns="0" anchor="t">
+            <a:normAutofit/>
+          </a:bodyPr>
+          <a:p>
+            <a:pPr marL="432000" indent="-324000">
+              <a:spcAft>
+                <a:spcPts val="1054"/>
+              </a:spcAft>
+              <a:buClr>
+                <a:srgbClr val="009eda"/>
+              </a:buClr>
+              <a:buSzPct val="45000"/>
+              <a:buFont typeface="Wingdings" charset="2"/>
+              <a:buChar char=""/>
+            </a:pPr>
+            <a:r>
+              <a:rPr b="0" lang="en-US" sz="2400" strike="noStrike" u="none">
+                <a:solidFill>
+                  <a:srgbClr val="04617b"/>
+                </a:solidFill>
+                <a:effectLst/>
+                <a:uFillTx/>
+                <a:latin typeface="Noto Sans"/>
+              </a:rPr>
+              <a:t>Click to edit the outline text format</a:t>
+            </a:r>
+            <a:endParaRPr b="0" lang="en-US" sz="2400" strike="noStrike" u="none">
+              <a:solidFill>
+                <a:srgbClr val="04617b"/>
+              </a:solidFill>
+              <a:effectLst/>
+              <a:uFillTx/>
+              <a:latin typeface="Noto Sans"/>
+            </a:endParaRPr>
+          </a:p>
+          <a:p>
+            <a:pPr lvl="1" marL="864000" indent="-324000">
+              <a:spcAft>
+                <a:spcPts val="842"/>
+              </a:spcAft>
+              <a:buClr>
+                <a:srgbClr val="009eda"/>
+              </a:buClr>
+              <a:buSzPct val="45000"/>
+              <a:buFont typeface="Wingdings" charset="2"/>
+              <a:buChar char=""/>
+            </a:pPr>
+            <a:r>
+              <a:rPr b="0" lang="en-US" sz="2100" strike="noStrike" u="none">
+                <a:solidFill>
+                  <a:srgbClr val="04617b"/>
+                </a:solidFill>
+                <a:effectLst/>
+                <a:uFillTx/>
+                <a:latin typeface="Noto Sans"/>
+              </a:rPr>
+              <a:t>Second Outline Level</a:t>
+            </a:r>
+            <a:endParaRPr b="0" lang="en-US" sz="2100" strike="noStrike" u="none">
+              <a:solidFill>
+                <a:srgbClr val="04617b"/>
+              </a:solidFill>
+              <a:effectLst/>
+              <a:uFillTx/>
+              <a:latin typeface="Noto Sans"/>
+            </a:endParaRPr>
+          </a:p>
+          <a:p>
+            <a:pPr lvl="2" marL="1296000" indent="-288000">
+              <a:spcAft>
+                <a:spcPts val="635"/>
+              </a:spcAft>
+              <a:buClr>
+                <a:srgbClr val="009eda"/>
+              </a:buClr>
+              <a:buSzPct val="45000"/>
+              <a:buFont typeface="Wingdings" charset="2"/>
+              <a:buChar char=""/>
+            </a:pPr>
+            <a:r>
+              <a:rPr b="0" lang="en-US" sz="1800" strike="noStrike" u="none">
+                <a:solidFill>
+                  <a:srgbClr val="04617b"/>
+                </a:solidFill>
+                <a:effectLst/>
+                <a:uFillTx/>
+                <a:latin typeface="Noto Sans"/>
+              </a:rPr>
+              <a:t>Third Outline Level</a:t>
+            </a:r>
+            <a:endParaRPr b="0" lang="en-US" sz="1800" strike="noStrike" u="none">
+              <a:solidFill>
+                <a:srgbClr val="04617b"/>
+              </a:solidFill>
+              <a:effectLst/>
+              <a:uFillTx/>
+              <a:latin typeface="Noto Sans"/>
+            </a:endParaRPr>
+          </a:p>
+          <a:p>
+            <a:pPr lvl="3" marL="1728000" indent="-216000">
+              <a:spcAft>
+                <a:spcPts val="422"/>
+              </a:spcAft>
+              <a:buClr>
+                <a:srgbClr val="009eda"/>
+              </a:buClr>
+              <a:buSzPct val="45000"/>
+              <a:buFont typeface="Wingdings" charset="2"/>
+              <a:buChar char=""/>
+            </a:pPr>
+            <a:r>
+              <a:rPr b="0" lang="en-US" sz="1800" strike="noStrike" u="none">
+                <a:solidFill>
+                  <a:srgbClr val="04617b"/>
+                </a:solidFill>
+                <a:effectLst/>
+                <a:uFillTx/>
+                <a:latin typeface="Noto Sans"/>
+              </a:rPr>
+              <a:t>Fourth Outline Level</a:t>
+            </a:r>
+            <a:endParaRPr b="0" lang="en-US" sz="1800" strike="noStrike" u="none">
+              <a:solidFill>
+                <a:srgbClr val="04617b"/>
+              </a:solidFill>
+              <a:effectLst/>
+              <a:uFillTx/>
+              <a:latin typeface="Noto Sans"/>
+            </a:endParaRPr>
+          </a:p>
+          <a:p>
+            <a:pPr lvl="4" marL="2160000" indent="-216000">
+              <a:spcAft>
+                <a:spcPts val="210"/>
+              </a:spcAft>
+              <a:buClr>
+                <a:srgbClr val="009eda"/>
+              </a:buClr>
+              <a:buSzPct val="45000"/>
+              <a:buFont typeface="Wingdings" charset="2"/>
+              <a:buChar char=""/>
+            </a:pPr>
+            <a:r>
+              <a:rPr b="0" lang="en-US" sz="1800" strike="noStrike" u="none">
+                <a:solidFill>
+                  <a:srgbClr val="04617b"/>
+                </a:solidFill>
+                <a:effectLst/>
+                <a:uFillTx/>
+                <a:latin typeface="Noto Sans"/>
+              </a:rPr>
+              <a:t>Fifth Outline Level</a:t>
+            </a:r>
+            <a:endParaRPr b="0" lang="en-US" sz="1800" strike="noStrike" u="none">
+              <a:solidFill>
+                <a:srgbClr val="04617b"/>
+              </a:solidFill>
+              <a:effectLst/>
+              <a:uFillTx/>
+              <a:latin typeface="Noto Sans"/>
+            </a:endParaRPr>
+          </a:p>
+          <a:p>
+            <a:pPr lvl="5" marL="2592000" indent="-216000">
+              <a:spcAft>
+                <a:spcPts val="210"/>
+              </a:spcAft>
+              <a:buClr>
+                <a:srgbClr val="009eda"/>
+              </a:buClr>
+              <a:buSzPct val="45000"/>
+              <a:buFont typeface="Wingdings" charset="2"/>
+              <a:buChar char=""/>
+            </a:pPr>
+            <a:r>
+              <a:rPr b="0" lang="en-US" sz="1800" strike="noStrike" u="none">
+                <a:solidFill>
+                  <a:srgbClr val="04617b"/>
+                </a:solidFill>
+                <a:effectLst/>
+                <a:uFillTx/>
+                <a:latin typeface="Noto Sans"/>
+              </a:rPr>
+              <a:t>Sixth Outline Level</a:t>
+            </a:r>
+            <a:endParaRPr b="0" lang="en-US" sz="1800" strike="noStrike" u="none">
+              <a:solidFill>
+                <a:srgbClr val="04617b"/>
+              </a:solidFill>
+              <a:effectLst/>
+              <a:uFillTx/>
+              <a:latin typeface="Noto Sans"/>
+            </a:endParaRPr>
+          </a:p>
+          <a:p>
+            <a:pPr lvl="6" marL="3024000" indent="-216000">
+              <a:spcAft>
+                <a:spcPts val="210"/>
+              </a:spcAft>
+              <a:buClr>
+                <a:srgbClr val="009eda"/>
+              </a:buClr>
+              <a:buSzPct val="45000"/>
+              <a:buFont typeface="Wingdings" charset="2"/>
+              <a:buChar char=""/>
+            </a:pPr>
+            <a:r>
+              <a:rPr b="0" lang="en-US" sz="1800" strike="noStrike" u="none">
+                <a:solidFill>
+                  <a:srgbClr val="04617b"/>
+                </a:solidFill>
+                <a:effectLst/>
+                <a:uFillTx/>
+                <a:latin typeface="Noto Sans"/>
+              </a:rPr>
+              <a:t>Seventh Outline Level</a:t>
+            </a:r>
+            <a:endParaRPr b="0" lang="en-US" sz="1800" strike="noStrike" u="none">
+              <a:solidFill>
+                <a:srgbClr val="04617b"/>
+              </a:solidFill>
+              <a:effectLst/>
+              <a:uFillTx/>
+              <a:latin typeface="Noto Sans"/>
+            </a:endParaRPr>
+          </a:p>
+        </p:txBody>
+      </p:sp>
+      <p:sp>
+        <p:nvSpPr>
+          <p:cNvPr id="11" name="PlaceHolder 3"/>
+          <p:cNvSpPr>
+            <a:spLocks noGrp="1"/>
+          </p:cNvSpPr>
+          <p:nvPr>
+            <p:ph type="dt" idx="4"/>
+          </p:nvPr>
+        </p:nvSpPr>
+        <p:spPr>
+          <a:xfrm>
+            <a:off x="504000" y="5130000"/>
+            <a:ext cx="2340000" cy="450000"/>
+          </a:xfrm>
+          <a:prstGeom prst="rect">
+            <a:avLst/>
+          </a:prstGeom>
+          <a:noFill/>
+          <a:ln w="0">
+            <a:noFill/>
+          </a:ln>
+        </p:spPr>
+        <p:txBody>
+          <a:bodyPr lIns="0" rIns="0" tIns="0" bIns="0" anchor="t">
+            <a:spAutoFit/>
+          </a:bodyPr>
+          <a:lstStyle>
+            <a:lvl1pPr indent="0">
+              <a:buNone/>
+              <a:defRPr b="0" lang="en-US" sz="1400" strike="noStrike" u="none">
+                <a:solidFill>
+                  <a:srgbClr val="484848"/>
+                </a:solidFill>
+                <a:effectLst/>
+                <a:uFillTx/>
+                <a:latin typeface="Noto Sans"/>
+              </a:defRPr>
+            </a:lvl1pPr>
+          </a:lstStyle>
+          <a:p>
+            <a:pPr indent="0">
+              <a:buNone/>
+            </a:pPr>
+            <a:r>
+              <a:rPr b="0" lang="en-US" sz="1400" strike="noStrike" u="none">
+                <a:solidFill>
+                  <a:srgbClr val="484848"/>
+                </a:solidFill>
+                <a:effectLst/>
+                <a:uFillTx/>
+                <a:latin typeface="Noto Sans"/>
+              </a:rPr>
+              <a:t>&lt;date/time&gt;</a:t>
+            </a:r>
+            <a:endParaRPr b="0" lang="en-US" sz="1400" strike="noStrike" u="none">
+              <a:solidFill>
+                <a:srgbClr val="484848"/>
+              </a:solidFill>
+              <a:effectLst/>
+              <a:uFillTx/>
+              <a:latin typeface="Noto Sans"/>
+            </a:endParaRPr>
+          </a:p>
+        </p:txBody>
+      </p:sp>
+      <p:sp>
+        <p:nvSpPr>
+          <p:cNvPr id="12" name="PlaceHolder 4"/>
+          <p:cNvSpPr>
+            <a:spLocks noGrp="1"/>
+          </p:cNvSpPr>
+          <p:nvPr>
+            <p:ph type="ftr" idx="5"/>
+          </p:nvPr>
+        </p:nvSpPr>
+        <p:spPr>
+          <a:xfrm>
+            <a:off x="3420000" y="5130000"/>
+            <a:ext cx="3240000" cy="450000"/>
+          </a:xfrm>
+          <a:prstGeom prst="rect">
+            <a:avLst/>
+          </a:prstGeom>
+          <a:noFill/>
+          <a:ln w="0">
+            <a:noFill/>
+          </a:ln>
+        </p:spPr>
+        <p:txBody>
+          <a:bodyPr lIns="0" rIns="0" tIns="0" bIns="0" anchor="t">
+            <a:spAutoFit/>
+          </a:bodyPr>
+          <a:lstStyle>
+            <a:lvl1pPr indent="0" algn="ctr">
+              <a:buNone/>
+              <a:defRPr b="0" lang="en-US" sz="1400" strike="noStrike" u="none">
+                <a:solidFill>
+                  <a:srgbClr val="484848"/>
+                </a:solidFill>
+                <a:effectLst/>
+                <a:uFillTx/>
+                <a:latin typeface="Noto Sans"/>
+              </a:defRPr>
+            </a:lvl1pPr>
+          </a:lstStyle>
+          <a:p>
+            <a:pPr indent="0" algn="ctr">
+              <a:buNone/>
+            </a:pPr>
+            <a:r>
+              <a:rPr b="0" lang="en-US" sz="1400" strike="noStrike" u="none">
+                <a:solidFill>
+                  <a:srgbClr val="484848"/>
+                </a:solidFill>
+                <a:effectLst/>
+                <a:uFillTx/>
+                <a:latin typeface="Noto Sans"/>
+              </a:rPr>
+              <a:t>&lt;footer&gt;</a:t>
+            </a:r>
+            <a:endParaRPr b="0" lang="en-US" sz="1400" strike="noStrike" u="none">
+              <a:solidFill>
+                <a:srgbClr val="484848"/>
+              </a:solidFill>
+              <a:effectLst/>
+              <a:uFillTx/>
+              <a:latin typeface="Noto Sans"/>
+            </a:endParaRPr>
+          </a:p>
+        </p:txBody>
+      </p:sp>
+      <p:sp>
+        <p:nvSpPr>
+          <p:cNvPr id="13" name="PlaceHolder 5"/>
+          <p:cNvSpPr>
+            <a:spLocks noGrp="1"/>
+          </p:cNvSpPr>
+          <p:nvPr>
+            <p:ph type="sldNum" idx="6"/>
+          </p:nvPr>
+        </p:nvSpPr>
+        <p:spPr>
+          <a:xfrm>
+            <a:off x="7236000" y="5130000"/>
+            <a:ext cx="2340000" cy="450000"/>
+          </a:xfrm>
+          <a:prstGeom prst="rect">
+            <a:avLst/>
+          </a:prstGeom>
+          <a:noFill/>
+          <a:ln w="0">
+            <a:noFill/>
+          </a:ln>
+        </p:spPr>
+        <p:txBody>
+          <a:bodyPr lIns="0" rIns="0" tIns="0" bIns="0" anchor="t">
+            <a:spAutoFit/>
+          </a:bodyPr>
+          <a:lstStyle>
+            <a:lvl1pPr indent="0" algn="r">
+              <a:buNone/>
+              <a:defRPr b="0" lang="en-US" sz="1400" strike="noStrike" u="none">
+                <a:solidFill>
+                  <a:srgbClr val="484848"/>
+                </a:solidFill>
+                <a:effectLst/>
+                <a:uFillTx/>
+                <a:latin typeface="Noto Sans"/>
+              </a:defRPr>
+            </a:lvl1pPr>
+          </a:lstStyle>
+          <a:p>
+            <a:pPr indent="0" algn="r">
+              <a:buNone/>
+            </a:pPr>
+            <a:fld id="{A71C55C9-CE91-469D-9973-7A26DAAC7DFE}" type="slidenum">
+              <a:rPr b="0" lang="en-US" sz="1400" strike="noStrike" u="none">
+                <a:solidFill>
+                  <a:srgbClr val="484848"/>
+                </a:solidFill>
+                <a:effectLst/>
+                <a:uFillTx/>
+                <a:latin typeface="Noto Sans"/>
+              </a:rPr>
+              <a:t>&lt;number&gt;</a:t>
+            </a:fld>
+            <a:endParaRPr b="0" lang="en-US" sz="1400" strike="noStrike" u="none">
+              <a:solidFill>
+                <a:srgbClr val="484848"/>
+              </a:solidFill>
+              <a:effectLst/>
+              <a:uFillTx/>
+              <a:latin typeface="Noto Sans"/>
+            </a:endParaRPr>
+          </a:p>
+        </p:txBody>
+      </p:sp>
     </p:spTree>
   </p:cSld>
   <p:clrMap bg1="lt1" tx1="dk1" bg2="lt2" tx2="dk2" accent1="accent1" accent2="accent2" accent3="accent3" accent4="accent4" accent5="accent5" accent6="accent6" hlink="hlink" folHlink="folHlink"/>
   <p:sldLayoutIdLst>
     <p:sldLayoutId id="2147483651" r:id="rId2"/>
-    <p:sldLayoutId id="2147483652" r:id="rId3"/>
-    <p:sldLayoutId id="2147483653" r:id="rId4"/>
   </p:sldLayoutIdLst>
 </p:sldMaster>
 </file>
 
-<file path=ppt/slideMasters/slideMaster4.xml><?xml version="1.0" encoding="utf-8"?>
+<file path=ppt/slideMasters/slideMaster3.xml><?xml version="1.0" encoding="utf-8"?>
 <p:sldMaster xmlns:a="http://schemas.openxmlformats.org/drawingml/2006/main" xmlns:p="http://schemas.openxmlformats.org/presentationml/2006/main" xmlns:r="http://schemas.openxmlformats.org/officeDocument/2006/relationships" xmlns:p14="http://schemas.microsoft.com/office/powerpoint/2010/main" xmlns:p15="http://schemas.microsoft.com/office/powerpoint/2012/main" xmlns:mc="http://schemas.openxmlformats.org/markup-compatibility/2006">
   <p:cSld>
     <p:spTree>
@@ -3004,12 +1671,621 @@
           <a:chExt cx="0" cy="0"/>
         </a:xfrm>
       </p:grpSpPr>
+      <p:sp>
+        <p:nvSpPr>
+          <p:cNvPr id="16" name=""/>
+          <p:cNvSpPr/>
+          <p:nvPr/>
+        </p:nvSpPr>
+        <p:spPr>
+          <a:xfrm flipV="1">
+            <a:off x="0" y="0"/>
+            <a:ext cx="10080000" cy="180000"/>
+          </a:xfrm>
+          <a:prstGeom prst="rect">
+            <a:avLst/>
+          </a:prstGeom>
+          <a:pattFill prst="lgGrid">
+            <a:fgClr>
+              <a:srgbClr val="3465a4"/>
+            </a:fgClr>
+            <a:bgClr>
+              <a:srgbClr val="009eda"/>
+            </a:bgClr>
+          </a:pattFill>
+          <a:ln w="18000">
+            <a:noFill/>
+          </a:ln>
+          <a:effectLst>
+            <a:outerShdw dist="25200" dir="5400000" blurRad="0" rotWithShape="0">
+              <a:srgbClr val="f49100"/>
+            </a:outerShdw>
+          </a:effectLst>
+        </p:spPr>
+        <p:style>
+          <a:lnRef idx="0"/>
+          <a:fillRef idx="0"/>
+          <a:effectRef idx="0"/>
+          <a:fontRef idx="minor"/>
+        </p:style>
+        <p:txBody>
+          <a:bodyPr wrap="none" lIns="36000" rIns="36000" tIns="36000" bIns="36000" anchor="ctr">
+            <a:noAutofit/>
+          </a:bodyPr>
+          <a:p>
+            <a:endParaRPr b="0" lang="en-US" sz="2200" strike="noStrike" u="none">
+              <a:solidFill>
+                <a:srgbClr val="ffffff"/>
+              </a:solidFill>
+              <a:effectLst/>
+              <a:uFillTx/>
+              <a:latin typeface="Noto Sans"/>
+            </a:endParaRPr>
+          </a:p>
+        </p:txBody>
+      </p:sp>
+      <p:sp>
+        <p:nvSpPr>
+          <p:cNvPr id="17" name="PlaceHolder 1"/>
+          <p:cNvSpPr>
+            <a:spLocks noGrp="1"/>
+          </p:cNvSpPr>
+          <p:nvPr>
+            <p:ph type="title"/>
+          </p:nvPr>
+        </p:nvSpPr>
+        <p:spPr>
+          <a:xfrm>
+            <a:off x="504000" y="270000"/>
+            <a:ext cx="9072000" cy="990000"/>
+          </a:xfrm>
+          <a:prstGeom prst="rect">
+            <a:avLst/>
+          </a:prstGeom>
+          <a:noFill/>
+          <a:ln w="0">
+            <a:noFill/>
+          </a:ln>
+        </p:spPr>
+        <p:txBody>
+          <a:bodyPr lIns="0" rIns="0" tIns="0" bIns="0" anchor="ctr">
+            <a:normAutofit/>
+          </a:bodyPr>
+          <a:p>
+            <a:pPr indent="0">
+              <a:buNone/>
+            </a:pPr>
+            <a:r>
+              <a:rPr b="0" lang="en-US" sz="4500" strike="noStrike" u="none">
+                <a:solidFill>
+                  <a:srgbClr val="04617b"/>
+                </a:solidFill>
+                <a:effectLst/>
+                <a:uFillTx/>
+                <a:latin typeface="Noto Sans"/>
+              </a:rPr>
+              <a:t>Click to edit the title text format</a:t>
+            </a:r>
+            <a:endParaRPr b="0" lang="en-US" sz="4500" strike="noStrike" u="none">
+              <a:solidFill>
+                <a:srgbClr val="04617b"/>
+              </a:solidFill>
+              <a:effectLst/>
+              <a:uFillTx/>
+              <a:latin typeface="Noto Sans"/>
+            </a:endParaRPr>
+          </a:p>
+        </p:txBody>
+      </p:sp>
+      <p:sp>
+        <p:nvSpPr>
+          <p:cNvPr id="18" name="PlaceHolder 2"/>
+          <p:cNvSpPr>
+            <a:spLocks noGrp="1"/>
+          </p:cNvSpPr>
+          <p:nvPr>
+            <p:ph type="body"/>
+          </p:nvPr>
+        </p:nvSpPr>
+        <p:spPr>
+          <a:xfrm>
+            <a:off x="504000" y="1440000"/>
+            <a:ext cx="9072000" cy="3690000"/>
+          </a:xfrm>
+          <a:prstGeom prst="rect">
+            <a:avLst/>
+          </a:prstGeom>
+          <a:noFill/>
+          <a:ln w="0">
+            <a:noFill/>
+          </a:ln>
+        </p:spPr>
+        <p:txBody>
+          <a:bodyPr lIns="0" rIns="0" tIns="0" bIns="0" anchor="t">
+            <a:normAutofit/>
+          </a:bodyPr>
+          <a:p>
+            <a:pPr marL="432000" indent="-324000">
+              <a:spcAft>
+                <a:spcPts val="1057"/>
+              </a:spcAft>
+              <a:buClr>
+                <a:srgbClr val="04617b"/>
+              </a:buClr>
+              <a:buSzPct val="45000"/>
+              <a:buFont typeface="Wingdings" charset="2"/>
+              <a:buChar char=""/>
+            </a:pPr>
+            <a:r>
+              <a:rPr b="0" lang="en-US" sz="2400" strike="noStrike" u="none">
+                <a:solidFill>
+                  <a:srgbClr val="04617b"/>
+                </a:solidFill>
+                <a:effectLst/>
+                <a:uFillTx/>
+                <a:latin typeface="Noto Sans"/>
+              </a:rPr>
+              <a:t>Click to edit the outline text format</a:t>
+            </a:r>
+            <a:endParaRPr b="0" lang="en-US" sz="2400" strike="noStrike" u="none">
+              <a:solidFill>
+                <a:srgbClr val="04617b"/>
+              </a:solidFill>
+              <a:effectLst/>
+              <a:uFillTx/>
+              <a:latin typeface="Noto Sans"/>
+            </a:endParaRPr>
+          </a:p>
+          <a:p>
+            <a:pPr lvl="1" marL="864000" indent="-324000">
+              <a:spcAft>
+                <a:spcPts val="842"/>
+              </a:spcAft>
+              <a:buClr>
+                <a:srgbClr val="04617b"/>
+              </a:buClr>
+              <a:buSzPct val="75000"/>
+              <a:buFont typeface="Symbol" charset="2"/>
+              <a:buChar char=""/>
+            </a:pPr>
+            <a:r>
+              <a:rPr b="0" lang="en-US" sz="2100" strike="noStrike" u="none">
+                <a:solidFill>
+                  <a:srgbClr val="04617b"/>
+                </a:solidFill>
+                <a:effectLst/>
+                <a:uFillTx/>
+                <a:latin typeface="Noto Sans"/>
+              </a:rPr>
+              <a:t>Second Outline Level</a:t>
+            </a:r>
+            <a:endParaRPr b="0" lang="en-US" sz="2100" strike="noStrike" u="none">
+              <a:solidFill>
+                <a:srgbClr val="04617b"/>
+              </a:solidFill>
+              <a:effectLst/>
+              <a:uFillTx/>
+              <a:latin typeface="Noto Sans"/>
+            </a:endParaRPr>
+          </a:p>
+          <a:p>
+            <a:pPr lvl="2" marL="1296000" indent="-288000">
+              <a:spcAft>
+                <a:spcPts val="635"/>
+              </a:spcAft>
+              <a:buClr>
+                <a:srgbClr val="04617b"/>
+              </a:buClr>
+              <a:buSzPct val="45000"/>
+              <a:buFont typeface="Wingdings" charset="2"/>
+              <a:buChar char=""/>
+            </a:pPr>
+            <a:r>
+              <a:rPr b="0" lang="en-US" sz="1800" strike="noStrike" u="none">
+                <a:solidFill>
+                  <a:srgbClr val="04617b"/>
+                </a:solidFill>
+                <a:effectLst/>
+                <a:uFillTx/>
+                <a:latin typeface="Noto Sans"/>
+              </a:rPr>
+              <a:t>Third Outline Level</a:t>
+            </a:r>
+            <a:endParaRPr b="0" lang="en-US" sz="1800" strike="noStrike" u="none">
+              <a:solidFill>
+                <a:srgbClr val="04617b"/>
+              </a:solidFill>
+              <a:effectLst/>
+              <a:uFillTx/>
+              <a:latin typeface="Noto Sans"/>
+            </a:endParaRPr>
+          </a:p>
+          <a:p>
+            <a:pPr lvl="3" marL="1728000" indent="-216000">
+              <a:spcAft>
+                <a:spcPts val="422"/>
+              </a:spcAft>
+              <a:buClr>
+                <a:srgbClr val="04617b"/>
+              </a:buClr>
+              <a:buSzPct val="75000"/>
+              <a:buFont typeface="Symbol" charset="2"/>
+              <a:buChar char=""/>
+            </a:pPr>
+            <a:r>
+              <a:rPr b="0" lang="en-US" sz="1800" strike="noStrike" u="none">
+                <a:solidFill>
+                  <a:srgbClr val="04617b"/>
+                </a:solidFill>
+                <a:effectLst/>
+                <a:uFillTx/>
+                <a:latin typeface="Noto Sans"/>
+              </a:rPr>
+              <a:t>Fourth Outline Level</a:t>
+            </a:r>
+            <a:endParaRPr b="0" lang="en-US" sz="1800" strike="noStrike" u="none">
+              <a:solidFill>
+                <a:srgbClr val="04617b"/>
+              </a:solidFill>
+              <a:effectLst/>
+              <a:uFillTx/>
+              <a:latin typeface="Noto Sans"/>
+            </a:endParaRPr>
+          </a:p>
+          <a:p>
+            <a:pPr lvl="4" marL="2160000" indent="-216000">
+              <a:spcAft>
+                <a:spcPts val="210"/>
+              </a:spcAft>
+              <a:buClr>
+                <a:srgbClr val="04617b"/>
+              </a:buClr>
+              <a:buSzPct val="45000"/>
+              <a:buFont typeface="Wingdings" charset="2"/>
+              <a:buChar char=""/>
+            </a:pPr>
+            <a:r>
+              <a:rPr b="0" lang="en-US" sz="1800" strike="noStrike" u="none">
+                <a:solidFill>
+                  <a:srgbClr val="04617b"/>
+                </a:solidFill>
+                <a:effectLst/>
+                <a:uFillTx/>
+                <a:latin typeface="Noto Sans"/>
+              </a:rPr>
+              <a:t>Fifth Outline Level</a:t>
+            </a:r>
+            <a:endParaRPr b="0" lang="en-US" sz="1800" strike="noStrike" u="none">
+              <a:solidFill>
+                <a:srgbClr val="04617b"/>
+              </a:solidFill>
+              <a:effectLst/>
+              <a:uFillTx/>
+              <a:latin typeface="Noto Sans"/>
+            </a:endParaRPr>
+          </a:p>
+          <a:p>
+            <a:pPr lvl="5" marL="2592000" indent="-216000">
+              <a:spcAft>
+                <a:spcPts val="210"/>
+              </a:spcAft>
+              <a:buClr>
+                <a:srgbClr val="04617b"/>
+              </a:buClr>
+              <a:buSzPct val="45000"/>
+              <a:buFont typeface="Wingdings" charset="2"/>
+              <a:buChar char=""/>
+            </a:pPr>
+            <a:r>
+              <a:rPr b="0" lang="en-US" sz="1800" strike="noStrike" u="none">
+                <a:solidFill>
+                  <a:srgbClr val="04617b"/>
+                </a:solidFill>
+                <a:effectLst/>
+                <a:uFillTx/>
+                <a:latin typeface="Noto Sans"/>
+              </a:rPr>
+              <a:t>Sixth Outline Level</a:t>
+            </a:r>
+            <a:endParaRPr b="0" lang="en-US" sz="1800" strike="noStrike" u="none">
+              <a:solidFill>
+                <a:srgbClr val="04617b"/>
+              </a:solidFill>
+              <a:effectLst/>
+              <a:uFillTx/>
+              <a:latin typeface="Noto Sans"/>
+            </a:endParaRPr>
+          </a:p>
+          <a:p>
+            <a:pPr lvl="6" marL="3024000" indent="-216000">
+              <a:spcAft>
+                <a:spcPts val="210"/>
+              </a:spcAft>
+              <a:buClr>
+                <a:srgbClr val="04617b"/>
+              </a:buClr>
+              <a:buSzPct val="45000"/>
+              <a:buFont typeface="Wingdings" charset="2"/>
+              <a:buChar char=""/>
+            </a:pPr>
+            <a:r>
+              <a:rPr b="0" lang="en-US" sz="1800" strike="noStrike" u="none">
+                <a:solidFill>
+                  <a:srgbClr val="04617b"/>
+                </a:solidFill>
+                <a:effectLst/>
+                <a:uFillTx/>
+                <a:latin typeface="Noto Sans"/>
+              </a:rPr>
+              <a:t>Seventh Outline Level</a:t>
+            </a:r>
+            <a:endParaRPr b="0" lang="en-US" sz="1800" strike="noStrike" u="none">
+              <a:solidFill>
+                <a:srgbClr val="04617b"/>
+              </a:solidFill>
+              <a:effectLst/>
+              <a:uFillTx/>
+              <a:latin typeface="Noto Sans"/>
+            </a:endParaRPr>
+          </a:p>
+        </p:txBody>
+      </p:sp>
+      <p:sp>
+        <p:nvSpPr>
+          <p:cNvPr id="19" name="PlaceHolder 3"/>
+          <p:cNvSpPr>
+            <a:spLocks noGrp="1"/>
+          </p:cNvSpPr>
+          <p:nvPr>
+            <p:ph type="dt" idx="7"/>
+          </p:nvPr>
+        </p:nvSpPr>
+        <p:spPr>
+          <a:xfrm>
+            <a:off x="504000" y="5130000"/>
+            <a:ext cx="2340000" cy="450000"/>
+          </a:xfrm>
+          <a:prstGeom prst="rect">
+            <a:avLst/>
+          </a:prstGeom>
+          <a:noFill/>
+          <a:ln w="0">
+            <a:noFill/>
+          </a:ln>
+        </p:spPr>
+        <p:txBody>
+          <a:bodyPr lIns="0" rIns="0" tIns="0" bIns="0" anchor="t">
+            <a:spAutoFit/>
+          </a:bodyPr>
+          <a:lstStyle>
+            <a:lvl1pPr indent="0">
+              <a:buNone/>
+              <a:defRPr b="0" lang="en-US" sz="1400" strike="noStrike" u="none">
+                <a:solidFill>
+                  <a:srgbClr val="484848"/>
+                </a:solidFill>
+                <a:effectLst/>
+                <a:uFillTx/>
+                <a:latin typeface="Noto Sans"/>
+              </a:defRPr>
+            </a:lvl1pPr>
+          </a:lstStyle>
+          <a:p>
+            <a:pPr indent="0">
+              <a:buNone/>
+            </a:pPr>
+            <a:r>
+              <a:rPr b="0" lang="en-US" sz="1400" strike="noStrike" u="none">
+                <a:solidFill>
+                  <a:srgbClr val="484848"/>
+                </a:solidFill>
+                <a:effectLst/>
+                <a:uFillTx/>
+                <a:latin typeface="Noto Sans"/>
+              </a:rPr>
+              <a:t>&lt;date/time&gt;</a:t>
+            </a:r>
+            <a:endParaRPr b="0" lang="en-US" sz="1400" strike="noStrike" u="none">
+              <a:solidFill>
+                <a:srgbClr val="484848"/>
+              </a:solidFill>
+              <a:effectLst/>
+              <a:uFillTx/>
+              <a:latin typeface="Noto Sans"/>
+            </a:endParaRPr>
+          </a:p>
+        </p:txBody>
+      </p:sp>
+      <p:sp>
+        <p:nvSpPr>
+          <p:cNvPr id="20" name="PlaceHolder 4"/>
+          <p:cNvSpPr>
+            <a:spLocks noGrp="1"/>
+          </p:cNvSpPr>
+          <p:nvPr>
+            <p:ph type="ftr" idx="8"/>
+          </p:nvPr>
+        </p:nvSpPr>
+        <p:spPr>
+          <a:xfrm>
+            <a:off x="3420000" y="5130000"/>
+            <a:ext cx="3240000" cy="450000"/>
+          </a:xfrm>
+          <a:prstGeom prst="rect">
+            <a:avLst/>
+          </a:prstGeom>
+          <a:noFill/>
+          <a:ln w="0">
+            <a:noFill/>
+          </a:ln>
+        </p:spPr>
+        <p:txBody>
+          <a:bodyPr lIns="0" rIns="0" tIns="0" bIns="0" anchor="t">
+            <a:spAutoFit/>
+          </a:bodyPr>
+          <a:lstStyle>
+            <a:lvl1pPr indent="0" algn="ctr">
+              <a:buNone/>
+              <a:defRPr b="0" lang="en-US" sz="1400" strike="noStrike" u="none">
+                <a:solidFill>
+                  <a:srgbClr val="484848"/>
+                </a:solidFill>
+                <a:effectLst/>
+                <a:uFillTx/>
+                <a:latin typeface="Noto Sans"/>
+              </a:defRPr>
+            </a:lvl1pPr>
+          </a:lstStyle>
+          <a:p>
+            <a:pPr indent="0" algn="ctr">
+              <a:buNone/>
+            </a:pPr>
+            <a:r>
+              <a:rPr b="0" lang="en-US" sz="1400" strike="noStrike" u="none">
+                <a:solidFill>
+                  <a:srgbClr val="484848"/>
+                </a:solidFill>
+                <a:effectLst/>
+                <a:uFillTx/>
+                <a:latin typeface="Noto Sans"/>
+              </a:rPr>
+              <a:t>&lt;footer&gt;</a:t>
+            </a:r>
+            <a:endParaRPr b="0" lang="en-US" sz="1400" strike="noStrike" u="none">
+              <a:solidFill>
+                <a:srgbClr val="484848"/>
+              </a:solidFill>
+              <a:effectLst/>
+              <a:uFillTx/>
+              <a:latin typeface="Noto Sans"/>
+            </a:endParaRPr>
+          </a:p>
+        </p:txBody>
+      </p:sp>
+      <p:sp>
+        <p:nvSpPr>
+          <p:cNvPr id="21" name="PlaceHolder 5"/>
+          <p:cNvSpPr>
+            <a:spLocks noGrp="1"/>
+          </p:cNvSpPr>
+          <p:nvPr>
+            <p:ph type="sldNum" idx="9"/>
+          </p:nvPr>
+        </p:nvSpPr>
+        <p:spPr>
+          <a:xfrm>
+            <a:off x="7236000" y="5130000"/>
+            <a:ext cx="2340000" cy="450000"/>
+          </a:xfrm>
+          <a:prstGeom prst="rect">
+            <a:avLst/>
+          </a:prstGeom>
+          <a:noFill/>
+          <a:ln w="0">
+            <a:noFill/>
+          </a:ln>
+        </p:spPr>
+        <p:txBody>
+          <a:bodyPr lIns="0" rIns="0" tIns="0" bIns="0" anchor="t">
+            <a:spAutoFit/>
+          </a:bodyPr>
+          <a:lstStyle>
+            <a:lvl1pPr indent="0" algn="r">
+              <a:buNone/>
+              <a:defRPr b="0" lang="en-US" sz="1400" strike="noStrike" u="none">
+                <a:solidFill>
+                  <a:srgbClr val="484848"/>
+                </a:solidFill>
+                <a:effectLst/>
+                <a:uFillTx/>
+                <a:latin typeface="Noto Sans"/>
+              </a:defRPr>
+            </a:lvl1pPr>
+          </a:lstStyle>
+          <a:p>
+            <a:pPr indent="0" algn="r">
+              <a:buNone/>
+            </a:pPr>
+            <a:fld id="{3BA1C419-03E5-4236-8AE9-16EFE785DDAF}" type="slidenum">
+              <a:rPr b="0" lang="en-US" sz="1400" strike="noStrike" u="none">
+                <a:solidFill>
+                  <a:srgbClr val="484848"/>
+                </a:solidFill>
+                <a:effectLst/>
+                <a:uFillTx/>
+                <a:latin typeface="Noto Sans"/>
+              </a:rPr>
+              <a:t>&lt;number&gt;</a:t>
+            </a:fld>
+            <a:endParaRPr b="0" lang="en-US" sz="1400" strike="noStrike" u="none">
+              <a:solidFill>
+                <a:srgbClr val="484848"/>
+              </a:solidFill>
+              <a:effectLst/>
+              <a:uFillTx/>
+              <a:latin typeface="Noto Sans"/>
+            </a:endParaRPr>
+          </a:p>
+        </p:txBody>
+      </p:sp>
+      <p:sp>
+        <p:nvSpPr>
+          <p:cNvPr id="22" name=""/>
+          <p:cNvSpPr/>
+          <p:nvPr/>
+        </p:nvSpPr>
+        <p:spPr>
+          <a:xfrm>
+            <a:off x="0" y="5580000"/>
+            <a:ext cx="10080000" cy="90000"/>
+          </a:xfrm>
+          <a:prstGeom prst="rect">
+            <a:avLst/>
+          </a:prstGeom>
+          <a:pattFill prst="lgGrid">
+            <a:fgClr>
+              <a:srgbClr val="3465a4"/>
+            </a:fgClr>
+            <a:bgClr>
+              <a:srgbClr val="009eda"/>
+            </a:bgClr>
+          </a:pattFill>
+          <a:ln w="18000">
+            <a:noFill/>
+          </a:ln>
+          <a:effectLst>
+            <a:outerShdw dist="25200" dir="16200000" blurRad="0" rotWithShape="0">
+              <a:srgbClr val="f49100"/>
+            </a:outerShdw>
+          </a:effectLst>
+        </p:spPr>
+        <p:style>
+          <a:lnRef idx="0"/>
+          <a:fillRef idx="0"/>
+          <a:effectRef idx="0"/>
+          <a:fontRef idx="minor"/>
+        </p:style>
+        <p:txBody>
+          <a:bodyPr wrap="none" lIns="36000" rIns="36000" tIns="36000" bIns="36000" anchor="ctr">
+            <a:noAutofit/>
+          </a:bodyPr>
+          <a:p>
+            <a:endParaRPr b="0" lang="en-US" sz="2200" strike="noStrike" u="none">
+              <a:solidFill>
+                <a:srgbClr val="ffffff"/>
+              </a:solidFill>
+              <a:effectLst/>
+              <a:uFillTx/>
+              <a:latin typeface="Noto Sans"/>
+            </a:endParaRPr>
+          </a:p>
+        </p:txBody>
+      </p:sp>
     </p:spTree>
   </p:cSld>
   <p:clrMap bg1="lt1" tx1="dk1" bg2="lt2" tx2="dk2" accent1="accent1" accent2="accent2" accent3="accent3" accent4="accent4" accent5="accent5" accent6="accent6" hlink="hlink" folHlink="folHlink"/>
   <p:sldLayoutIdLst>
-    <p:sldLayoutId id="2147483655" r:id="rId2"/>
-    <p:sldLayoutId id="2147483656" r:id="rId3"/>
+    <p:sldLayoutId id="2147483653" r:id="rId2"/>
   </p:sldLayoutIdLst>
 </p:sldMaster>
 </file>
@@ -3033,7 +2309,7 @@
       </p:grpSpPr>
       <p:sp>
         <p:nvSpPr>
-          <p:cNvPr id="31" name="PlaceHolder 1"/>
+          <p:cNvPr id="24" name="PlaceHolder 1"/>
           <p:cNvSpPr>
             <a:spLocks noGrp="1"/>
           </p:cNvSpPr>
@@ -3044,7 +2320,7 @@
         <p:spPr>
           <a:xfrm>
             <a:off x="504000" y="90000"/>
-            <a:ext cx="9071640" cy="989640"/>
+            <a:ext cx="9072000" cy="990000"/>
           </a:xfrm>
           <a:prstGeom prst="rect">
             <a:avLst/>
@@ -3060,13 +2336,7 @@
           </a:bodyPr>
           <a:p>
             <a:pPr indent="0">
-              <a:lnSpc>
-                <a:spcPct val="100000"/>
-              </a:lnSpc>
               <a:buNone/>
-              <a:tabLst>
-                <a:tab algn="l" pos="0"/>
-              </a:tabLst>
             </a:pPr>
             <a:r>
               <a:rPr b="0" lang="en-US" sz="4500" strike="noStrike" u="none">
@@ -3092,18 +2362,18 @@
             </a:r>
             <a:endParaRPr b="0" lang="en-US" sz="4500" strike="noStrike" u="none">
               <a:solidFill>
-                <a:srgbClr val="ffffff"/>
-              </a:solidFill>
-              <a:effectLst/>
-              <a:uFillTx/>
-              <a:latin typeface="Arial"/>
+                <a:srgbClr val="dbf5f9"/>
+              </a:solidFill>
+              <a:effectLst/>
+              <a:uFillTx/>
+              <a:latin typeface="Noto Sans"/>
             </a:endParaRPr>
           </a:p>
         </p:txBody>
       </p:sp>
       <p:sp>
         <p:nvSpPr>
-          <p:cNvPr id="32" name="PlaceHolder 2"/>
+          <p:cNvPr id="25" name="PlaceHolder 2"/>
           <p:cNvSpPr>
             <a:spLocks noGrp="1"/>
           </p:cNvSpPr>
@@ -3114,7 +2384,7 @@
         <p:spPr>
           <a:xfrm>
             <a:off x="504000" y="1440000"/>
-            <a:ext cx="9071640" cy="3509640"/>
+            <a:ext cx="9072000" cy="3510000"/>
           </a:xfrm>
           <a:prstGeom prst="rect">
             <a:avLst/>
@@ -3126,13 +2396,10 @@
         </p:spPr>
         <p:txBody>
           <a:bodyPr lIns="0" rIns="0" tIns="0" bIns="0" anchor="t">
-            <a:normAutofit lnSpcReduction="9999"/>
+            <a:normAutofit fontScale="85000" lnSpcReduction="19999"/>
           </a:bodyPr>
           <a:p>
             <a:pPr marL="432000" indent="-324000">
-              <a:lnSpc>
-                <a:spcPct val="100000"/>
-              </a:lnSpc>
               <a:spcAft>
                 <a:spcPts val="1054"/>
               </a:spcAft>
@@ -3156,18 +2423,15 @@
             </a:r>
             <a:endParaRPr b="0" lang="en-US" sz="2400" strike="noStrike" u="none">
               <a:solidFill>
-                <a:srgbClr val="ffffff"/>
-              </a:solidFill>
-              <a:effectLst/>
-              <a:uFillTx/>
-              <a:latin typeface="Arial"/>
+                <a:srgbClr val="04617b"/>
+              </a:solidFill>
+              <a:effectLst/>
+              <a:uFillTx/>
+              <a:latin typeface="Noto Sans"/>
             </a:endParaRPr>
           </a:p>
           <a:p>
             <a:pPr marL="432000" indent="-324000">
-              <a:lnSpc>
-                <a:spcPct val="100000"/>
-              </a:lnSpc>
               <a:spcAft>
                 <a:spcPts val="1054"/>
               </a:spcAft>
@@ -3187,22 +2451,19 @@
                 <a:uFillTx/>
                 <a:latin typeface="Noto Sans"/>
               </a:rPr>
-              <a:t>The study and design of the economic systems that are virutally represented through a blockchain token(s)</a:t>
+              <a:t>The study and design of the economic systems that are virtually represented through a blockchain token(s)</a:t>
             </a:r>
             <a:endParaRPr b="0" lang="en-US" sz="2400" strike="noStrike" u="none">
               <a:solidFill>
-                <a:srgbClr val="ffffff"/>
-              </a:solidFill>
-              <a:effectLst/>
-              <a:uFillTx/>
-              <a:latin typeface="Arial"/>
+                <a:srgbClr val="04617b"/>
+              </a:solidFill>
+              <a:effectLst/>
+              <a:uFillTx/>
+              <a:latin typeface="Noto Sans"/>
             </a:endParaRPr>
           </a:p>
           <a:p>
             <a:pPr marL="432000" indent="-324000">
-              <a:lnSpc>
-                <a:spcPct val="100000"/>
-              </a:lnSpc>
               <a:spcAft>
                 <a:spcPts val="1054"/>
               </a:spcAft>
@@ -3226,18 +2487,15 @@
             </a:r>
             <a:endParaRPr b="0" lang="en-US" sz="2400" strike="noStrike" u="none">
               <a:solidFill>
-                <a:srgbClr val="ffffff"/>
-              </a:solidFill>
-              <a:effectLst/>
-              <a:uFillTx/>
-              <a:latin typeface="Arial"/>
+                <a:srgbClr val="04617b"/>
+              </a:solidFill>
+              <a:effectLst/>
+              <a:uFillTx/>
+              <a:latin typeface="Noto Sans"/>
             </a:endParaRPr>
           </a:p>
           <a:p>
             <a:pPr lvl="1" marL="864000" indent="-324000">
-              <a:lnSpc>
-                <a:spcPct val="100000"/>
-              </a:lnSpc>
               <a:spcAft>
                 <a:spcPts val="842"/>
               </a:spcAft>
@@ -3257,22 +2515,19 @@
                 <a:uFillTx/>
                 <a:latin typeface="Noto Sans"/>
               </a:rPr>
-              <a:t>Miniting of Tokens</a:t>
+              <a:t>Minting of Tokens</a:t>
             </a:r>
             <a:endParaRPr b="0" lang="en-US" sz="1800" strike="noStrike" u="none">
               <a:solidFill>
-                <a:srgbClr val="ffffff"/>
-              </a:solidFill>
-              <a:effectLst/>
-              <a:uFillTx/>
-              <a:latin typeface="Arial"/>
+                <a:srgbClr val="04617b"/>
+              </a:solidFill>
+              <a:effectLst/>
+              <a:uFillTx/>
+              <a:latin typeface="Noto Sans"/>
             </a:endParaRPr>
           </a:p>
           <a:p>
             <a:pPr lvl="1" marL="864000" indent="-324000">
-              <a:lnSpc>
-                <a:spcPct val="100000"/>
-              </a:lnSpc>
               <a:spcAft>
                 <a:spcPts val="842"/>
               </a:spcAft>
@@ -3296,18 +2551,15 @@
             </a:r>
             <a:endParaRPr b="0" lang="en-US" sz="1800" strike="noStrike" u="none">
               <a:solidFill>
-                <a:srgbClr val="ffffff"/>
-              </a:solidFill>
-              <a:effectLst/>
-              <a:uFillTx/>
-              <a:latin typeface="Arial"/>
+                <a:srgbClr val="04617b"/>
+              </a:solidFill>
+              <a:effectLst/>
+              <a:uFillTx/>
+              <a:latin typeface="Noto Sans"/>
             </a:endParaRPr>
           </a:p>
           <a:p>
             <a:pPr lvl="1" marL="864000" indent="-324000">
-              <a:lnSpc>
-                <a:spcPct val="100000"/>
-              </a:lnSpc>
               <a:spcAft>
                 <a:spcPts val="842"/>
               </a:spcAft>
@@ -3331,18 +2583,15 @@
             </a:r>
             <a:endParaRPr b="0" lang="en-US" sz="1800" strike="noStrike" u="none">
               <a:solidFill>
-                <a:srgbClr val="ffffff"/>
-              </a:solidFill>
-              <a:effectLst/>
-              <a:uFillTx/>
-              <a:latin typeface="Arial"/>
+                <a:srgbClr val="04617b"/>
+              </a:solidFill>
+              <a:effectLst/>
+              <a:uFillTx/>
+              <a:latin typeface="Noto Sans"/>
             </a:endParaRPr>
           </a:p>
           <a:p>
             <a:pPr lvl="1" marL="864000" indent="-324000">
-              <a:lnSpc>
-                <a:spcPct val="100000"/>
-              </a:lnSpc>
               <a:spcAft>
                 <a:spcPts val="842"/>
               </a:spcAft>
@@ -3366,18 +2615,15 @@
             </a:r>
             <a:endParaRPr b="0" lang="en-US" sz="1800" strike="noStrike" u="none">
               <a:solidFill>
-                <a:srgbClr val="ffffff"/>
-              </a:solidFill>
-              <a:effectLst/>
-              <a:uFillTx/>
-              <a:latin typeface="Arial"/>
+                <a:srgbClr val="04617b"/>
+              </a:solidFill>
+              <a:effectLst/>
+              <a:uFillTx/>
+              <a:latin typeface="Noto Sans"/>
             </a:endParaRPr>
           </a:p>
           <a:p>
             <a:pPr lvl="1" marL="864000" indent="-324000">
-              <a:lnSpc>
-                <a:spcPct val="100000"/>
-              </a:lnSpc>
               <a:spcAft>
                 <a:spcPts val="842"/>
               </a:spcAft>
@@ -3401,47 +2647,335 @@
             </a:r>
             <a:endParaRPr b="0" lang="en-US" sz="1800" strike="noStrike" u="none">
               <a:solidFill>
-                <a:srgbClr val="ffffff"/>
-              </a:solidFill>
-              <a:effectLst/>
-              <a:uFillTx/>
-              <a:latin typeface="Arial"/>
+                <a:srgbClr val="04617b"/>
+              </a:solidFill>
+              <a:effectLst/>
+              <a:uFillTx/>
+              <a:latin typeface="Noto Sans"/>
             </a:endParaRPr>
           </a:p>
           <a:p>
             <a:pPr marL="432000" indent="0">
-              <a:lnSpc>
-                <a:spcPct val="100000"/>
-              </a:lnSpc>
               <a:spcAft>
                 <a:spcPts val="1054"/>
               </a:spcAft>
               <a:buNone/>
-              <a:tabLst>
-                <a:tab algn="l" pos="0"/>
-              </a:tabLst>
             </a:pPr>
             <a:endParaRPr b="0" lang="en-US" sz="2400" strike="noStrike" u="none">
               <a:solidFill>
-                <a:srgbClr val="ffffff"/>
-              </a:solidFill>
-              <a:effectLst/>
-              <a:uFillTx/>
-              <a:latin typeface="Arial"/>
+                <a:srgbClr val="04617b"/>
+              </a:solidFill>
+              <a:effectLst/>
+              <a:uFillTx/>
+              <a:latin typeface="Noto Sans"/>
             </a:endParaRPr>
           </a:p>
         </p:txBody>
       </p:sp>
     </p:spTree>
   </p:cSld>
-  <mc:AlternateContent>
-    <mc:Choice Requires="p14">
-      <p:transition spd="slow" p14:dur="2000"/>
-    </mc:Choice>
-    <mc:Fallback>
-      <p:transition spd="slow"/>
-    </mc:Fallback>
-  </mc:AlternateContent>
+</p:sld>
+</file>
+
+<file path=ppt/slides/slide10.xml><?xml version="1.0" encoding="utf-8"?>
+<p:sld xmlns:a="http://schemas.openxmlformats.org/drawingml/2006/main" xmlns:p="http://schemas.openxmlformats.org/presentationml/2006/main" xmlns:r="http://schemas.openxmlformats.org/officeDocument/2006/relationships" xmlns:p14="http://schemas.microsoft.com/office/powerpoint/2010/main" xmlns:p15="http://schemas.microsoft.com/office/powerpoint/2012/main" xmlns:mc="http://schemas.openxmlformats.org/markup-compatibility/2006">
+  <p:cSld>
+    <p:spTree>
+      <p:nvGrpSpPr>
+        <p:cNvPr id="1" name=""/>
+        <p:cNvGrpSpPr/>
+        <p:nvPr/>
+      </p:nvGrpSpPr>
+      <p:grpSpPr>
+        <a:xfrm>
+          <a:off x="0" y="0"/>
+          <a:ext cx="0" cy="0"/>
+          <a:chOff x="0" y="0"/>
+          <a:chExt cx="0" cy="0"/>
+        </a:xfrm>
+      </p:grpSpPr>
+      <p:sp>
+        <p:nvSpPr>
+          <p:cNvPr id="42" name="PlaceHolder 1"/>
+          <p:cNvSpPr>
+            <a:spLocks noGrp="1"/>
+          </p:cNvSpPr>
+          <p:nvPr>
+            <p:ph type="title"/>
+          </p:nvPr>
+        </p:nvSpPr>
+        <p:spPr>
+          <a:xfrm>
+            <a:off x="504000" y="90000"/>
+            <a:ext cx="9072000" cy="990000"/>
+          </a:xfrm>
+          <a:prstGeom prst="rect">
+            <a:avLst/>
+          </a:prstGeom>
+          <a:noFill/>
+          <a:ln w="0">
+            <a:noFill/>
+          </a:ln>
+        </p:spPr>
+        <p:txBody>
+          <a:bodyPr lIns="0" rIns="0" tIns="0" bIns="0" anchor="b">
+            <a:normAutofit/>
+          </a:bodyPr>
+          <a:p>
+            <a:pPr indent="0">
+              <a:buNone/>
+            </a:pPr>
+            <a:r>
+              <a:rPr b="0" lang="en-US" sz="4500" strike="noStrike" u="none">
+                <a:solidFill>
+                  <a:srgbClr val="dbf5f9"/>
+                </a:solidFill>
+                <a:effectLst/>
+                <a:uFillTx/>
+                <a:latin typeface="Noto Sans"/>
+              </a:rPr>
+              <a:t>Cross-token Incentives</a:t>
+            </a:r>
+            <a:endParaRPr b="0" lang="en-US" sz="4500" strike="noStrike" u="none">
+              <a:solidFill>
+                <a:srgbClr val="dbf5f9"/>
+              </a:solidFill>
+              <a:effectLst/>
+              <a:uFillTx/>
+              <a:latin typeface="Noto Sans"/>
+            </a:endParaRPr>
+          </a:p>
+        </p:txBody>
+      </p:sp>
+      <p:sp>
+        <p:nvSpPr>
+          <p:cNvPr id="43" name="PlaceHolder 2"/>
+          <p:cNvSpPr>
+            <a:spLocks noGrp="1"/>
+          </p:cNvSpPr>
+          <p:nvPr>
+            <p:ph/>
+          </p:nvPr>
+        </p:nvSpPr>
+        <p:spPr>
+          <a:xfrm>
+            <a:off x="504000" y="1440000"/>
+            <a:ext cx="9072000" cy="4046400"/>
+          </a:xfrm>
+          <a:prstGeom prst="rect">
+            <a:avLst/>
+          </a:prstGeom>
+          <a:noFill/>
+          <a:ln w="0">
+            <a:noFill/>
+          </a:ln>
+        </p:spPr>
+        <p:txBody>
+          <a:bodyPr lIns="0" rIns="0" tIns="0" bIns="0" anchor="t">
+            <a:normAutofit/>
+          </a:bodyPr>
+          <a:p>
+            <a:pPr marL="432000" indent="-324000">
+              <a:spcAft>
+                <a:spcPts val="1054"/>
+              </a:spcAft>
+              <a:buClr>
+                <a:srgbClr val="009eda"/>
+              </a:buClr>
+              <a:buSzPct val="45000"/>
+              <a:buFont typeface="Wingdings" charset="2"/>
+              <a:buChar char=""/>
+            </a:pPr>
+            <a:r>
+              <a:rPr b="0" lang="en-US" sz="1400" strike="noStrike" u="none">
+                <a:solidFill>
+                  <a:srgbClr val="04617b"/>
+                </a:solidFill>
+                <a:effectLst/>
+                <a:uFillTx/>
+                <a:latin typeface="Noto Sans"/>
+              </a:rPr>
+              <a:t>Trading and Incentives around cross token activities</a:t>
+            </a:r>
+            <a:endParaRPr b="0" lang="en-US" sz="1400" strike="noStrike" u="none">
+              <a:solidFill>
+                <a:srgbClr val="04617b"/>
+              </a:solidFill>
+              <a:effectLst/>
+              <a:uFillTx/>
+              <a:latin typeface="Noto Sans"/>
+            </a:endParaRPr>
+          </a:p>
+          <a:p>
+            <a:pPr marL="432000" indent="-324000">
+              <a:spcAft>
+                <a:spcPts val="1054"/>
+              </a:spcAft>
+              <a:buClr>
+                <a:srgbClr val="009eda"/>
+              </a:buClr>
+              <a:buSzPct val="45000"/>
+              <a:buFont typeface="Wingdings" charset="2"/>
+              <a:buChar char=""/>
+            </a:pPr>
+            <a:r>
+              <a:rPr b="0" lang="en-US" sz="1400" strike="noStrike" u="none">
+                <a:solidFill>
+                  <a:srgbClr val="04617b"/>
+                </a:solidFill>
+                <a:effectLst/>
+                <a:uFillTx/>
+                <a:latin typeface="Noto Sans"/>
+              </a:rPr>
+              <a:t>Incentives:</a:t>
+            </a:r>
+            <a:endParaRPr b="0" lang="en-US" sz="1400" strike="noStrike" u="none">
+              <a:solidFill>
+                <a:srgbClr val="04617b"/>
+              </a:solidFill>
+              <a:effectLst/>
+              <a:uFillTx/>
+              <a:latin typeface="Noto Sans"/>
+            </a:endParaRPr>
+          </a:p>
+          <a:p>
+            <a:pPr lvl="1" marL="864000" indent="-324000">
+              <a:spcBef>
+                <a:spcPts val="1191"/>
+              </a:spcBef>
+              <a:spcAft>
+                <a:spcPts val="992"/>
+              </a:spcAft>
+              <a:buClr>
+                <a:srgbClr val="009eda"/>
+              </a:buClr>
+              <a:buSzPct val="45000"/>
+              <a:buFont typeface="Wingdings" charset="2"/>
+              <a:buChar char=""/>
+            </a:pPr>
+            <a:r>
+              <a:rPr b="0" lang="en-US" sz="1400" strike="noStrike" u="none">
+                <a:solidFill>
+                  <a:srgbClr val="04617b"/>
+                </a:solidFill>
+                <a:effectLst/>
+                <a:uFillTx/>
+                <a:latin typeface="Noto Sans"/>
+              </a:rPr>
+              <a:t>mMKTB + gMKTB: Using mMKTB in transactions gives bonus gMKTB, encouraging DAO participation.</a:t>
+            </a:r>
+            <a:endParaRPr b="0" lang="en-US" sz="1400" strike="noStrike" u="none">
+              <a:solidFill>
+                <a:srgbClr val="04617b"/>
+              </a:solidFill>
+              <a:effectLst/>
+              <a:uFillTx/>
+              <a:latin typeface="Noto Sans"/>
+            </a:endParaRPr>
+          </a:p>
+          <a:p>
+            <a:pPr lvl="1" marL="864000" indent="-324000">
+              <a:spcBef>
+                <a:spcPts val="1191"/>
+              </a:spcBef>
+              <a:spcAft>
+                <a:spcPts val="992"/>
+              </a:spcAft>
+              <a:buClr>
+                <a:srgbClr val="009eda"/>
+              </a:buClr>
+              <a:buSzPct val="45000"/>
+              <a:buFont typeface="Wingdings" charset="2"/>
+              <a:buChar char=""/>
+            </a:pPr>
+            <a:r>
+              <a:rPr b="0" lang="en-US" sz="1400" strike="noStrike" u="none">
+                <a:solidFill>
+                  <a:srgbClr val="04617b"/>
+                </a:solidFill>
+                <a:effectLst/>
+                <a:uFillTx/>
+                <a:latin typeface="Noto Sans"/>
+              </a:rPr>
+              <a:t>dMKTB + gMKTB + sMKTB: </a:t>
+            </a:r>
+            <a:endParaRPr b="0" lang="en-US" sz="1400" strike="noStrike" u="none">
+              <a:solidFill>
+                <a:srgbClr val="04617b"/>
+              </a:solidFill>
+              <a:effectLst/>
+              <a:uFillTx/>
+              <a:latin typeface="Noto Sans"/>
+            </a:endParaRPr>
+          </a:p>
+          <a:p>
+            <a:pPr lvl="2" marL="1296000" indent="-288000">
+              <a:spcAft>
+                <a:spcPts val="635"/>
+              </a:spcAft>
+              <a:buClr>
+                <a:srgbClr val="009eda"/>
+              </a:buClr>
+              <a:buSzPct val="45000"/>
+              <a:buFont typeface="Wingdings" charset="2"/>
+              <a:buChar char=""/>
+            </a:pPr>
+            <a:r>
+              <a:rPr b="0" lang="en-US" sz="1400" strike="noStrike" u="none">
+                <a:solidFill>
+                  <a:srgbClr val="04617b"/>
+                </a:solidFill>
+                <a:effectLst/>
+                <a:uFillTx/>
+                <a:latin typeface="Noto Sans"/>
+              </a:rPr>
+              <a:t>Stakers of gMKTB earn boosted yields in dMKTB DeFi pools.</a:t>
+            </a:r>
+            <a:endParaRPr b="0" lang="en-US" sz="1400" strike="noStrike" u="none">
+              <a:solidFill>
+                <a:srgbClr val="04617b"/>
+              </a:solidFill>
+              <a:effectLst/>
+              <a:uFillTx/>
+              <a:latin typeface="Noto Sans"/>
+            </a:endParaRPr>
+          </a:p>
+          <a:p>
+            <a:pPr lvl="2" marL="1296000" indent="-288000">
+              <a:spcAft>
+                <a:spcPts val="635"/>
+              </a:spcAft>
+              <a:buClr>
+                <a:srgbClr val="009eda"/>
+              </a:buClr>
+              <a:buSzPct val="45000"/>
+              <a:buFont typeface="Wingdings" charset="2"/>
+              <a:buChar char=""/>
+            </a:pPr>
+            <a:r>
+              <a:rPr b="0" lang="en-US" sz="1400" strike="noStrike" u="none">
+                <a:solidFill>
+                  <a:srgbClr val="04617b"/>
+                </a:solidFill>
+                <a:effectLst/>
+                <a:uFillTx/>
+                <a:latin typeface="Noto Sans"/>
+              </a:rPr>
+              <a:t>Users could use DeFi profits (from dMKTB) to fund storage (sMKTB) at a discount, creating flow between modules.</a:t>
+            </a:r>
+            <a:endParaRPr b="0" lang="en-US" sz="1400" strike="noStrike" u="none">
+              <a:solidFill>
+                <a:srgbClr val="04617b"/>
+              </a:solidFill>
+              <a:effectLst/>
+              <a:uFillTx/>
+              <a:latin typeface="Noto Sans"/>
+            </a:endParaRPr>
+          </a:p>
+        </p:txBody>
+      </p:sp>
+    </p:spTree>
+  </p:cSld>
 </p:sld>
 </file>
 
@@ -3464,7 +2998,7 @@
       </p:grpSpPr>
       <p:sp>
         <p:nvSpPr>
-          <p:cNvPr id="33" name="PlaceHolder 1"/>
+          <p:cNvPr id="26" name="PlaceHolder 1"/>
           <p:cNvSpPr>
             <a:spLocks noGrp="1"/>
           </p:cNvSpPr>
@@ -3475,7 +3009,7 @@
         <p:spPr>
           <a:xfrm>
             <a:off x="504000" y="90000"/>
-            <a:ext cx="9071640" cy="989640"/>
+            <a:ext cx="9072000" cy="990000"/>
           </a:xfrm>
           <a:prstGeom prst="rect">
             <a:avLst/>
@@ -3491,13 +3025,7 @@
           </a:bodyPr>
           <a:p>
             <a:pPr indent="0">
-              <a:lnSpc>
-                <a:spcPct val="100000"/>
-              </a:lnSpc>
               <a:buNone/>
-              <a:tabLst>
-                <a:tab algn="l" pos="0"/>
-              </a:tabLst>
             </a:pPr>
             <a:r>
               <a:rPr b="0" lang="en-US" sz="4500" strike="noStrike" u="none">
@@ -3512,24 +3040,24 @@
             </a:r>
             <a:endParaRPr b="0" lang="en-US" sz="4500" strike="noStrike" u="none">
               <a:solidFill>
-                <a:srgbClr val="ffffff"/>
-              </a:solidFill>
-              <a:effectLst/>
-              <a:uFillTx/>
-              <a:latin typeface="Arial"/>
+                <a:srgbClr val="dbf5f9"/>
+              </a:solidFill>
+              <a:effectLst/>
+              <a:uFillTx/>
+              <a:latin typeface="Noto Sans"/>
             </a:endParaRPr>
           </a:p>
         </p:txBody>
       </p:sp>
       <p:graphicFrame>
         <p:nvGraphicFramePr>
-          <p:cNvPr id="34" name=""/>
+          <p:cNvPr id="27" name=""/>
           <p:cNvGraphicFramePr/>
           <p:nvPr/>
         </p:nvGraphicFramePr>
         <p:xfrm>
           <a:off x="240120" y="1396080"/>
-          <a:ext cx="9589320" cy="4039200"/>
+          <a:ext cx="9589320" cy="4019400"/>
         </p:xfrm>
         <a:graphic>
           <a:graphicData uri="http://schemas.openxmlformats.org/drawingml/2006/table">
@@ -3542,15 +3070,11 @@
               <a:tr h="449640">
                 <a:tc>
                   <a:txBody>
-                    <a:bodyPr lIns="36000" rIns="36000" anchor="t">
+                    <a:bodyPr lIns="36000" rIns="36000" tIns="36000" bIns="36000" anchor="t">
                       <a:noAutofit/>
                     </a:bodyPr>
                     <a:p>
-                      <a:pPr algn="ctr">
-                        <a:lnSpc>
-                          <a:spcPct val="100000"/>
-                        </a:lnSpc>
-                      </a:pPr>
+                      <a:pPr algn="ctr"/>
                       <a:r>
                         <a:rPr b="1" lang="en-US" sz="1800" strike="noStrike" u="sng">
                           <a:solidFill>
@@ -3559,6 +3083,7 @@
                           <a:effectLst/>
                           <a:uFillTx/>
                           <a:latin typeface="Arial"/>
+                          <a:ea typeface="Arial"/>
                         </a:rPr>
                         <a:t>Topic Area</a:t>
                       </a:r>
@@ -3602,33 +3127,29 @@
                 </a:tc>
                 <a:tc>
                   <a:txBody>
-                    <a:bodyPr lIns="36000" rIns="36000" anchor="t">
+                    <a:bodyPr lIns="36000" rIns="36000" tIns="36000" bIns="36000" anchor="t">
                       <a:noAutofit/>
                     </a:bodyPr>
                     <a:p>
-                      <a:pPr>
-                        <a:lnSpc>
-                          <a:spcPct val="100000"/>
-                        </a:lnSpc>
-                      </a:pPr>
                       <a:r>
-                        <a:rPr b="1" lang="en-US" sz="1800" strike="noStrike" u="sng">
+                        <a:rPr b="1" lang="en-US" sz="2200" strike="noStrike" u="sng">
                           <a:solidFill>
                             <a:srgbClr val="ffffff"/>
                           </a:solidFill>
                           <a:effectLst/>
                           <a:uFillTx/>
                           <a:latin typeface="Arial"/>
+                          <a:ea typeface="Arial"/>
                         </a:rPr>
                         <a:t>Topic Coverage</a:t>
                       </a:r>
-                      <a:endParaRPr b="0" lang="en-US" sz="1800" strike="noStrike" u="none">
+                      <a:endParaRPr b="0" lang="en-US" sz="2200" strike="noStrike" u="none">
                         <a:solidFill>
                           <a:srgbClr val="ffffff"/>
                         </a:solidFill>
                         <a:effectLst/>
                         <a:uFillTx/>
-                        <a:latin typeface="Arial"/>
+                        <a:latin typeface="Noto Sans"/>
                       </a:endParaRPr>
                     </a:p>
                   </a:txBody>
@@ -3664,33 +3185,30 @@
               <a:tr h="426240">
                 <a:tc>
                   <a:txBody>
-                    <a:bodyPr lIns="36000" rIns="36000" anchor="t">
+                    <a:bodyPr lIns="36000" rIns="36000" tIns="36000" bIns="36000" anchor="t">
                       <a:noAutofit/>
                     </a:bodyPr>
                     <a:p>
-                      <a:pPr algn="ctr">
-                        <a:lnSpc>
-                          <a:spcPct val="100000"/>
-                        </a:lnSpc>
-                      </a:pPr>
+                      <a:pPr algn="ctr"/>
                       <a:r>
-                        <a:rPr b="0" lang="en-US" sz="1800" strike="noStrike" u="none">
+                        <a:rPr b="0" lang="en-US" sz="2200" strike="noStrike" u="none">
                           <a:solidFill>
                             <a:srgbClr val="ffffff"/>
                           </a:solidFill>
                           <a:effectLst/>
                           <a:uFillTx/>
                           <a:latin typeface="Arial"/>
+                          <a:ea typeface="Arial"/>
                         </a:rPr>
                         <a:t>Token Supply Models</a:t>
                       </a:r>
-                      <a:endParaRPr b="0" lang="en-US" sz="1800" strike="noStrike" u="none">
+                      <a:endParaRPr b="0" lang="en-US" sz="2200" strike="noStrike" u="none">
                         <a:solidFill>
                           <a:srgbClr val="ffffff"/>
                         </a:solidFill>
                         <a:effectLst/>
                         <a:uFillTx/>
-                        <a:latin typeface="Arial"/>
+                        <a:latin typeface="Noto Sans"/>
                       </a:endParaRPr>
                     </a:p>
                   </a:txBody>
@@ -3724,33 +3242,29 @@
                 </a:tc>
                 <a:tc>
                   <a:txBody>
-                    <a:bodyPr lIns="36000" rIns="36000" anchor="t">
+                    <a:bodyPr lIns="36000" rIns="36000" tIns="36000" bIns="36000" anchor="t">
                       <a:noAutofit/>
                     </a:bodyPr>
                     <a:p>
-                      <a:pPr>
-                        <a:lnSpc>
-                          <a:spcPct val="100000"/>
-                        </a:lnSpc>
-                      </a:pPr>
                       <a:r>
-                        <a:rPr b="0" lang="en-US" sz="1800" strike="noStrike" u="none">
+                        <a:rPr b="0" lang="en-US" sz="2200" strike="noStrike" u="none">
                           <a:solidFill>
                             <a:srgbClr val="ffffff"/>
                           </a:solidFill>
                           <a:effectLst/>
                           <a:uFillTx/>
                           <a:latin typeface="Arial"/>
+                          <a:ea typeface="Arial"/>
                         </a:rPr>
                         <a:t>Fixed supply, inflationary, deflationary, burn mechanisms</a:t>
                       </a:r>
-                      <a:endParaRPr b="0" lang="en-US" sz="1800" strike="noStrike" u="none">
+                      <a:endParaRPr b="0" lang="en-US" sz="2200" strike="noStrike" u="none">
                         <a:solidFill>
                           <a:srgbClr val="ffffff"/>
                         </a:solidFill>
                         <a:effectLst/>
                         <a:uFillTx/>
-                        <a:latin typeface="Arial"/>
+                        <a:latin typeface="Noto Sans"/>
                       </a:endParaRPr>
                     </a:p>
                   </a:txBody>
@@ -3786,33 +3300,30 @@
               <a:tr h="426240">
                 <a:tc>
                   <a:txBody>
-                    <a:bodyPr lIns="36000" rIns="36000" anchor="t">
+                    <a:bodyPr lIns="36000" rIns="36000" tIns="36000" bIns="36000" anchor="t">
                       <a:noAutofit/>
                     </a:bodyPr>
                     <a:p>
-                      <a:pPr algn="ctr">
-                        <a:lnSpc>
-                          <a:spcPct val="100000"/>
-                        </a:lnSpc>
-                      </a:pPr>
+                      <a:pPr algn="ctr"/>
                       <a:r>
-                        <a:rPr b="0" lang="en-US" sz="1800" strike="noStrike" u="none">
+                        <a:rPr b="0" lang="en-US" sz="2200" strike="noStrike" u="none">
                           <a:solidFill>
                             <a:srgbClr val="ffffff"/>
                           </a:solidFill>
                           <a:effectLst/>
                           <a:uFillTx/>
                           <a:latin typeface="Arial"/>
+                          <a:ea typeface="Arial"/>
                         </a:rPr>
                         <a:t>Incentives &amp; Rewards</a:t>
                       </a:r>
-                      <a:endParaRPr b="0" lang="en-US" sz="1800" strike="noStrike" u="none">
+                      <a:endParaRPr b="0" lang="en-US" sz="2200" strike="noStrike" u="none">
                         <a:solidFill>
                           <a:srgbClr val="ffffff"/>
                         </a:solidFill>
                         <a:effectLst/>
                         <a:uFillTx/>
-                        <a:latin typeface="Arial"/>
+                        <a:latin typeface="Noto Sans"/>
                       </a:endParaRPr>
                     </a:p>
                   </a:txBody>
@@ -3846,33 +3357,29 @@
                 </a:tc>
                 <a:tc>
                   <a:txBody>
-                    <a:bodyPr lIns="36000" rIns="36000" anchor="t">
+                    <a:bodyPr lIns="36000" rIns="36000" tIns="36000" bIns="36000" anchor="t">
                       <a:noAutofit/>
                     </a:bodyPr>
                     <a:p>
-                      <a:pPr>
-                        <a:lnSpc>
-                          <a:spcPct val="100000"/>
-                        </a:lnSpc>
-                      </a:pPr>
                       <a:r>
-                        <a:rPr b="0" lang="en-US" sz="1800" strike="noStrike" u="none">
+                        <a:rPr b="0" lang="en-US" sz="2200" strike="noStrike" u="none">
                           <a:solidFill>
                             <a:srgbClr val="ffffff"/>
                           </a:solidFill>
                           <a:effectLst/>
                           <a:uFillTx/>
                           <a:latin typeface="Arial"/>
+                          <a:ea typeface="Arial"/>
                         </a:rPr>
                         <a:t>Mining rewards, staking, yield farming, governance rewards</a:t>
                       </a:r>
-                      <a:endParaRPr b="0" lang="en-US" sz="1800" strike="noStrike" u="none">
+                      <a:endParaRPr b="0" lang="en-US" sz="2200" strike="noStrike" u="none">
                         <a:solidFill>
                           <a:srgbClr val="ffffff"/>
                         </a:solidFill>
                         <a:effectLst/>
                         <a:uFillTx/>
-                        <a:latin typeface="Arial"/>
+                        <a:latin typeface="Noto Sans"/>
                       </a:endParaRPr>
                     </a:p>
                   </a:txBody>
@@ -3908,33 +3415,30 @@
               <a:tr h="426240">
                 <a:tc>
                   <a:txBody>
-                    <a:bodyPr lIns="36000" rIns="36000" anchor="t">
+                    <a:bodyPr lIns="36000" rIns="36000" tIns="36000" bIns="36000" anchor="t">
                       <a:noAutofit/>
                     </a:bodyPr>
                     <a:p>
-                      <a:pPr algn="ctr">
-                        <a:lnSpc>
-                          <a:spcPct val="100000"/>
-                        </a:lnSpc>
-                      </a:pPr>
+                      <a:pPr algn="ctr"/>
                       <a:r>
-                        <a:rPr b="0" lang="en-US" sz="1800" strike="noStrike" u="none">
+                        <a:rPr b="0" lang="en-US" sz="2200" strike="noStrike" u="none">
                           <a:solidFill>
                             <a:srgbClr val="ffffff"/>
                           </a:solidFill>
                           <a:effectLst/>
                           <a:uFillTx/>
                           <a:latin typeface="Arial"/>
+                          <a:ea typeface="Arial"/>
                         </a:rPr>
                         <a:t>Utility &amp; Use Cases</a:t>
                       </a:r>
-                      <a:endParaRPr b="0" lang="en-US" sz="1800" strike="noStrike" u="none">
+                      <a:endParaRPr b="0" lang="en-US" sz="2200" strike="noStrike" u="none">
                         <a:solidFill>
                           <a:srgbClr val="ffffff"/>
                         </a:solidFill>
                         <a:effectLst/>
                         <a:uFillTx/>
-                        <a:latin typeface="Arial"/>
+                        <a:latin typeface="Noto Sans"/>
                       </a:endParaRPr>
                     </a:p>
                   </a:txBody>
@@ -3968,33 +3472,29 @@
                 </a:tc>
                 <a:tc>
                   <a:txBody>
-                    <a:bodyPr lIns="36000" rIns="36000" anchor="t">
+                    <a:bodyPr lIns="36000" rIns="36000" tIns="36000" bIns="36000" anchor="t">
                       <a:noAutofit/>
                     </a:bodyPr>
                     <a:p>
-                      <a:pPr>
-                        <a:lnSpc>
-                          <a:spcPct val="100000"/>
-                        </a:lnSpc>
-                      </a:pPr>
                       <a:r>
-                        <a:rPr b="0" lang="en-US" sz="1800" strike="noStrike" u="none">
+                        <a:rPr b="0" lang="en-US" sz="2200" strike="noStrike" u="none">
                           <a:solidFill>
                             <a:srgbClr val="ffffff"/>
                           </a:solidFill>
                           <a:effectLst/>
                           <a:uFillTx/>
                           <a:latin typeface="Arial"/>
+                          <a:ea typeface="Arial"/>
                         </a:rPr>
                         <a:t>Medium of exchange, governance rights, collateral, access to services</a:t>
                       </a:r>
-                      <a:endParaRPr b="0" lang="en-US" sz="1800" strike="noStrike" u="none">
+                      <a:endParaRPr b="0" lang="en-US" sz="2200" strike="noStrike" u="none">
                         <a:solidFill>
                           <a:srgbClr val="ffffff"/>
                         </a:solidFill>
                         <a:effectLst/>
                         <a:uFillTx/>
-                        <a:latin typeface="Arial"/>
+                        <a:latin typeface="Noto Sans"/>
                       </a:endParaRPr>
                     </a:p>
                   </a:txBody>
@@ -4030,33 +3530,30 @@
               <a:tr h="426240">
                 <a:tc>
                   <a:txBody>
-                    <a:bodyPr lIns="36000" rIns="36000" anchor="t">
+                    <a:bodyPr lIns="36000" rIns="36000" tIns="36000" bIns="36000" anchor="t">
                       <a:noAutofit/>
                     </a:bodyPr>
                     <a:p>
-                      <a:pPr algn="ctr">
-                        <a:lnSpc>
-                          <a:spcPct val="100000"/>
-                        </a:lnSpc>
-                      </a:pPr>
+                      <a:pPr algn="ctr"/>
                       <a:r>
-                        <a:rPr b="0" lang="en-US" sz="1800" strike="noStrike" u="none">
+                        <a:rPr b="0" lang="en-US" sz="2200" strike="noStrike" u="none">
                           <a:solidFill>
                             <a:srgbClr val="ffffff"/>
                           </a:solidFill>
                           <a:effectLst/>
                           <a:uFillTx/>
                           <a:latin typeface="Arial"/>
+                          <a:ea typeface="Arial"/>
                         </a:rPr>
                         <a:t>Distribution Models</a:t>
                       </a:r>
-                      <a:endParaRPr b="0" lang="en-US" sz="1800" strike="noStrike" u="none">
+                      <a:endParaRPr b="0" lang="en-US" sz="2200" strike="noStrike" u="none">
                         <a:solidFill>
                           <a:srgbClr val="ffffff"/>
                         </a:solidFill>
                         <a:effectLst/>
                         <a:uFillTx/>
-                        <a:latin typeface="Arial"/>
+                        <a:latin typeface="Noto Sans"/>
                       </a:endParaRPr>
                     </a:p>
                   </a:txBody>
@@ -4090,33 +3587,29 @@
                 </a:tc>
                 <a:tc>
                   <a:txBody>
-                    <a:bodyPr lIns="36000" rIns="36000" anchor="t">
+                    <a:bodyPr lIns="36000" rIns="36000" tIns="36000" bIns="36000" anchor="t">
                       <a:noAutofit/>
                     </a:bodyPr>
                     <a:p>
-                      <a:pPr>
-                        <a:lnSpc>
-                          <a:spcPct val="100000"/>
-                        </a:lnSpc>
-                      </a:pPr>
                       <a:r>
-                        <a:rPr b="0" lang="en-US" sz="1800" strike="noStrike" u="none">
+                        <a:rPr b="0" lang="en-US" sz="2200" strike="noStrike" u="none">
                           <a:solidFill>
                             <a:srgbClr val="ffffff"/>
                           </a:solidFill>
                           <a:effectLst/>
                           <a:uFillTx/>
                           <a:latin typeface="Arial"/>
+                          <a:ea typeface="Arial"/>
                         </a:rPr>
                         <a:t>Airdrops, ICOs, IDOs, liquidity mining, vesting schedules</a:t>
                       </a:r>
-                      <a:endParaRPr b="0" lang="en-US" sz="1800" strike="noStrike" u="none">
+                      <a:endParaRPr b="0" lang="en-US" sz="2200" strike="noStrike" u="none">
                         <a:solidFill>
                           <a:srgbClr val="ffffff"/>
                         </a:solidFill>
                         <a:effectLst/>
                         <a:uFillTx/>
-                        <a:latin typeface="Arial"/>
+                        <a:latin typeface="Noto Sans"/>
                       </a:endParaRPr>
                     </a:p>
                   </a:txBody>
@@ -4152,33 +3645,30 @@
               <a:tr h="426240">
                 <a:tc>
                   <a:txBody>
-                    <a:bodyPr lIns="36000" rIns="36000" anchor="t">
+                    <a:bodyPr lIns="36000" rIns="36000" tIns="36000" bIns="36000" anchor="t">
                       <a:noAutofit/>
                     </a:bodyPr>
                     <a:p>
-                      <a:pPr algn="ctr">
-                        <a:lnSpc>
-                          <a:spcPct val="100000"/>
-                        </a:lnSpc>
-                      </a:pPr>
+                      <a:pPr algn="ctr"/>
                       <a:r>
-                        <a:rPr b="0" lang="en-US" sz="1800" strike="noStrike" u="none">
+                        <a:rPr b="0" lang="en-US" sz="2200" strike="noStrike" u="none">
                           <a:solidFill>
                             <a:srgbClr val="ffffff"/>
                           </a:solidFill>
                           <a:effectLst/>
                           <a:uFillTx/>
                           <a:latin typeface="Arial"/>
+                          <a:ea typeface="Arial"/>
                         </a:rPr>
                         <a:t>Governance and Voting</a:t>
                       </a:r>
-                      <a:endParaRPr b="0" lang="en-US" sz="1800" strike="noStrike" u="none">
+                      <a:endParaRPr b="0" lang="en-US" sz="2200" strike="noStrike" u="none">
                         <a:solidFill>
                           <a:srgbClr val="ffffff"/>
                         </a:solidFill>
                         <a:effectLst/>
                         <a:uFillTx/>
-                        <a:latin typeface="Arial"/>
+                        <a:latin typeface="Noto Sans"/>
                       </a:endParaRPr>
                     </a:p>
                   </a:txBody>
@@ -4212,33 +3702,29 @@
                 </a:tc>
                 <a:tc>
                   <a:txBody>
-                    <a:bodyPr lIns="36000" rIns="36000" anchor="t">
+                    <a:bodyPr lIns="36000" rIns="36000" tIns="36000" bIns="36000" anchor="t">
                       <a:noAutofit/>
                     </a:bodyPr>
                     <a:p>
-                      <a:pPr>
-                        <a:lnSpc>
-                          <a:spcPct val="100000"/>
-                        </a:lnSpc>
-                      </a:pPr>
                       <a:r>
-                        <a:rPr b="0" lang="en-US" sz="1800" strike="noStrike" u="none">
+                        <a:rPr b="0" lang="en-US" sz="2200" strike="noStrike" u="none">
                           <a:solidFill>
                             <a:srgbClr val="ffffff"/>
                           </a:solidFill>
                           <a:effectLst/>
                           <a:uFillTx/>
                           <a:latin typeface="Arial"/>
+                          <a:ea typeface="Arial"/>
                         </a:rPr>
                         <a:t>On-chain governance, DAOs, token-weighted voting</a:t>
                       </a:r>
-                      <a:endParaRPr b="0" lang="en-US" sz="1800" strike="noStrike" u="none">
+                      <a:endParaRPr b="0" lang="en-US" sz="2200" strike="noStrike" u="none">
                         <a:solidFill>
                           <a:srgbClr val="ffffff"/>
                         </a:solidFill>
                         <a:effectLst/>
                         <a:uFillTx/>
-                        <a:latin typeface="Arial"/>
+                        <a:latin typeface="Noto Sans"/>
                       </a:endParaRPr>
                     </a:p>
                   </a:txBody>
@@ -4274,33 +3760,30 @@
               <a:tr h="426240">
                 <a:tc>
                   <a:txBody>
-                    <a:bodyPr lIns="36000" rIns="36000" anchor="t">
+                    <a:bodyPr lIns="36000" rIns="36000" tIns="36000" bIns="36000" anchor="t">
                       <a:noAutofit/>
                     </a:bodyPr>
                     <a:p>
-                      <a:pPr algn="ctr">
-                        <a:lnSpc>
-                          <a:spcPct val="100000"/>
-                        </a:lnSpc>
-                      </a:pPr>
+                      <a:pPr algn="ctr"/>
                       <a:r>
-                        <a:rPr b="0" lang="en-US" sz="1800" strike="noStrike" u="none">
+                        <a:rPr b="0" lang="en-US" sz="2200" strike="noStrike" u="none">
                           <a:solidFill>
                             <a:srgbClr val="ffffff"/>
                           </a:solidFill>
                           <a:effectLst/>
                           <a:uFillTx/>
                           <a:latin typeface="Arial"/>
+                          <a:ea typeface="Arial"/>
                         </a:rPr>
                         <a:t>Value Capture Mechanisms</a:t>
                       </a:r>
-                      <a:endParaRPr b="0" lang="en-US" sz="1800" strike="noStrike" u="none">
+                      <a:endParaRPr b="0" lang="en-US" sz="2200" strike="noStrike" u="none">
                         <a:solidFill>
                           <a:srgbClr val="ffffff"/>
                         </a:solidFill>
                         <a:effectLst/>
                         <a:uFillTx/>
-                        <a:latin typeface="Arial"/>
+                        <a:latin typeface="Noto Sans"/>
                       </a:endParaRPr>
                     </a:p>
                   </a:txBody>
@@ -4334,33 +3817,29 @@
                 </a:tc>
                 <a:tc>
                   <a:txBody>
-                    <a:bodyPr lIns="36000" rIns="36000" anchor="t">
+                    <a:bodyPr lIns="36000" rIns="36000" tIns="36000" bIns="36000" anchor="t">
                       <a:noAutofit/>
                     </a:bodyPr>
                     <a:p>
-                      <a:pPr>
-                        <a:lnSpc>
-                          <a:spcPct val="100000"/>
-                        </a:lnSpc>
-                      </a:pPr>
                       <a:r>
-                        <a:rPr b="0" lang="en-US" sz="1800" strike="noStrike" u="none">
+                        <a:rPr b="0" lang="en-US" sz="2200" strike="noStrike" u="none">
                           <a:solidFill>
                             <a:srgbClr val="ffffff"/>
                           </a:solidFill>
                           <a:effectLst/>
                           <a:uFillTx/>
                           <a:latin typeface="Arial"/>
+                          <a:ea typeface="Arial"/>
                         </a:rPr>
                         <a:t>Transaction fees, buyback-and-burn, revenue sharing</a:t>
                       </a:r>
-                      <a:endParaRPr b="0" lang="en-US" sz="1800" strike="noStrike" u="none">
+                      <a:endParaRPr b="0" lang="en-US" sz="2200" strike="noStrike" u="none">
                         <a:solidFill>
                           <a:srgbClr val="ffffff"/>
                         </a:solidFill>
                         <a:effectLst/>
                         <a:uFillTx/>
-                        <a:latin typeface="Arial"/>
+                        <a:latin typeface="Noto Sans"/>
                       </a:endParaRPr>
                     </a:p>
                   </a:txBody>
@@ -4396,33 +3875,30 @@
               <a:tr h="426240">
                 <a:tc>
                   <a:txBody>
-                    <a:bodyPr lIns="36000" rIns="36000" anchor="t">
+                    <a:bodyPr lIns="36000" rIns="36000" tIns="36000" bIns="36000" anchor="t">
                       <a:noAutofit/>
                     </a:bodyPr>
                     <a:p>
-                      <a:pPr algn="ctr">
-                        <a:lnSpc>
-                          <a:spcPct val="100000"/>
-                        </a:lnSpc>
-                      </a:pPr>
+                      <a:pPr algn="ctr"/>
                       <a:r>
-                        <a:rPr b="0" lang="en-US" sz="1800" strike="noStrike" u="none">
+                        <a:rPr b="0" lang="en-US" sz="2200" strike="noStrike" u="none">
                           <a:solidFill>
                             <a:srgbClr val="ffffff"/>
                           </a:solidFill>
                           <a:effectLst/>
                           <a:uFillTx/>
                           <a:latin typeface="Arial"/>
+                          <a:ea typeface="Arial"/>
                         </a:rPr>
                         <a:t>Economic Risks</a:t>
                       </a:r>
-                      <a:endParaRPr b="0" lang="en-US" sz="1800" strike="noStrike" u="none">
+                      <a:endParaRPr b="0" lang="en-US" sz="2200" strike="noStrike" u="none">
                         <a:solidFill>
                           <a:srgbClr val="ffffff"/>
                         </a:solidFill>
                         <a:effectLst/>
                         <a:uFillTx/>
-                        <a:latin typeface="Arial"/>
+                        <a:latin typeface="Noto Sans"/>
                       </a:endParaRPr>
                     </a:p>
                   </a:txBody>
@@ -4456,33 +3932,29 @@
                 </a:tc>
                 <a:tc>
                   <a:txBody>
-                    <a:bodyPr lIns="36000" rIns="36000" anchor="t">
+                    <a:bodyPr lIns="36000" rIns="36000" tIns="36000" bIns="36000" anchor="t">
                       <a:noAutofit/>
                     </a:bodyPr>
                     <a:p>
-                      <a:pPr>
-                        <a:lnSpc>
-                          <a:spcPct val="100000"/>
-                        </a:lnSpc>
-                      </a:pPr>
                       <a:r>
-                        <a:rPr b="0" lang="en-US" sz="1800" strike="noStrike" u="none">
+                        <a:rPr b="0" lang="en-US" sz="2200" strike="noStrike" u="none">
                           <a:solidFill>
                             <a:srgbClr val="ffffff"/>
                           </a:solidFill>
                           <a:effectLst/>
                           <a:uFillTx/>
                           <a:latin typeface="Arial"/>
+                          <a:ea typeface="Arial"/>
                         </a:rPr>
                         <a:t>Inflation risk, whale concentration, governance attacks</a:t>
                       </a:r>
-                      <a:endParaRPr b="0" lang="en-US" sz="1800" strike="noStrike" u="none">
+                      <a:endParaRPr b="0" lang="en-US" sz="2200" strike="noStrike" u="none">
                         <a:solidFill>
                           <a:srgbClr val="ffffff"/>
                         </a:solidFill>
                         <a:effectLst/>
                         <a:uFillTx/>
-                        <a:latin typeface="Arial"/>
+                        <a:latin typeface="Noto Sans"/>
                       </a:endParaRPr>
                     </a:p>
                   </a:txBody>
@@ -4518,33 +3990,30 @@
               <a:tr h="428400">
                 <a:tc>
                   <a:txBody>
-                    <a:bodyPr lIns="36000" rIns="36000" anchor="t">
+                    <a:bodyPr lIns="36000" rIns="36000" tIns="36000" bIns="36000" anchor="t">
                       <a:noAutofit/>
                     </a:bodyPr>
                     <a:p>
-                      <a:pPr algn="ctr">
-                        <a:lnSpc>
-                          <a:spcPct val="100000"/>
-                        </a:lnSpc>
-                      </a:pPr>
+                      <a:pPr algn="ctr"/>
                       <a:r>
-                        <a:rPr b="0" lang="en-US" sz="1800" strike="noStrike" u="none">
+                        <a:rPr b="0" lang="en-US" sz="2200" strike="noStrike" u="none">
                           <a:solidFill>
                             <a:srgbClr val="ffffff"/>
                           </a:solidFill>
                           <a:effectLst/>
                           <a:uFillTx/>
                           <a:latin typeface="Arial"/>
+                          <a:ea typeface="Arial"/>
                         </a:rPr>
                         <a:t>Game Theory in Tokenomics</a:t>
                       </a:r>
-                      <a:endParaRPr b="0" lang="en-US" sz="1800" strike="noStrike" u="none">
+                      <a:endParaRPr b="0" lang="en-US" sz="2200" strike="noStrike" u="none">
                         <a:solidFill>
                           <a:srgbClr val="ffffff"/>
                         </a:solidFill>
                         <a:effectLst/>
                         <a:uFillTx/>
-                        <a:latin typeface="Arial"/>
+                        <a:latin typeface="Noto Sans"/>
                       </a:endParaRPr>
                     </a:p>
                   </a:txBody>
@@ -4578,33 +4047,29 @@
                 </a:tc>
                 <a:tc>
                   <a:txBody>
-                    <a:bodyPr lIns="36000" rIns="36000" anchor="t">
+                    <a:bodyPr lIns="36000" rIns="36000" tIns="36000" bIns="36000" anchor="t">
                       <a:noAutofit/>
                     </a:bodyPr>
                     <a:p>
-                      <a:pPr>
-                        <a:lnSpc>
-                          <a:spcPct val="100000"/>
-                        </a:lnSpc>
-                      </a:pPr>
                       <a:r>
-                        <a:rPr b="0" lang="en-US" sz="1800" strike="noStrike" u="none">
+                        <a:rPr b="0" lang="en-US" sz="2200" strike="noStrike" u="none">
                           <a:solidFill>
                             <a:srgbClr val="ffffff"/>
                           </a:solidFill>
                           <a:effectLst/>
                           <a:uFillTx/>
                           <a:latin typeface="Arial"/>
+                          <a:ea typeface="Arial"/>
                         </a:rPr>
                         <a:t>How user behavior is incentivized or manipulated</a:t>
                       </a:r>
-                      <a:endParaRPr b="0" lang="en-US" sz="1800" strike="noStrike" u="none">
+                      <a:endParaRPr b="0" lang="en-US" sz="2200" strike="noStrike" u="none">
                         <a:solidFill>
                           <a:srgbClr val="ffffff"/>
                         </a:solidFill>
                         <a:effectLst/>
                         <a:uFillTx/>
-                        <a:latin typeface="Arial"/>
+                        <a:latin typeface="Noto Sans"/>
                       </a:endParaRPr>
                     </a:p>
                   </a:txBody>
@@ -4643,14 +4108,6 @@
       </p:graphicFrame>
     </p:spTree>
   </p:cSld>
-  <mc:AlternateContent>
-    <mc:Choice Requires="p14">
-      <p:transition spd="slow" p14:dur="2000"/>
-    </mc:Choice>
-    <mc:Fallback>
-      <p:transition spd="slow"/>
-    </mc:Fallback>
-  </mc:AlternateContent>
 </p:sld>
 </file>
 
@@ -4673,13 +4130,13 @@
       </p:grpSpPr>
       <p:graphicFrame>
         <p:nvGraphicFramePr>
-          <p:cNvPr id="35" name=""/>
+          <p:cNvPr id="28" name=""/>
           <p:cNvGraphicFramePr/>
           <p:nvPr/>
         </p:nvGraphicFramePr>
         <p:xfrm>
           <a:off x="219960" y="480600"/>
-          <a:ext cx="9649080" cy="5005800"/>
+          <a:ext cx="9649080" cy="5005440"/>
         </p:xfrm>
         <a:graphic>
           <a:graphicData uri="http://schemas.openxmlformats.org/drawingml/2006/table">
@@ -4694,15 +4151,11 @@
               <a:tr h="327600">
                 <a:tc>
                   <a:txBody>
-                    <a:bodyPr lIns="36000" rIns="36000" anchor="t">
+                    <a:bodyPr lIns="36000" rIns="36000" tIns="36000" bIns="36000" anchor="t">
                       <a:noAutofit/>
                     </a:bodyPr>
                     <a:p>
-                      <a:pPr algn="r">
-                        <a:lnSpc>
-                          <a:spcPct val="100000"/>
-                        </a:lnSpc>
-                      </a:pPr>
+                      <a:pPr algn="r"/>
                       <a:r>
                         <a:rPr b="1" lang="en-US" sz="1000" strike="noStrike" u="none">
                           <a:solidFill>
@@ -4711,16 +4164,18 @@
                           <a:effectLst/>
                           <a:uFillTx/>
                           <a:latin typeface="Times New Roman"/>
+                          <a:ea typeface="Times New Roman"/>
                         </a:rPr>
                         <a:t>Aspect</a:t>
                       </a:r>
-                      <a:endParaRPr b="0" lang="en-US" sz="1000" strike="noStrike" u="none">
+                      <a:endParaRPr b="1" lang="en-US" sz="1000" strike="noStrike" u="none">
                         <a:solidFill>
                           <a:srgbClr val="ffffff"/>
                         </a:solidFill>
                         <a:effectLst/>
                         <a:uFillTx/>
-                        <a:latin typeface="Arial"/>
+                        <a:latin typeface="Times New Roman"/>
+                        <a:ea typeface="Times New Roman"/>
                       </a:endParaRPr>
                     </a:p>
                   </a:txBody>
@@ -4754,15 +4209,11 @@
                 </a:tc>
                 <a:tc>
                   <a:txBody>
-                    <a:bodyPr lIns="36000" rIns="36000" anchor="t">
+                    <a:bodyPr lIns="36000" rIns="36000" tIns="36000" bIns="36000" anchor="t">
                       <a:noAutofit/>
                     </a:bodyPr>
                     <a:p>
-                      <a:pPr algn="ctr">
-                        <a:lnSpc>
-                          <a:spcPct val="100000"/>
-                        </a:lnSpc>
-                      </a:pPr>
+                      <a:pPr algn="ctr"/>
                       <a:r>
                         <a:rPr b="1" lang="en-US" sz="1000" strike="noStrike" u="none">
                           <a:solidFill>
@@ -4771,16 +4222,18 @@
                           <a:effectLst/>
                           <a:uFillTx/>
                           <a:latin typeface="Times New Roman"/>
+                          <a:ea typeface="Times New Roman"/>
                         </a:rPr>
                         <a:t>Arweave (AR)</a:t>
                       </a:r>
-                      <a:endParaRPr b="0" lang="en-US" sz="1000" strike="noStrike" u="none">
+                      <a:endParaRPr b="1" lang="en-US" sz="1000" strike="noStrike" u="none">
                         <a:solidFill>
                           <a:srgbClr val="ffffff"/>
                         </a:solidFill>
                         <a:effectLst/>
                         <a:uFillTx/>
-                        <a:latin typeface="Arial"/>
+                        <a:latin typeface="Times New Roman"/>
+                        <a:ea typeface="Times New Roman"/>
                       </a:endParaRPr>
                     </a:p>
                   </a:txBody>
@@ -4814,15 +4267,11 @@
                 </a:tc>
                 <a:tc>
                   <a:txBody>
-                    <a:bodyPr lIns="36000" rIns="36000" anchor="t">
+                    <a:bodyPr lIns="36000" rIns="36000" tIns="36000" bIns="36000" anchor="t">
                       <a:noAutofit/>
                     </a:bodyPr>
                     <a:p>
-                      <a:pPr algn="ctr">
-                        <a:lnSpc>
-                          <a:spcPct val="100000"/>
-                        </a:lnSpc>
-                      </a:pPr>
+                      <a:pPr algn="ctr"/>
                       <a:r>
                         <a:rPr b="1" lang="en-US" sz="1000" strike="noStrike" u="none">
                           <a:solidFill>
@@ -4831,16 +4280,18 @@
                           <a:effectLst/>
                           <a:uFillTx/>
                           <a:latin typeface="Times New Roman"/>
+                          <a:ea typeface="Times New Roman"/>
                         </a:rPr>
                         <a:t>Aave (AAVE)</a:t>
                       </a:r>
-                      <a:endParaRPr b="0" lang="en-US" sz="1000" strike="noStrike" u="none">
+                      <a:endParaRPr b="1" lang="en-US" sz="1000" strike="noStrike" u="none">
                         <a:solidFill>
                           <a:srgbClr val="ffffff"/>
                         </a:solidFill>
                         <a:effectLst/>
                         <a:uFillTx/>
-                        <a:latin typeface="Arial"/>
+                        <a:latin typeface="Times New Roman"/>
+                        <a:ea typeface="Times New Roman"/>
                       </a:endParaRPr>
                     </a:p>
                   </a:txBody>
@@ -4874,15 +4325,11 @@
                 </a:tc>
                 <a:tc>
                   <a:txBody>
-                    <a:bodyPr lIns="36000" rIns="36000" anchor="t">
+                    <a:bodyPr lIns="36000" rIns="36000" tIns="36000" bIns="36000" anchor="t">
                       <a:noAutofit/>
                     </a:bodyPr>
                     <a:p>
-                      <a:pPr algn="ctr">
-                        <a:lnSpc>
-                          <a:spcPct val="100000"/>
-                        </a:lnSpc>
-                      </a:pPr>
+                      <a:pPr algn="ctr"/>
                       <a:r>
                         <a:rPr b="1" lang="en-US" sz="1000" strike="noStrike" u="none">
                           <a:solidFill>
@@ -4891,16 +4338,18 @@
                           <a:effectLst/>
                           <a:uFillTx/>
                           <a:latin typeface="Times New Roman"/>
+                          <a:ea typeface="Times New Roman"/>
                         </a:rPr>
                         <a:t>Particl (PART)</a:t>
                       </a:r>
-                      <a:endParaRPr b="0" lang="en-US" sz="1000" strike="noStrike" u="none">
+                      <a:endParaRPr b="1" lang="en-US" sz="1000" strike="noStrike" u="none">
                         <a:solidFill>
                           <a:srgbClr val="ffffff"/>
                         </a:solidFill>
                         <a:effectLst/>
                         <a:uFillTx/>
-                        <a:latin typeface="Arial"/>
+                        <a:latin typeface="Times New Roman"/>
+                        <a:ea typeface="Times New Roman"/>
                       </a:endParaRPr>
                     </a:p>
                   </a:txBody>
@@ -4936,15 +4385,11 @@
               <a:tr h="327600">
                 <a:tc>
                   <a:txBody>
-                    <a:bodyPr lIns="36000" rIns="36000" anchor="t">
+                    <a:bodyPr lIns="36000" rIns="36000" tIns="36000" bIns="36000" anchor="t">
                       <a:noAutofit/>
                     </a:bodyPr>
                     <a:p>
-                      <a:pPr algn="r">
-                        <a:lnSpc>
-                          <a:spcPct val="100000"/>
-                        </a:lnSpc>
-                      </a:pPr>
+                      <a:pPr algn="r"/>
                       <a:r>
                         <a:rPr b="1" lang="en-US" sz="1000" strike="noStrike" u="none">
                           <a:solidFill>
@@ -4953,16 +4398,18 @@
                           <a:effectLst/>
                           <a:uFillTx/>
                           <a:latin typeface="Times New Roman"/>
+                          <a:ea typeface="Times New Roman"/>
                         </a:rPr>
                         <a:t>Purpose</a:t>
                       </a:r>
-                      <a:endParaRPr b="0" lang="en-US" sz="1000" strike="noStrike" u="none">
+                      <a:endParaRPr b="1" lang="en-US" sz="1000" strike="noStrike" u="none">
                         <a:solidFill>
                           <a:srgbClr val="ffffff"/>
                         </a:solidFill>
                         <a:effectLst/>
                         <a:uFillTx/>
-                        <a:latin typeface="Arial"/>
+                        <a:latin typeface="Times New Roman"/>
+                        <a:ea typeface="Times New Roman"/>
                       </a:endParaRPr>
                     </a:p>
                   </a:txBody>
@@ -4996,15 +4443,11 @@
                 </a:tc>
                 <a:tc>
                   <a:txBody>
-                    <a:bodyPr lIns="36000" rIns="36000" anchor="t">
+                    <a:bodyPr lIns="36000" rIns="36000" tIns="36000" bIns="36000" anchor="t">
                       <a:noAutofit/>
                     </a:bodyPr>
                     <a:p>
-                      <a:pPr algn="ctr">
-                        <a:lnSpc>
-                          <a:spcPct val="100000"/>
-                        </a:lnSpc>
-                      </a:pPr>
+                      <a:pPr algn="ctr"/>
                       <a:r>
                         <a:rPr b="0" lang="en-US" sz="1000" strike="noStrike" u="none">
                           <a:solidFill>
@@ -5013,6 +4456,7 @@
                           <a:effectLst/>
                           <a:uFillTx/>
                           <a:latin typeface="Times New Roman"/>
+                          <a:ea typeface="Times New Roman"/>
                         </a:rPr>
                         <a:t>Permanent data storage on-chain</a:t>
                       </a:r>
@@ -5022,7 +4466,8 @@
                         </a:solidFill>
                         <a:effectLst/>
                         <a:uFillTx/>
-                        <a:latin typeface="Arial"/>
+                        <a:latin typeface="Times New Roman"/>
+                        <a:ea typeface="Times New Roman"/>
                       </a:endParaRPr>
                     </a:p>
                   </a:txBody>
@@ -5056,15 +4501,11 @@
                 </a:tc>
                 <a:tc>
                   <a:txBody>
-                    <a:bodyPr lIns="36000" rIns="36000" anchor="t">
+                    <a:bodyPr lIns="36000" rIns="36000" tIns="36000" bIns="36000" anchor="t">
                       <a:noAutofit/>
                     </a:bodyPr>
                     <a:p>
-                      <a:pPr algn="ctr">
-                        <a:lnSpc>
-                          <a:spcPct val="100000"/>
-                        </a:lnSpc>
-                      </a:pPr>
+                      <a:pPr algn="ctr"/>
                       <a:r>
                         <a:rPr b="0" lang="en-US" sz="1000" strike="noStrike" u="none">
                           <a:solidFill>
@@ -5073,6 +4514,7 @@
                           <a:effectLst/>
                           <a:uFillTx/>
                           <a:latin typeface="Times New Roman"/>
+                          <a:ea typeface="Times New Roman"/>
                         </a:rPr>
                         <a:t>Decentralized lending and borrowing</a:t>
                       </a:r>
@@ -5082,7 +4524,8 @@
                         </a:solidFill>
                         <a:effectLst/>
                         <a:uFillTx/>
-                        <a:latin typeface="Arial"/>
+                        <a:latin typeface="Times New Roman"/>
+                        <a:ea typeface="Times New Roman"/>
                       </a:endParaRPr>
                     </a:p>
                   </a:txBody>
@@ -5116,15 +4559,11 @@
                 </a:tc>
                 <a:tc>
                   <a:txBody>
-                    <a:bodyPr lIns="36000" rIns="36000" anchor="t">
+                    <a:bodyPr lIns="36000" rIns="36000" tIns="36000" bIns="36000" anchor="t">
                       <a:noAutofit/>
                     </a:bodyPr>
                     <a:p>
-                      <a:pPr algn="ctr">
-                        <a:lnSpc>
-                          <a:spcPct val="100000"/>
-                        </a:lnSpc>
-                      </a:pPr>
+                      <a:pPr algn="ctr"/>
                       <a:r>
                         <a:rPr b="0" lang="en-US" sz="1000" strike="noStrike" u="none">
                           <a:solidFill>
@@ -5133,6 +4572,7 @@
                           <a:effectLst/>
                           <a:uFillTx/>
                           <a:latin typeface="Times New Roman"/>
+                          <a:ea typeface="Times New Roman"/>
                         </a:rPr>
                         <a:t>Privacy-focused marketplace and payments</a:t>
                       </a:r>
@@ -5142,7 +4582,8 @@
                         </a:solidFill>
                         <a:effectLst/>
                         <a:uFillTx/>
-                        <a:latin typeface="Arial"/>
+                        <a:latin typeface="Times New Roman"/>
+                        <a:ea typeface="Times New Roman"/>
                       </a:endParaRPr>
                     </a:p>
                   </a:txBody>
@@ -5178,15 +4619,11 @@
               <a:tr h="543600">
                 <a:tc>
                   <a:txBody>
-                    <a:bodyPr lIns="36000" rIns="36000" anchor="t">
+                    <a:bodyPr lIns="36000" rIns="36000" tIns="36000" bIns="36000" anchor="t">
                       <a:noAutofit/>
                     </a:bodyPr>
                     <a:p>
-                      <a:pPr algn="r">
-                        <a:lnSpc>
-                          <a:spcPct val="100000"/>
-                        </a:lnSpc>
-                      </a:pPr>
+                      <a:pPr algn="r"/>
                       <a:r>
                         <a:rPr b="1" lang="en-US" sz="1000" strike="noStrike" u="none">
                           <a:solidFill>
@@ -5195,16 +4632,18 @@
                           <a:effectLst/>
                           <a:uFillTx/>
                           <a:latin typeface="Times New Roman"/>
+                          <a:ea typeface="Times New Roman"/>
                         </a:rPr>
                         <a:t>Token Role</a:t>
                       </a:r>
-                      <a:endParaRPr b="0" lang="en-US" sz="1000" strike="noStrike" u="none">
+                      <a:endParaRPr b="1" lang="en-US" sz="1000" strike="noStrike" u="none">
                         <a:solidFill>
                           <a:srgbClr val="ffffff"/>
                         </a:solidFill>
                         <a:effectLst/>
                         <a:uFillTx/>
-                        <a:latin typeface="Arial"/>
+                        <a:latin typeface="Times New Roman"/>
+                        <a:ea typeface="Times New Roman"/>
                       </a:endParaRPr>
                     </a:p>
                   </a:txBody>
@@ -5238,15 +4677,11 @@
                 </a:tc>
                 <a:tc>
                   <a:txBody>
-                    <a:bodyPr lIns="36000" rIns="36000" anchor="t">
+                    <a:bodyPr lIns="36000" rIns="36000" tIns="36000" bIns="36000" anchor="t">
                       <a:noAutofit/>
                     </a:bodyPr>
                     <a:p>
-                      <a:pPr algn="ctr">
-                        <a:lnSpc>
-                          <a:spcPct val="100000"/>
-                        </a:lnSpc>
-                      </a:pPr>
+                      <a:pPr algn="ctr"/>
                       <a:r>
                         <a:rPr b="0" lang="en-US" sz="1000" strike="noStrike" u="none">
                           <a:solidFill>
@@ -5255,6 +4690,7 @@
                           <a:effectLst/>
                           <a:uFillTx/>
                           <a:latin typeface="Times New Roman"/>
+                          <a:ea typeface="Times New Roman"/>
                         </a:rPr>
                         <a:t>Payment for data storage (one-time "endowment")</a:t>
                       </a:r>
@@ -5264,7 +4700,8 @@
                         </a:solidFill>
                         <a:effectLst/>
                         <a:uFillTx/>
-                        <a:latin typeface="Arial"/>
+                        <a:latin typeface="Times New Roman"/>
+                        <a:ea typeface="Times New Roman"/>
                       </a:endParaRPr>
                     </a:p>
                   </a:txBody>
@@ -5298,15 +4735,11 @@
                 </a:tc>
                 <a:tc>
                   <a:txBody>
-                    <a:bodyPr lIns="36000" rIns="36000" anchor="t">
+                    <a:bodyPr lIns="36000" rIns="36000" tIns="36000" bIns="36000" anchor="t">
                       <a:noAutofit/>
                     </a:bodyPr>
                     <a:p>
-                      <a:pPr algn="ctr">
-                        <a:lnSpc>
-                          <a:spcPct val="100000"/>
-                        </a:lnSpc>
-                      </a:pPr>
+                      <a:pPr algn="ctr"/>
                       <a:r>
                         <a:rPr b="0" lang="en-US" sz="1000" strike="noStrike" u="none">
                           <a:solidFill>
@@ -5315,6 +4748,7 @@
                           <a:effectLst/>
                           <a:uFillTx/>
                           <a:latin typeface="Times New Roman"/>
+                          <a:ea typeface="Times New Roman"/>
                         </a:rPr>
                         <a:t>Governance, staking, slashing protection</a:t>
                       </a:r>
@@ -5324,7 +4758,8 @@
                         </a:solidFill>
                         <a:effectLst/>
                         <a:uFillTx/>
-                        <a:latin typeface="Arial"/>
+                        <a:latin typeface="Times New Roman"/>
+                        <a:ea typeface="Times New Roman"/>
                       </a:endParaRPr>
                     </a:p>
                   </a:txBody>
@@ -5358,15 +4793,11 @@
                 </a:tc>
                 <a:tc>
                   <a:txBody>
-                    <a:bodyPr lIns="36000" rIns="36000" anchor="t">
+                    <a:bodyPr lIns="36000" rIns="36000" tIns="36000" bIns="36000" anchor="t">
                       <a:noAutofit/>
                     </a:bodyPr>
                     <a:p>
-                      <a:pPr algn="ctr">
-                        <a:lnSpc>
-                          <a:spcPct val="100000"/>
-                        </a:lnSpc>
-                      </a:pPr>
+                      <a:pPr algn="ctr"/>
                       <a:r>
                         <a:rPr b="0" lang="en-US" sz="1000" strike="noStrike" u="none">
                           <a:solidFill>
@@ -5375,6 +4806,7 @@
                           <a:effectLst/>
                           <a:uFillTx/>
                           <a:latin typeface="Times New Roman"/>
+                          <a:ea typeface="Times New Roman"/>
                         </a:rPr>
                         <a:t>Currency for private transactions and marketplace escrow</a:t>
                       </a:r>
@@ -5384,7 +4816,8 @@
                         </a:solidFill>
                         <a:effectLst/>
                         <a:uFillTx/>
-                        <a:latin typeface="Arial"/>
+                        <a:latin typeface="Times New Roman"/>
+                        <a:ea typeface="Times New Roman"/>
                       </a:endParaRPr>
                     </a:p>
                   </a:txBody>
@@ -5420,15 +4853,11 @@
               <a:tr h="543600">
                 <a:tc>
                   <a:txBody>
-                    <a:bodyPr lIns="36000" rIns="36000" anchor="t">
+                    <a:bodyPr lIns="36000" rIns="36000" tIns="36000" bIns="36000" anchor="t">
                       <a:noAutofit/>
                     </a:bodyPr>
                     <a:p>
-                      <a:pPr algn="r">
-                        <a:lnSpc>
-                          <a:spcPct val="100000"/>
-                        </a:lnSpc>
-                      </a:pPr>
+                      <a:pPr algn="r"/>
                       <a:r>
                         <a:rPr b="1" lang="en-US" sz="1000" strike="noStrike" u="none">
                           <a:solidFill>
@@ -5437,16 +4866,18 @@
                           <a:effectLst/>
                           <a:uFillTx/>
                           <a:latin typeface="Times New Roman"/>
+                          <a:ea typeface="Times New Roman"/>
                         </a:rPr>
                         <a:t>Supply Model</a:t>
                       </a:r>
-                      <a:endParaRPr b="0" lang="en-US" sz="1000" strike="noStrike" u="none">
+                      <a:endParaRPr b="1" lang="en-US" sz="1000" strike="noStrike" u="none">
                         <a:solidFill>
                           <a:srgbClr val="ffffff"/>
                         </a:solidFill>
                         <a:effectLst/>
                         <a:uFillTx/>
-                        <a:latin typeface="Arial"/>
+                        <a:latin typeface="Times New Roman"/>
+                        <a:ea typeface="Times New Roman"/>
                       </a:endParaRPr>
                     </a:p>
                   </a:txBody>
@@ -5480,15 +4911,11 @@
                 </a:tc>
                 <a:tc>
                   <a:txBody>
-                    <a:bodyPr lIns="36000" rIns="36000" anchor="t">
+                    <a:bodyPr lIns="36000" rIns="36000" tIns="36000" bIns="36000" anchor="t">
                       <a:noAutofit/>
                     </a:bodyPr>
                     <a:p>
-                      <a:pPr algn="ctr">
-                        <a:lnSpc>
-                          <a:spcPct val="100000"/>
-                        </a:lnSpc>
-                      </a:pPr>
+                      <a:pPr algn="ctr"/>
                       <a:r>
                         <a:rPr b="0" lang="en-US" sz="1000" strike="noStrike" u="none">
                           <a:solidFill>
@@ -5497,6 +4924,7 @@
                           <a:effectLst/>
                           <a:uFillTx/>
                           <a:latin typeface="Times New Roman"/>
+                          <a:ea typeface="Times New Roman"/>
                         </a:rPr>
                         <a:t>Max supply: 66 million AR</a:t>
                       </a:r>
@@ -5511,6 +4939,7 @@
                           <a:effectLst/>
                           <a:uFillTx/>
                           <a:latin typeface="Times New Roman"/>
+                          <a:ea typeface="Times New Roman"/>
                         </a:rPr>
                         <a:t>(initial mining + endowment financing model)</a:t>
                       </a:r>
@@ -5520,7 +4949,8 @@
                         </a:solidFill>
                         <a:effectLst/>
                         <a:uFillTx/>
-                        <a:latin typeface="Arial"/>
+                        <a:latin typeface="Times New Roman"/>
+                        <a:ea typeface="Times New Roman"/>
                       </a:endParaRPr>
                     </a:p>
                   </a:txBody>
@@ -5554,15 +4984,11 @@
                 </a:tc>
                 <a:tc>
                   <a:txBody>
-                    <a:bodyPr lIns="36000" rIns="36000" anchor="t">
+                    <a:bodyPr lIns="36000" rIns="36000" tIns="36000" bIns="36000" anchor="t">
                       <a:noAutofit/>
                     </a:bodyPr>
                     <a:p>
-                      <a:pPr algn="ctr">
-                        <a:lnSpc>
-                          <a:spcPct val="100000"/>
-                        </a:lnSpc>
-                      </a:pPr>
+                      <a:pPr algn="ctr"/>
                       <a:r>
                         <a:rPr b="0" lang="en-US" sz="1000" strike="noStrike" u="none">
                           <a:solidFill>
@@ -5571,6 +4997,7 @@
                           <a:effectLst/>
                           <a:uFillTx/>
                           <a:latin typeface="Times New Roman"/>
+                          <a:ea typeface="Times New Roman"/>
                         </a:rPr>
                         <a:t>Max supply: 16 million AAVE</a:t>
                       </a:r>
@@ -5585,6 +5012,7 @@
                           <a:effectLst/>
                           <a:uFillTx/>
                           <a:latin typeface="Times New Roman"/>
+                          <a:ea typeface="Times New Roman"/>
                         </a:rPr>
                         <a:t>(mostly distributed, minimal inflation)</a:t>
                       </a:r>
@@ -5594,7 +5022,8 @@
                         </a:solidFill>
                         <a:effectLst/>
                         <a:uFillTx/>
-                        <a:latin typeface="Arial"/>
+                        <a:latin typeface="Times New Roman"/>
+                        <a:ea typeface="Times New Roman"/>
                       </a:endParaRPr>
                     </a:p>
                   </a:txBody>
@@ -5628,15 +5057,11 @@
                 </a:tc>
                 <a:tc>
                   <a:txBody>
-                    <a:bodyPr lIns="36000" rIns="36000" anchor="t">
+                    <a:bodyPr lIns="36000" rIns="36000" tIns="36000" bIns="36000" anchor="t">
                       <a:noAutofit/>
                     </a:bodyPr>
                     <a:p>
-                      <a:pPr algn="ctr">
-                        <a:lnSpc>
-                          <a:spcPct val="100000"/>
-                        </a:lnSpc>
-                      </a:pPr>
+                      <a:pPr algn="ctr"/>
                       <a:r>
                         <a:rPr b="0" lang="en-US" sz="1000" strike="noStrike" u="none">
                           <a:solidFill>
@@ -5645,6 +5070,7 @@
                           <a:effectLst/>
                           <a:uFillTx/>
                           <a:latin typeface="Times New Roman"/>
+                          <a:ea typeface="Times New Roman"/>
                         </a:rPr>
                         <a:t>Inflationary (dynamic rate ~2% annually) to incentivize staking/masternodes</a:t>
                       </a:r>
@@ -5654,7 +5080,8 @@
                         </a:solidFill>
                         <a:effectLst/>
                         <a:uFillTx/>
-                        <a:latin typeface="Arial"/>
+                        <a:latin typeface="Times New Roman"/>
+                        <a:ea typeface="Times New Roman"/>
                       </a:endParaRPr>
                     </a:p>
                   </a:txBody>
@@ -5690,15 +5117,11 @@
               <a:tr h="543600">
                 <a:tc>
                   <a:txBody>
-                    <a:bodyPr lIns="36000" rIns="36000" anchor="t">
+                    <a:bodyPr lIns="36000" rIns="36000" tIns="36000" bIns="36000" anchor="t">
                       <a:noAutofit/>
                     </a:bodyPr>
                     <a:p>
-                      <a:pPr algn="r">
-                        <a:lnSpc>
-                          <a:spcPct val="100000"/>
-                        </a:lnSpc>
-                      </a:pPr>
+                      <a:pPr algn="r"/>
                       <a:r>
                         <a:rPr b="1" lang="en-US" sz="1000" strike="noStrike" u="none">
                           <a:solidFill>
@@ -5707,16 +5130,18 @@
                           <a:effectLst/>
                           <a:uFillTx/>
                           <a:latin typeface="Times New Roman"/>
+                          <a:ea typeface="Times New Roman"/>
                         </a:rPr>
                         <a:t>Distribution</a:t>
                       </a:r>
-                      <a:endParaRPr b="0" lang="en-US" sz="1000" strike="noStrike" u="none">
+                      <a:endParaRPr b="1" lang="en-US" sz="1000" strike="noStrike" u="none">
                         <a:solidFill>
                           <a:srgbClr val="ffffff"/>
                         </a:solidFill>
                         <a:effectLst/>
                         <a:uFillTx/>
-                        <a:latin typeface="Arial"/>
+                        <a:latin typeface="Times New Roman"/>
+                        <a:ea typeface="Times New Roman"/>
                       </a:endParaRPr>
                     </a:p>
                   </a:txBody>
@@ -5750,15 +5175,11 @@
                 </a:tc>
                 <a:tc>
                   <a:txBody>
-                    <a:bodyPr lIns="36000" rIns="36000" anchor="t">
+                    <a:bodyPr lIns="36000" rIns="36000" tIns="36000" bIns="36000" anchor="t">
                       <a:noAutofit/>
                     </a:bodyPr>
                     <a:p>
-                      <a:pPr algn="ctr">
-                        <a:lnSpc>
-                          <a:spcPct val="100000"/>
-                        </a:lnSpc>
-                      </a:pPr>
+                      <a:pPr algn="ctr"/>
                       <a:r>
                         <a:rPr b="0" lang="en-US" sz="1000" strike="noStrike" u="none">
                           <a:solidFill>
@@ -5767,6 +5188,7 @@
                           <a:effectLst/>
                           <a:uFillTx/>
                           <a:latin typeface="Times New Roman"/>
+                          <a:ea typeface="Times New Roman"/>
                         </a:rPr>
                         <a:t>Genesis mining event, mining rewards (decreasing over time)</a:t>
                       </a:r>
@@ -5776,7 +5198,8 @@
                         </a:solidFill>
                         <a:effectLst/>
                         <a:uFillTx/>
-                        <a:latin typeface="Arial"/>
+                        <a:latin typeface="Times New Roman"/>
+                        <a:ea typeface="Times New Roman"/>
                       </a:endParaRPr>
                     </a:p>
                   </a:txBody>
@@ -5810,15 +5233,11 @@
                 </a:tc>
                 <a:tc>
                   <a:txBody>
-                    <a:bodyPr lIns="36000" rIns="36000" anchor="t">
+                    <a:bodyPr lIns="36000" rIns="36000" tIns="36000" bIns="36000" anchor="t">
                       <a:noAutofit/>
                     </a:bodyPr>
                     <a:p>
-                      <a:pPr algn="ctr">
-                        <a:lnSpc>
-                          <a:spcPct val="100000"/>
-                        </a:lnSpc>
-                      </a:pPr>
+                      <a:pPr algn="ctr"/>
                       <a:r>
                         <a:rPr b="0" lang="en-US" sz="1000" strike="noStrike" u="none">
                           <a:solidFill>
@@ -5827,6 +5246,7 @@
                           <a:effectLst/>
                           <a:uFillTx/>
                           <a:latin typeface="Times New Roman"/>
+                          <a:ea typeface="Times New Roman"/>
                         </a:rPr>
                         <a:t>Token migration from LEND → AAVE, initial distribution to users</a:t>
                       </a:r>
@@ -5836,7 +5256,8 @@
                         </a:solidFill>
                         <a:effectLst/>
                         <a:uFillTx/>
-                        <a:latin typeface="Arial"/>
+                        <a:latin typeface="Times New Roman"/>
+                        <a:ea typeface="Times New Roman"/>
                       </a:endParaRPr>
                     </a:p>
                   </a:txBody>
@@ -5870,15 +5291,11 @@
                 </a:tc>
                 <a:tc>
                   <a:txBody>
-                    <a:bodyPr lIns="36000" rIns="36000" anchor="t">
+                    <a:bodyPr lIns="36000" rIns="36000" tIns="36000" bIns="36000" anchor="t">
                       <a:noAutofit/>
                     </a:bodyPr>
                     <a:p>
-                      <a:pPr algn="ctr">
-                        <a:lnSpc>
-                          <a:spcPct val="100000"/>
-                        </a:lnSpc>
-                      </a:pPr>
+                      <a:pPr algn="ctr"/>
                       <a:r>
                         <a:rPr b="0" lang="en-US" sz="1000" strike="noStrike" u="none">
                           <a:solidFill>
@@ -5887,6 +5304,7 @@
                           <a:effectLst/>
                           <a:uFillTx/>
                           <a:latin typeface="Times New Roman"/>
+                          <a:ea typeface="Times New Roman"/>
                         </a:rPr>
                         <a:t>PoS rewards, staking incentives, optional cold staking</a:t>
                       </a:r>
@@ -5896,7 +5314,8 @@
                         </a:solidFill>
                         <a:effectLst/>
                         <a:uFillTx/>
-                        <a:latin typeface="Arial"/>
+                        <a:latin typeface="Times New Roman"/>
+                        <a:ea typeface="Times New Roman"/>
                       </a:endParaRPr>
                     </a:p>
                   </a:txBody>
@@ -5932,15 +5351,11 @@
               <a:tr h="543600">
                 <a:tc>
                   <a:txBody>
-                    <a:bodyPr lIns="36000" rIns="36000" anchor="t">
+                    <a:bodyPr lIns="36000" rIns="36000" tIns="36000" bIns="36000" anchor="t">
                       <a:noAutofit/>
                     </a:bodyPr>
                     <a:p>
-                      <a:pPr algn="r">
-                        <a:lnSpc>
-                          <a:spcPct val="100000"/>
-                        </a:lnSpc>
-                      </a:pPr>
+                      <a:pPr algn="r"/>
                       <a:r>
                         <a:rPr b="1" lang="en-US" sz="1000" strike="noStrike" u="none">
                           <a:solidFill>
@@ -5949,16 +5364,18 @@
                           <a:effectLst/>
                           <a:uFillTx/>
                           <a:latin typeface="Times New Roman"/>
+                          <a:ea typeface="Times New Roman"/>
                         </a:rPr>
                         <a:t>Incentives</a:t>
                       </a:r>
-                      <a:endParaRPr b="0" lang="en-US" sz="1000" strike="noStrike" u="none">
+                      <a:endParaRPr b="1" lang="en-US" sz="1000" strike="noStrike" u="none">
                         <a:solidFill>
                           <a:srgbClr val="ffffff"/>
                         </a:solidFill>
                         <a:effectLst/>
                         <a:uFillTx/>
-                        <a:latin typeface="Arial"/>
+                        <a:latin typeface="Times New Roman"/>
+                        <a:ea typeface="Times New Roman"/>
                       </a:endParaRPr>
                     </a:p>
                   </a:txBody>
@@ -5992,15 +5409,11 @@
                 </a:tc>
                 <a:tc>
                   <a:txBody>
-                    <a:bodyPr lIns="36000" rIns="36000" anchor="t">
+                    <a:bodyPr lIns="36000" rIns="36000" tIns="36000" bIns="36000" anchor="t">
                       <a:noAutofit/>
                     </a:bodyPr>
                     <a:p>
-                      <a:pPr algn="ctr">
-                        <a:lnSpc>
-                          <a:spcPct val="100000"/>
-                        </a:lnSpc>
-                      </a:pPr>
+                      <a:pPr algn="ctr"/>
                       <a:r>
                         <a:rPr b="0" lang="en-US" sz="1000" strike="noStrike" u="none">
                           <a:solidFill>
@@ -6009,6 +5422,7 @@
                           <a:effectLst/>
                           <a:uFillTx/>
                           <a:latin typeface="Times New Roman"/>
+                          <a:ea typeface="Times New Roman"/>
                         </a:rPr>
                         <a:t>Hold AR to pay for storage; miners validate transactions for AR rewards</a:t>
                       </a:r>
@@ -6018,7 +5432,8 @@
                         </a:solidFill>
                         <a:effectLst/>
                         <a:uFillTx/>
-                        <a:latin typeface="Arial"/>
+                        <a:latin typeface="Times New Roman"/>
+                        <a:ea typeface="Times New Roman"/>
                       </a:endParaRPr>
                     </a:p>
                   </a:txBody>
@@ -6052,15 +5467,11 @@
                 </a:tc>
                 <a:tc>
                   <a:txBody>
-                    <a:bodyPr lIns="36000" rIns="36000" anchor="t">
+                    <a:bodyPr lIns="36000" rIns="36000" tIns="36000" bIns="36000" anchor="t">
                       <a:noAutofit/>
                     </a:bodyPr>
                     <a:p>
-                      <a:pPr algn="ctr">
-                        <a:lnSpc>
-                          <a:spcPct val="100000"/>
-                        </a:lnSpc>
-                      </a:pPr>
+                      <a:pPr algn="ctr"/>
                       <a:r>
                         <a:rPr b="0" lang="en-US" sz="1000" strike="noStrike" u="none">
                           <a:solidFill>
@@ -6069,6 +5480,7 @@
                           <a:effectLst/>
                           <a:uFillTx/>
                           <a:latin typeface="Times New Roman"/>
+                          <a:ea typeface="Times New Roman"/>
                         </a:rPr>
                         <a:t>Stakers secure protocol and earn a share of fees; governance voting</a:t>
                       </a:r>
@@ -6078,7 +5490,8 @@
                         </a:solidFill>
                         <a:effectLst/>
                         <a:uFillTx/>
-                        <a:latin typeface="Arial"/>
+                        <a:latin typeface="Times New Roman"/>
+                        <a:ea typeface="Times New Roman"/>
                       </a:endParaRPr>
                     </a:p>
                   </a:txBody>
@@ -6112,15 +5525,11 @@
                 </a:tc>
                 <a:tc>
                   <a:txBody>
-                    <a:bodyPr lIns="36000" rIns="36000" anchor="t">
+                    <a:bodyPr lIns="36000" rIns="36000" tIns="36000" bIns="36000" anchor="t">
                       <a:noAutofit/>
                     </a:bodyPr>
                     <a:p>
-                      <a:pPr algn="ctr">
-                        <a:lnSpc>
-                          <a:spcPct val="100000"/>
-                        </a:lnSpc>
-                      </a:pPr>
+                      <a:pPr algn="ctr"/>
                       <a:r>
                         <a:rPr b="0" lang="en-US" sz="1000" strike="noStrike" u="none">
                           <a:solidFill>
@@ -6129,6 +5538,7 @@
                           <a:effectLst/>
                           <a:uFillTx/>
                           <a:latin typeface="Times New Roman"/>
+                          <a:ea typeface="Times New Roman"/>
                         </a:rPr>
                         <a:t>Stakers/masternodes secure network and get staking rewards</a:t>
                       </a:r>
@@ -6138,7 +5548,8 @@
                         </a:solidFill>
                         <a:effectLst/>
                         <a:uFillTx/>
-                        <a:latin typeface="Arial"/>
+                        <a:latin typeface="Times New Roman"/>
+                        <a:ea typeface="Times New Roman"/>
                       </a:endParaRPr>
                     </a:p>
                   </a:txBody>
@@ -6174,15 +5585,11 @@
               <a:tr h="543600">
                 <a:tc>
                   <a:txBody>
-                    <a:bodyPr lIns="36000" rIns="36000" anchor="t">
+                    <a:bodyPr lIns="36000" rIns="36000" tIns="36000" bIns="36000" anchor="t">
                       <a:noAutofit/>
                     </a:bodyPr>
                     <a:p>
-                      <a:pPr algn="r">
-                        <a:lnSpc>
-                          <a:spcPct val="100000"/>
-                        </a:lnSpc>
-                      </a:pPr>
+                      <a:pPr algn="r"/>
                       <a:r>
                         <a:rPr b="1" lang="en-US" sz="1000" strike="noStrike" u="none">
                           <a:solidFill>
@@ -6191,16 +5598,18 @@
                           <a:effectLst/>
                           <a:uFillTx/>
                           <a:latin typeface="Times New Roman"/>
+                          <a:ea typeface="Times New Roman"/>
                         </a:rPr>
                         <a:t>Governance</a:t>
                       </a:r>
-                      <a:endParaRPr b="0" lang="en-US" sz="1000" strike="noStrike" u="none">
+                      <a:endParaRPr b="1" lang="en-US" sz="1000" strike="noStrike" u="none">
                         <a:solidFill>
                           <a:srgbClr val="ffffff"/>
                         </a:solidFill>
                         <a:effectLst/>
                         <a:uFillTx/>
-                        <a:latin typeface="Arial"/>
+                        <a:latin typeface="Times New Roman"/>
+                        <a:ea typeface="Times New Roman"/>
                       </a:endParaRPr>
                     </a:p>
                   </a:txBody>
@@ -6234,15 +5643,11 @@
                 </a:tc>
                 <a:tc>
                   <a:txBody>
-                    <a:bodyPr lIns="36000" rIns="36000" anchor="t">
+                    <a:bodyPr lIns="36000" rIns="36000" tIns="36000" bIns="36000" anchor="t">
                       <a:noAutofit/>
                     </a:bodyPr>
                     <a:p>
-                      <a:pPr algn="ctr">
-                        <a:lnSpc>
-                          <a:spcPct val="100000"/>
-                        </a:lnSpc>
-                      </a:pPr>
+                      <a:pPr algn="ctr"/>
                       <a:r>
                         <a:rPr b="0" lang="en-US" sz="1000" strike="noStrike" u="none">
                           <a:solidFill>
@@ -6251,6 +5656,7 @@
                           <a:effectLst/>
                           <a:uFillTx/>
                           <a:latin typeface="Times New Roman"/>
+                          <a:ea typeface="Times New Roman"/>
                         </a:rPr>
                         <a:t>Arweave team + community proposals (but more centralized)</a:t>
                       </a:r>
@@ -6260,7 +5666,8 @@
                         </a:solidFill>
                         <a:effectLst/>
                         <a:uFillTx/>
-                        <a:latin typeface="Arial"/>
+                        <a:latin typeface="Times New Roman"/>
+                        <a:ea typeface="Times New Roman"/>
                       </a:endParaRPr>
                     </a:p>
                   </a:txBody>
@@ -6294,15 +5701,11 @@
                 </a:tc>
                 <a:tc>
                   <a:txBody>
-                    <a:bodyPr lIns="36000" rIns="36000" anchor="t">
+                    <a:bodyPr lIns="36000" rIns="36000" tIns="36000" bIns="36000" anchor="t">
                       <a:noAutofit/>
                     </a:bodyPr>
                     <a:p>
-                      <a:pPr algn="ctr">
-                        <a:lnSpc>
-                          <a:spcPct val="100000"/>
-                        </a:lnSpc>
-                      </a:pPr>
+                      <a:pPr algn="ctr"/>
                       <a:r>
                         <a:rPr b="0" lang="en-US" sz="1000" strike="noStrike" u="none">
                           <a:solidFill>
@@ -6311,6 +5714,7 @@
                           <a:effectLst/>
                           <a:uFillTx/>
                           <a:latin typeface="Times New Roman"/>
+                          <a:ea typeface="Times New Roman"/>
                         </a:rPr>
                         <a:t>Fully decentralized DAO voting (AAVE token holders)</a:t>
                       </a:r>
@@ -6320,7 +5724,8 @@
                         </a:solidFill>
                         <a:effectLst/>
                         <a:uFillTx/>
-                        <a:latin typeface="Arial"/>
+                        <a:latin typeface="Times New Roman"/>
+                        <a:ea typeface="Times New Roman"/>
                       </a:endParaRPr>
                     </a:p>
                   </a:txBody>
@@ -6354,15 +5759,11 @@
                 </a:tc>
                 <a:tc>
                   <a:txBody>
-                    <a:bodyPr lIns="36000" rIns="36000" anchor="t">
+                    <a:bodyPr lIns="36000" rIns="36000" tIns="36000" bIns="36000" anchor="t">
                       <a:noAutofit/>
                     </a:bodyPr>
                     <a:p>
-                      <a:pPr algn="ctr">
-                        <a:lnSpc>
-                          <a:spcPct val="100000"/>
-                        </a:lnSpc>
-                      </a:pPr>
+                      <a:pPr algn="ctr"/>
                       <a:r>
                         <a:rPr b="0" lang="en-US" sz="1000" strike="noStrike" u="none">
                           <a:solidFill>
@@ -6371,6 +5772,7 @@
                           <a:effectLst/>
                           <a:uFillTx/>
                           <a:latin typeface="Times New Roman"/>
+                          <a:ea typeface="Times New Roman"/>
                         </a:rPr>
                         <a:t>Particl community proposals (currently informal governance)</a:t>
                       </a:r>
@@ -6380,7 +5782,8 @@
                         </a:solidFill>
                         <a:effectLst/>
                         <a:uFillTx/>
-                        <a:latin typeface="Arial"/>
+                        <a:latin typeface="Times New Roman"/>
+                        <a:ea typeface="Times New Roman"/>
                       </a:endParaRPr>
                     </a:p>
                   </a:txBody>
@@ -6416,15 +5819,11 @@
               <a:tr h="543600">
                 <a:tc>
                   <a:txBody>
-                    <a:bodyPr lIns="36000" rIns="36000" anchor="t">
+                    <a:bodyPr lIns="36000" rIns="36000" tIns="36000" bIns="36000" anchor="t">
                       <a:noAutofit/>
                     </a:bodyPr>
                     <a:p>
-                      <a:pPr algn="r">
-                        <a:lnSpc>
-                          <a:spcPct val="100000"/>
-                        </a:lnSpc>
-                      </a:pPr>
+                      <a:pPr algn="r"/>
                       <a:r>
                         <a:rPr b="1" lang="en-US" sz="1000" strike="noStrike" u="none">
                           <a:solidFill>
@@ -6433,16 +5832,18 @@
                           <a:effectLst/>
                           <a:uFillTx/>
                           <a:latin typeface="Times New Roman"/>
+                          <a:ea typeface="Times New Roman"/>
                         </a:rPr>
                         <a:t>Burn Mechanisms</a:t>
                       </a:r>
-                      <a:endParaRPr b="0" lang="en-US" sz="1000" strike="noStrike" u="none">
+                      <a:endParaRPr b="1" lang="en-US" sz="1000" strike="noStrike" u="none">
                         <a:solidFill>
                           <a:srgbClr val="ffffff"/>
                         </a:solidFill>
                         <a:effectLst/>
                         <a:uFillTx/>
-                        <a:latin typeface="Arial"/>
+                        <a:latin typeface="Times New Roman"/>
+                        <a:ea typeface="Times New Roman"/>
                       </a:endParaRPr>
                     </a:p>
                   </a:txBody>
@@ -6476,15 +5877,11 @@
                 </a:tc>
                 <a:tc>
                   <a:txBody>
-                    <a:bodyPr lIns="36000" rIns="36000" anchor="t">
+                    <a:bodyPr lIns="36000" rIns="36000" tIns="36000" bIns="36000" anchor="t">
                       <a:noAutofit/>
                     </a:bodyPr>
                     <a:p>
-                      <a:pPr algn="ctr">
-                        <a:lnSpc>
-                          <a:spcPct val="100000"/>
-                        </a:lnSpc>
-                      </a:pPr>
+                      <a:pPr algn="ctr"/>
                       <a:r>
                         <a:rPr b="0" lang="en-US" sz="1000" strike="noStrike" u="none">
                           <a:solidFill>
@@ -6493,6 +5890,7 @@
                           <a:effectLst/>
                           <a:uFillTx/>
                           <a:latin typeface="Times New Roman"/>
+                          <a:ea typeface="Times New Roman"/>
                         </a:rPr>
                         <a:t>No active burns; but fewer AR needed over time due to storage pricing model</a:t>
                       </a:r>
@@ -6502,7 +5900,8 @@
                         </a:solidFill>
                         <a:effectLst/>
                         <a:uFillTx/>
-                        <a:latin typeface="Arial"/>
+                        <a:latin typeface="Times New Roman"/>
+                        <a:ea typeface="Times New Roman"/>
                       </a:endParaRPr>
                     </a:p>
                   </a:txBody>
@@ -6536,15 +5935,11 @@
                 </a:tc>
                 <a:tc>
                   <a:txBody>
-                    <a:bodyPr lIns="36000" rIns="36000" anchor="t">
+                    <a:bodyPr lIns="36000" rIns="36000" tIns="36000" bIns="36000" anchor="t">
                       <a:noAutofit/>
                     </a:bodyPr>
                     <a:p>
-                      <a:pPr algn="ctr">
-                        <a:lnSpc>
-                          <a:spcPct val="100000"/>
-                        </a:lnSpc>
-                      </a:pPr>
+                      <a:pPr algn="ctr"/>
                       <a:r>
                         <a:rPr b="0" lang="en-US" sz="1000" strike="noStrike" u="none">
                           <a:solidFill>
@@ -6553,6 +5948,7 @@
                           <a:effectLst/>
                           <a:uFillTx/>
                           <a:latin typeface="Times New Roman"/>
+                          <a:ea typeface="Times New Roman"/>
                         </a:rPr>
                         <a:t>Fee revenue can be used for token buybacks and burns (depending on governance votes)</a:t>
                       </a:r>
@@ -6562,7 +5958,8 @@
                         </a:solidFill>
                         <a:effectLst/>
                         <a:uFillTx/>
-                        <a:latin typeface="Arial"/>
+                        <a:latin typeface="Times New Roman"/>
+                        <a:ea typeface="Times New Roman"/>
                       </a:endParaRPr>
                     </a:p>
                   </a:txBody>
@@ -6596,15 +5993,11 @@
                 </a:tc>
                 <a:tc>
                   <a:txBody>
-                    <a:bodyPr lIns="36000" rIns="36000" anchor="t">
+                    <a:bodyPr lIns="36000" rIns="36000" tIns="36000" bIns="36000" anchor="t">
                       <a:noAutofit/>
                     </a:bodyPr>
                     <a:p>
-                      <a:pPr algn="ctr">
-                        <a:lnSpc>
-                          <a:spcPct val="100000"/>
-                        </a:lnSpc>
-                      </a:pPr>
+                      <a:pPr algn="ctr"/>
                       <a:r>
                         <a:rPr b="0" lang="en-US" sz="1000" strike="noStrike" u="none">
                           <a:solidFill>
@@ -6613,6 +6006,7 @@
                           <a:effectLst/>
                           <a:uFillTx/>
                           <a:latin typeface="Times New Roman"/>
+                          <a:ea typeface="Times New Roman"/>
                         </a:rPr>
                         <a:t>Small burn fees on transactions and marketplace sales (deflationary pressure)</a:t>
                       </a:r>
@@ -6622,7 +6016,8 @@
                         </a:solidFill>
                         <a:effectLst/>
                         <a:uFillTx/>
-                        <a:latin typeface="Arial"/>
+                        <a:latin typeface="Times New Roman"/>
+                        <a:ea typeface="Times New Roman"/>
                       </a:endParaRPr>
                     </a:p>
                   </a:txBody>
@@ -6658,15 +6053,11 @@
               <a:tr h="543600">
                 <a:tc>
                   <a:txBody>
-                    <a:bodyPr lIns="36000" rIns="36000" anchor="t">
+                    <a:bodyPr lIns="36000" rIns="36000" tIns="36000" bIns="36000" anchor="t">
                       <a:noAutofit/>
                     </a:bodyPr>
                     <a:p>
-                      <a:pPr algn="r">
-                        <a:lnSpc>
-                          <a:spcPct val="100000"/>
-                        </a:lnSpc>
-                      </a:pPr>
+                      <a:pPr algn="r"/>
                       <a:r>
                         <a:rPr b="1" lang="en-US" sz="1000" strike="noStrike" u="none">
                           <a:solidFill>
@@ -6675,16 +6066,18 @@
                           <a:effectLst/>
                           <a:uFillTx/>
                           <a:latin typeface="Times New Roman"/>
+                          <a:ea typeface="Times New Roman"/>
                         </a:rPr>
                         <a:t>Economic Risks</a:t>
                       </a:r>
-                      <a:endParaRPr b="0" lang="en-US" sz="1000" strike="noStrike" u="none">
+                      <a:endParaRPr b="1" lang="en-US" sz="1000" strike="noStrike" u="none">
                         <a:solidFill>
                           <a:srgbClr val="ffffff"/>
                         </a:solidFill>
                         <a:effectLst/>
                         <a:uFillTx/>
-                        <a:latin typeface="Arial"/>
+                        <a:latin typeface="Times New Roman"/>
+                        <a:ea typeface="Times New Roman"/>
                       </a:endParaRPr>
                     </a:p>
                   </a:txBody>
@@ -6718,15 +6111,11 @@
                 </a:tc>
                 <a:tc>
                   <a:txBody>
-                    <a:bodyPr lIns="36000" rIns="36000" anchor="t">
+                    <a:bodyPr lIns="36000" rIns="36000" tIns="36000" bIns="36000" anchor="t">
                       <a:noAutofit/>
                     </a:bodyPr>
                     <a:p>
-                      <a:pPr algn="ctr">
-                        <a:lnSpc>
-                          <a:spcPct val="100000"/>
-                        </a:lnSpc>
-                      </a:pPr>
+                      <a:pPr algn="ctr"/>
                       <a:r>
                         <a:rPr b="0" lang="en-US" sz="1000" strike="noStrike" u="none">
                           <a:solidFill>
@@ -6735,6 +6124,7 @@
                           <a:effectLst/>
                           <a:uFillTx/>
                           <a:latin typeface="Times New Roman"/>
+                          <a:ea typeface="Times New Roman"/>
                         </a:rPr>
                         <a:t>Storage price miscalculation, miner incentives dropping</a:t>
                       </a:r>
@@ -6744,7 +6134,8 @@
                         </a:solidFill>
                         <a:effectLst/>
                         <a:uFillTx/>
-                        <a:latin typeface="Arial"/>
+                        <a:latin typeface="Times New Roman"/>
+                        <a:ea typeface="Times New Roman"/>
                       </a:endParaRPr>
                     </a:p>
                   </a:txBody>
@@ -6778,15 +6169,11 @@
                 </a:tc>
                 <a:tc>
                   <a:txBody>
-                    <a:bodyPr lIns="36000" rIns="36000" anchor="t">
+                    <a:bodyPr lIns="36000" rIns="36000" tIns="36000" bIns="36000" anchor="t">
                       <a:noAutofit/>
                     </a:bodyPr>
                     <a:p>
-                      <a:pPr algn="ctr">
-                        <a:lnSpc>
-                          <a:spcPct val="100000"/>
-                        </a:lnSpc>
-                      </a:pPr>
+                      <a:pPr algn="ctr"/>
                       <a:r>
                         <a:rPr b="0" lang="en-US" sz="1000" strike="noStrike" u="none">
                           <a:solidFill>
@@ -6795,6 +6182,7 @@
                           <a:effectLst/>
                           <a:uFillTx/>
                           <a:latin typeface="Times New Roman"/>
+                          <a:ea typeface="Times New Roman"/>
                         </a:rPr>
                         <a:t>Protocol risk (smart contract exploits), slashing risk for stakers</a:t>
                       </a:r>
@@ -6804,7 +6192,8 @@
                         </a:solidFill>
                         <a:effectLst/>
                         <a:uFillTx/>
-                        <a:latin typeface="Arial"/>
+                        <a:latin typeface="Times New Roman"/>
+                        <a:ea typeface="Times New Roman"/>
                       </a:endParaRPr>
                     </a:p>
                   </a:txBody>
@@ -6838,15 +6227,11 @@
                 </a:tc>
                 <a:tc>
                   <a:txBody>
-                    <a:bodyPr lIns="36000" rIns="36000" anchor="t">
+                    <a:bodyPr lIns="36000" rIns="36000" tIns="36000" bIns="36000" anchor="t">
                       <a:noAutofit/>
                     </a:bodyPr>
                     <a:p>
-                      <a:pPr algn="ctr">
-                        <a:lnSpc>
-                          <a:spcPct val="100000"/>
-                        </a:lnSpc>
-                      </a:pPr>
+                      <a:pPr algn="ctr"/>
                       <a:r>
                         <a:rPr b="0" lang="en-US" sz="1000" strike="noStrike" u="none">
                           <a:solidFill>
@@ -6855,6 +6240,7 @@
                           <a:effectLst/>
                           <a:uFillTx/>
                           <a:latin typeface="Times New Roman"/>
+                          <a:ea typeface="Times New Roman"/>
                         </a:rPr>
                         <a:t>Low liquidity, adoption risk, privacy-targeted regulation</a:t>
                       </a:r>
@@ -6864,7 +6250,8 @@
                         </a:solidFill>
                         <a:effectLst/>
                         <a:uFillTx/>
-                        <a:latin typeface="Arial"/>
+                        <a:latin typeface="Times New Roman"/>
+                        <a:ea typeface="Times New Roman"/>
                       </a:endParaRPr>
                     </a:p>
                   </a:txBody>
@@ -6900,15 +6287,11 @@
               <a:tr h="545400">
                 <a:tc>
                   <a:txBody>
-                    <a:bodyPr lIns="36000" rIns="36000" anchor="t">
+                    <a:bodyPr lIns="36000" rIns="36000" tIns="36000" bIns="36000" anchor="t">
                       <a:noAutofit/>
                     </a:bodyPr>
                     <a:p>
-                      <a:pPr algn="r">
-                        <a:lnSpc>
-                          <a:spcPct val="100000"/>
-                        </a:lnSpc>
-                      </a:pPr>
+                      <a:pPr algn="r"/>
                       <a:r>
                         <a:rPr b="1" lang="en-US" sz="1000" strike="noStrike" u="none">
                           <a:solidFill>
@@ -6917,16 +6300,18 @@
                           <a:effectLst/>
                           <a:uFillTx/>
                           <a:latin typeface="Times New Roman"/>
+                          <a:ea typeface="Times New Roman"/>
                         </a:rPr>
                         <a:t>Special Features</a:t>
                       </a:r>
-                      <a:endParaRPr b="0" lang="en-US" sz="1000" strike="noStrike" u="none">
+                      <a:endParaRPr b="1" lang="en-US" sz="1000" strike="noStrike" u="none">
                         <a:solidFill>
                           <a:srgbClr val="ffffff"/>
                         </a:solidFill>
                         <a:effectLst/>
                         <a:uFillTx/>
-                        <a:latin typeface="Arial"/>
+                        <a:latin typeface="Times New Roman"/>
+                        <a:ea typeface="Times New Roman"/>
                       </a:endParaRPr>
                     </a:p>
                   </a:txBody>
@@ -6960,15 +6345,11 @@
                 </a:tc>
                 <a:tc>
                   <a:txBody>
-                    <a:bodyPr lIns="36000" rIns="36000" anchor="t">
+                    <a:bodyPr lIns="36000" rIns="36000" tIns="36000" bIns="36000" anchor="t">
                       <a:noAutofit/>
                     </a:bodyPr>
                     <a:p>
-                      <a:pPr algn="ctr">
-                        <a:lnSpc>
-                          <a:spcPct val="100000"/>
-                        </a:lnSpc>
-                      </a:pPr>
+                      <a:pPr algn="ctr"/>
                       <a:r>
                         <a:rPr b="0" lang="en-US" sz="1000" strike="noStrike" u="none">
                           <a:solidFill>
@@ -6977,6 +6358,7 @@
                           <a:effectLst/>
                           <a:uFillTx/>
                           <a:latin typeface="Times New Roman"/>
+                          <a:ea typeface="Times New Roman"/>
                         </a:rPr>
                         <a:t>"Permaweb" concept: pay once, store forever</a:t>
                       </a:r>
@@ -6986,7 +6368,8 @@
                         </a:solidFill>
                         <a:effectLst/>
                         <a:uFillTx/>
-                        <a:latin typeface="Arial"/>
+                        <a:latin typeface="Times New Roman"/>
+                        <a:ea typeface="Times New Roman"/>
                       </a:endParaRPr>
                     </a:p>
                   </a:txBody>
@@ -7020,15 +6403,11 @@
                 </a:tc>
                 <a:tc>
                   <a:txBody>
-                    <a:bodyPr lIns="36000" rIns="36000" anchor="t">
+                    <a:bodyPr lIns="36000" rIns="36000" tIns="36000" bIns="36000" anchor="t">
                       <a:noAutofit/>
                     </a:bodyPr>
                     <a:p>
-                      <a:pPr algn="ctr">
-                        <a:lnSpc>
-                          <a:spcPct val="100000"/>
-                        </a:lnSpc>
-                      </a:pPr>
+                      <a:pPr algn="ctr"/>
                       <a:r>
                         <a:rPr b="0" lang="en-US" sz="1000" strike="noStrike" u="none">
                           <a:solidFill>
@@ -7037,6 +6416,7 @@
                           <a:effectLst/>
                           <a:uFillTx/>
                           <a:latin typeface="Times New Roman"/>
+                          <a:ea typeface="Times New Roman"/>
                         </a:rPr>
                         <a:t>Flash Loans, innovative DeFi products (credit delegation)</a:t>
                       </a:r>
@@ -7046,7 +6426,8 @@
                         </a:solidFill>
                         <a:effectLst/>
                         <a:uFillTx/>
-                        <a:latin typeface="Arial"/>
+                        <a:latin typeface="Times New Roman"/>
+                        <a:ea typeface="Times New Roman"/>
                       </a:endParaRPr>
                     </a:p>
                   </a:txBody>
@@ -7080,15 +6461,11 @@
                 </a:tc>
                 <a:tc>
                   <a:txBody>
-                    <a:bodyPr lIns="36000" rIns="36000" anchor="t">
+                    <a:bodyPr lIns="36000" rIns="36000" tIns="36000" bIns="36000" anchor="t">
                       <a:noAutofit/>
                     </a:bodyPr>
                     <a:p>
-                      <a:pPr algn="ctr">
-                        <a:lnSpc>
-                          <a:spcPct val="100000"/>
-                        </a:lnSpc>
-                      </a:pPr>
+                      <a:pPr algn="ctr"/>
                       <a:r>
                         <a:rPr b="0" lang="en-US" sz="1000" strike="noStrike" u="none">
                           <a:solidFill>
@@ -7097,6 +6474,7 @@
                           <a:effectLst/>
                           <a:uFillTx/>
                           <a:latin typeface="Times New Roman"/>
+                          <a:ea typeface="Times New Roman"/>
                         </a:rPr>
                         <a:t>Confidential transactions (RingCT, CT), private marketplaces</a:t>
                       </a:r>
@@ -7106,7 +6484,8 @@
                         </a:solidFill>
                         <a:effectLst/>
                         <a:uFillTx/>
-                        <a:latin typeface="Arial"/>
+                        <a:latin typeface="Times New Roman"/>
+                        <a:ea typeface="Times New Roman"/>
                       </a:endParaRPr>
                     </a:p>
                   </a:txBody>
@@ -7145,7 +6524,7 @@
       </p:graphicFrame>
       <p:sp>
         <p:nvSpPr>
-          <p:cNvPr id="36" name="PlaceHolder 1"/>
+          <p:cNvPr id="29" name="PlaceHolder 1"/>
           <p:cNvSpPr>
             <a:spLocks noGrp="1"/>
           </p:cNvSpPr>
@@ -7156,7 +6535,7 @@
         <p:spPr>
           <a:xfrm>
             <a:off x="457200" y="0"/>
-            <a:ext cx="2238840" cy="210240"/>
+            <a:ext cx="2239200" cy="210600"/>
           </a:xfrm>
           <a:prstGeom prst="rect">
             <a:avLst/>
@@ -7172,13 +6551,7 @@
           </a:bodyPr>
           <a:p>
             <a:pPr indent="0">
-              <a:lnSpc>
-                <a:spcPct val="100000"/>
-              </a:lnSpc>
               <a:buNone/>
-              <a:tabLst>
-                <a:tab algn="l" pos="0"/>
-              </a:tabLst>
             </a:pPr>
             <a:r>
               <a:rPr b="0" lang="en-US" sz="4500" strike="noStrike" u="none">
@@ -7193,25 +6566,17 @@
             </a:r>
             <a:endParaRPr b="0" lang="en-US" sz="4500" strike="noStrike" u="none">
               <a:solidFill>
-                <a:srgbClr val="ffffff"/>
-              </a:solidFill>
-              <a:effectLst/>
-              <a:uFillTx/>
-              <a:latin typeface="Arial"/>
+                <a:srgbClr val="04617b"/>
+              </a:solidFill>
+              <a:effectLst/>
+              <a:uFillTx/>
+              <a:latin typeface="Noto Sans"/>
             </a:endParaRPr>
           </a:p>
         </p:txBody>
       </p:sp>
     </p:spTree>
   </p:cSld>
-  <mc:AlternateContent>
-    <mc:Choice Requires="p14">
-      <p:transition spd="slow" p14:dur="2000"/>
-    </mc:Choice>
-    <mc:Fallback>
-      <p:transition spd="slow"/>
-    </mc:Fallback>
-  </mc:AlternateContent>
 </p:sld>
 </file>
 
@@ -7234,7 +6599,7 @@
       </p:grpSpPr>
       <p:sp>
         <p:nvSpPr>
-          <p:cNvPr id="37" name="PlaceHolder 1"/>
+          <p:cNvPr id="30" name="PlaceHolder 1"/>
           <p:cNvSpPr>
             <a:spLocks noGrp="1"/>
           </p:cNvSpPr>
@@ -7245,7 +6610,7 @@
         <p:spPr>
           <a:xfrm>
             <a:off x="504000" y="90000"/>
-            <a:ext cx="9071640" cy="989640"/>
+            <a:ext cx="9072000" cy="990000"/>
           </a:xfrm>
           <a:prstGeom prst="rect">
             <a:avLst/>
@@ -7261,13 +6626,7 @@
           </a:bodyPr>
           <a:p>
             <a:pPr indent="0">
-              <a:lnSpc>
-                <a:spcPct val="100000"/>
-              </a:lnSpc>
               <a:buNone/>
-              <a:tabLst>
-                <a:tab algn="l" pos="0"/>
-              </a:tabLst>
             </a:pPr>
             <a:r>
               <a:rPr b="0" lang="en-US" sz="4500" strike="noStrike" u="none">
@@ -7293,18 +6652,18 @@
             </a:r>
             <a:endParaRPr b="0" lang="en-US" sz="4500" strike="noStrike" u="none">
               <a:solidFill>
-                <a:srgbClr val="ffffff"/>
-              </a:solidFill>
-              <a:effectLst/>
-              <a:uFillTx/>
-              <a:latin typeface="Arial"/>
+                <a:srgbClr val="dbf5f9"/>
+              </a:solidFill>
+              <a:effectLst/>
+              <a:uFillTx/>
+              <a:latin typeface="Noto Sans"/>
             </a:endParaRPr>
           </a:p>
         </p:txBody>
       </p:sp>
       <p:sp>
         <p:nvSpPr>
-          <p:cNvPr id="38" name="PlaceHolder 2"/>
+          <p:cNvPr id="31" name="PlaceHolder 2"/>
           <p:cNvSpPr>
             <a:spLocks noGrp="1"/>
           </p:cNvSpPr>
@@ -7315,7 +6674,7 @@
         <p:spPr>
           <a:xfrm>
             <a:off x="504000" y="1440000"/>
-            <a:ext cx="9071640" cy="4046040"/>
+            <a:ext cx="9072000" cy="4046400"/>
           </a:xfrm>
           <a:prstGeom prst="rect">
             <a:avLst/>
@@ -7331,9 +6690,6 @@
           </a:bodyPr>
           <a:p>
             <a:pPr marL="432000" indent="-324000">
-              <a:lnSpc>
-                <a:spcPct val="100000"/>
-              </a:lnSpc>
               <a:spcAft>
                 <a:spcPts val="1054"/>
               </a:spcAft>
@@ -7357,18 +6713,15 @@
             </a:r>
             <a:endParaRPr b="0" lang="en-US" sz="1400" strike="noStrike" u="none">
               <a:solidFill>
-                <a:srgbClr val="ffffff"/>
-              </a:solidFill>
-              <a:effectLst/>
-              <a:uFillTx/>
-              <a:latin typeface="Arial"/>
+                <a:srgbClr val="04617b"/>
+              </a:solidFill>
+              <a:effectLst/>
+              <a:uFillTx/>
+              <a:latin typeface="Noto Sans"/>
             </a:endParaRPr>
           </a:p>
           <a:p>
             <a:pPr marL="432000" indent="-324000">
-              <a:lnSpc>
-                <a:spcPct val="100000"/>
-              </a:lnSpc>
               <a:spcAft>
                 <a:spcPts val="1054"/>
               </a:spcAft>
@@ -7388,22 +6741,19 @@
                 <a:uFillTx/>
                 <a:latin typeface="Noto Sans"/>
               </a:rPr>
-              <a:t>Decentralized Bidding System where Service Prodviders can bid on service requests.</a:t>
+              <a:t>Decentralized Bidding System where Service Providers can bid on service requests.</a:t>
             </a:r>
             <a:endParaRPr b="0" lang="en-US" sz="1400" strike="noStrike" u="none">
               <a:solidFill>
-                <a:srgbClr val="ffffff"/>
-              </a:solidFill>
-              <a:effectLst/>
-              <a:uFillTx/>
-              <a:latin typeface="Arial"/>
+                <a:srgbClr val="04617b"/>
+              </a:solidFill>
+              <a:effectLst/>
+              <a:uFillTx/>
+              <a:latin typeface="Noto Sans"/>
             </a:endParaRPr>
           </a:p>
           <a:p>
             <a:pPr lvl="1" marL="864000" indent="-324000">
-              <a:lnSpc>
-                <a:spcPct val="100000"/>
-              </a:lnSpc>
               <a:spcAft>
                 <a:spcPts val="842"/>
               </a:spcAft>
@@ -7427,18 +6777,15 @@
             </a:r>
             <a:endParaRPr b="0" lang="en-US" sz="1400" strike="noStrike" u="none">
               <a:solidFill>
-                <a:srgbClr val="ffffff"/>
-              </a:solidFill>
-              <a:effectLst/>
-              <a:uFillTx/>
-              <a:latin typeface="Arial"/>
+                <a:srgbClr val="04617b"/>
+              </a:solidFill>
+              <a:effectLst/>
+              <a:uFillTx/>
+              <a:latin typeface="Noto Sans"/>
             </a:endParaRPr>
           </a:p>
           <a:p>
             <a:pPr marL="432000" indent="-324000">
-              <a:lnSpc>
-                <a:spcPct val="100000"/>
-              </a:lnSpc>
               <a:spcAft>
                 <a:spcPts val="1054"/>
               </a:spcAft>
@@ -7462,18 +6809,15 @@
             </a:r>
             <a:endParaRPr b="0" lang="en-US" sz="1400" strike="noStrike" u="none">
               <a:solidFill>
-                <a:srgbClr val="ffffff"/>
-              </a:solidFill>
-              <a:effectLst/>
-              <a:uFillTx/>
-              <a:latin typeface="Arial"/>
+                <a:srgbClr val="04617b"/>
+              </a:solidFill>
+              <a:effectLst/>
+              <a:uFillTx/>
+              <a:latin typeface="Noto Sans"/>
             </a:endParaRPr>
           </a:p>
           <a:p>
             <a:pPr marL="432000" indent="-324000">
-              <a:lnSpc>
-                <a:spcPct val="100000"/>
-              </a:lnSpc>
               <a:spcAft>
                 <a:spcPts val="1054"/>
               </a:spcAft>
@@ -7497,18 +6841,15 @@
             </a:r>
             <a:endParaRPr b="0" lang="en-US" sz="1400" strike="noStrike" u="none">
               <a:solidFill>
-                <a:srgbClr val="ffffff"/>
-              </a:solidFill>
-              <a:effectLst/>
-              <a:uFillTx/>
-              <a:latin typeface="Arial"/>
+                <a:srgbClr val="04617b"/>
+              </a:solidFill>
+              <a:effectLst/>
+              <a:uFillTx/>
+              <a:latin typeface="Noto Sans"/>
             </a:endParaRPr>
           </a:p>
           <a:p>
             <a:pPr lvl="1" marL="864000" indent="-324000">
-              <a:lnSpc>
-                <a:spcPct val="100000"/>
-              </a:lnSpc>
               <a:spcAft>
                 <a:spcPts val="842"/>
               </a:spcAft>
@@ -7528,22 +6869,19 @@
                 <a:uFillTx/>
                 <a:latin typeface="Noto Sans"/>
               </a:rPr>
-              <a:t>Liquidty Providers (LPs): Yield from escrow usage, late fees, platform growth, goverance voting rights</a:t>
+              <a:t>Liquidity Providers (LPs): Yield from escrow usage, late fees, platform growth, governance voting rights</a:t>
             </a:r>
             <a:endParaRPr b="0" lang="en-US" sz="1400" strike="noStrike" u="none">
               <a:solidFill>
-                <a:srgbClr val="ffffff"/>
-              </a:solidFill>
-              <a:effectLst/>
-              <a:uFillTx/>
-              <a:latin typeface="Arial"/>
+                <a:srgbClr val="04617b"/>
+              </a:solidFill>
+              <a:effectLst/>
+              <a:uFillTx/>
+              <a:latin typeface="Noto Sans"/>
             </a:endParaRPr>
           </a:p>
           <a:p>
             <a:pPr lvl="1" marL="864000" indent="-324000">
-              <a:lnSpc>
-                <a:spcPct val="100000"/>
-              </a:lnSpc>
               <a:spcAft>
                 <a:spcPts val="842"/>
               </a:spcAft>
@@ -7567,18 +6905,15 @@
             </a:r>
             <a:endParaRPr b="0" lang="en-US" sz="1400" strike="noStrike" u="none">
               <a:solidFill>
-                <a:srgbClr val="ffffff"/>
-              </a:solidFill>
-              <a:effectLst/>
-              <a:uFillTx/>
-              <a:latin typeface="Arial"/>
+                <a:srgbClr val="04617b"/>
+              </a:solidFill>
+              <a:effectLst/>
+              <a:uFillTx/>
+              <a:latin typeface="Noto Sans"/>
             </a:endParaRPr>
           </a:p>
           <a:p>
             <a:pPr lvl="1" marL="864000" indent="-324000">
-              <a:lnSpc>
-                <a:spcPct val="100000"/>
-              </a:lnSpc>
               <a:spcAft>
                 <a:spcPts val="842"/>
               </a:spcAft>
@@ -7602,25 +6937,17 @@
             </a:r>
             <a:endParaRPr b="0" lang="en-US" sz="1400" strike="noStrike" u="none">
               <a:solidFill>
-                <a:srgbClr val="ffffff"/>
-              </a:solidFill>
-              <a:effectLst/>
-              <a:uFillTx/>
-              <a:latin typeface="Arial"/>
+                <a:srgbClr val="04617b"/>
+              </a:solidFill>
+              <a:effectLst/>
+              <a:uFillTx/>
+              <a:latin typeface="Noto Sans"/>
             </a:endParaRPr>
           </a:p>
         </p:txBody>
       </p:sp>
     </p:spTree>
   </p:cSld>
-  <mc:AlternateContent>
-    <mc:Choice Requires="p14">
-      <p:transition spd="slow" p14:dur="2000"/>
-    </mc:Choice>
-    <mc:Fallback>
-      <p:transition spd="slow"/>
-    </mc:Fallback>
-  </mc:AlternateContent>
 </p:sld>
 </file>
 
@@ -7643,7 +6970,7 @@
       </p:grpSpPr>
       <p:sp>
         <p:nvSpPr>
-          <p:cNvPr id="39" name="PlaceHolder 1"/>
+          <p:cNvPr id="32" name="PlaceHolder 1"/>
           <p:cNvSpPr>
             <a:spLocks noGrp="1"/>
           </p:cNvSpPr>
@@ -7654,7 +6981,7 @@
         <p:spPr>
           <a:xfrm>
             <a:off x="504000" y="90000"/>
-            <a:ext cx="9071640" cy="989640"/>
+            <a:ext cx="9072000" cy="990000"/>
           </a:xfrm>
           <a:prstGeom prst="rect">
             <a:avLst/>
@@ -7670,13 +6997,7 @@
           </a:bodyPr>
           <a:p>
             <a:pPr indent="0">
-              <a:lnSpc>
-                <a:spcPct val="100000"/>
-              </a:lnSpc>
               <a:buNone/>
-              <a:tabLst>
-                <a:tab algn="l" pos="0"/>
-              </a:tabLst>
             </a:pPr>
             <a:r>
               <a:rPr b="0" lang="en-US" sz="4500" strike="noStrike" u="none">
@@ -7691,18 +7012,18 @@
             </a:r>
             <a:endParaRPr b="0" lang="en-US" sz="4500" strike="noStrike" u="none">
               <a:solidFill>
-                <a:srgbClr val="ffffff"/>
-              </a:solidFill>
-              <a:effectLst/>
-              <a:uFillTx/>
-              <a:latin typeface="Arial"/>
+                <a:srgbClr val="dbf5f9"/>
+              </a:solidFill>
+              <a:effectLst/>
+              <a:uFillTx/>
+              <a:latin typeface="Noto Sans"/>
             </a:endParaRPr>
           </a:p>
         </p:txBody>
       </p:sp>
       <p:sp>
         <p:nvSpPr>
-          <p:cNvPr id="40" name="PlaceHolder 2"/>
+          <p:cNvPr id="33" name="PlaceHolder 2"/>
           <p:cNvSpPr>
             <a:spLocks noGrp="1"/>
           </p:cNvSpPr>
@@ -7713,7 +7034,7 @@
         <p:spPr>
           <a:xfrm>
             <a:off x="504000" y="1440000"/>
-            <a:ext cx="9071640" cy="4046040"/>
+            <a:ext cx="9072000" cy="4046400"/>
           </a:xfrm>
           <a:prstGeom prst="rect">
             <a:avLst/>
@@ -7729,9 +7050,6 @@
           </a:bodyPr>
           <a:p>
             <a:pPr marL="432000" indent="-324000">
-              <a:lnSpc>
-                <a:spcPct val="100000"/>
-              </a:lnSpc>
               <a:spcAft>
                 <a:spcPts val="1054"/>
               </a:spcAft>
@@ -7755,18 +7073,15 @@
             </a:r>
             <a:endParaRPr b="0" lang="en-US" sz="1400" strike="noStrike" u="none">
               <a:solidFill>
-                <a:srgbClr val="ffffff"/>
-              </a:solidFill>
-              <a:effectLst/>
-              <a:uFillTx/>
-              <a:latin typeface="Arial"/>
+                <a:srgbClr val="04617b"/>
+              </a:solidFill>
+              <a:effectLst/>
+              <a:uFillTx/>
+              <a:latin typeface="Noto Sans"/>
             </a:endParaRPr>
           </a:p>
           <a:p>
             <a:pPr lvl="1" marL="864000" indent="-324000">
-              <a:lnSpc>
-                <a:spcPct val="100000"/>
-              </a:lnSpc>
               <a:spcAft>
                 <a:spcPts val="842"/>
               </a:spcAft>
@@ -7786,22 +7101,19 @@
                 <a:uFillTx/>
                 <a:latin typeface="Noto Sans"/>
               </a:rPr>
-              <a:t>Allows </a:t>
+              <a:t>Allows for flexibility on business and incentive structures</a:t>
             </a:r>
             <a:endParaRPr b="0" lang="en-US" sz="1400" strike="noStrike" u="none">
               <a:solidFill>
-                <a:srgbClr val="ffffff"/>
-              </a:solidFill>
-              <a:effectLst/>
-              <a:uFillTx/>
-              <a:latin typeface="Arial"/>
+                <a:srgbClr val="04617b"/>
+              </a:solidFill>
+              <a:effectLst/>
+              <a:uFillTx/>
+              <a:latin typeface="Noto Sans"/>
             </a:endParaRPr>
           </a:p>
           <a:p>
             <a:pPr marL="432000" indent="-324000">
-              <a:lnSpc>
-                <a:spcPct val="100000"/>
-              </a:lnSpc>
               <a:spcAft>
                 <a:spcPts val="1054"/>
               </a:spcAft>
@@ -7825,18 +7137,15 @@
             </a:r>
             <a:endParaRPr b="0" lang="en-US" sz="1400" strike="noStrike" u="none">
               <a:solidFill>
-                <a:srgbClr val="ffffff"/>
-              </a:solidFill>
-              <a:effectLst/>
-              <a:uFillTx/>
-              <a:latin typeface="Arial"/>
+                <a:srgbClr val="04617b"/>
+              </a:solidFill>
+              <a:effectLst/>
+              <a:uFillTx/>
+              <a:latin typeface="Noto Sans"/>
             </a:endParaRPr>
           </a:p>
           <a:p>
             <a:pPr lvl="1" marL="864000" indent="-324000">
-              <a:lnSpc>
-                <a:spcPct val="100000"/>
-              </a:lnSpc>
               <a:spcAft>
                 <a:spcPts val="842"/>
               </a:spcAft>
@@ -7860,18 +7169,15 @@
             </a:r>
             <a:endParaRPr b="0" lang="en-US" sz="1400" strike="noStrike" u="none">
               <a:solidFill>
-                <a:srgbClr val="ffffff"/>
-              </a:solidFill>
-              <a:effectLst/>
-              <a:uFillTx/>
-              <a:latin typeface="Arial"/>
+                <a:srgbClr val="04617b"/>
+              </a:solidFill>
+              <a:effectLst/>
+              <a:uFillTx/>
+              <a:latin typeface="Noto Sans"/>
             </a:endParaRPr>
           </a:p>
           <a:p>
             <a:pPr lvl="1" marL="864000" indent="-324000">
-              <a:lnSpc>
-                <a:spcPct val="100000"/>
-              </a:lnSpc>
               <a:spcAft>
                 <a:spcPts val="842"/>
               </a:spcAft>
@@ -7891,22 +7197,30 @@
                 <a:uFillTx/>
                 <a:latin typeface="Noto Sans"/>
               </a:rPr>
-              <a:t>Governance &amp; Staking (gMKTB) – DAO Voting and Staking Yield</a:t>
+              <a:t>Governance &amp; Staking (gMKTB) – </a:t>
+            </a:r>
+            <a:r>
+              <a:rPr b="0" lang="en-US" sz="1400" strike="noStrike" u="none">
+                <a:solidFill>
+                  <a:srgbClr val="04617b"/>
+                </a:solidFill>
+                <a:effectLst/>
+                <a:uFillTx/>
+                <a:latin typeface="Noto Sans"/>
+              </a:rPr>
+              <a:t>DAO Voting and Staking Yield</a:t>
             </a:r>
             <a:endParaRPr b="0" lang="en-US" sz="1400" strike="noStrike" u="none">
               <a:solidFill>
-                <a:srgbClr val="ffffff"/>
-              </a:solidFill>
-              <a:effectLst/>
-              <a:uFillTx/>
-              <a:latin typeface="Arial"/>
+                <a:srgbClr val="04617b"/>
+              </a:solidFill>
+              <a:effectLst/>
+              <a:uFillTx/>
+              <a:latin typeface="Noto Sans"/>
             </a:endParaRPr>
           </a:p>
           <a:p>
             <a:pPr lvl="1" marL="864000" indent="-324000">
-              <a:lnSpc>
-                <a:spcPct val="100000"/>
-              </a:lnSpc>
               <a:spcAft>
                 <a:spcPts val="842"/>
               </a:spcAft>
@@ -7926,22 +7240,30 @@
                 <a:uFillTx/>
                 <a:latin typeface="Noto Sans"/>
               </a:rPr>
-              <a:t>DeFi Token  (dMKTB) – Yield and lending pools</a:t>
+              <a:t>DeFi Token </a:t>
+            </a:r>
+            <a:r>
+              <a:rPr b="0" lang="en-US" sz="1400" strike="noStrike" u="none">
+                <a:solidFill>
+                  <a:srgbClr val="04617b"/>
+                </a:solidFill>
+                <a:effectLst/>
+                <a:uFillTx/>
+                <a:latin typeface="Noto Sans"/>
+              </a:rPr>
+              <a:t> (dMKTB) – Yield and lending pools</a:t>
             </a:r>
             <a:endParaRPr b="0" lang="en-US" sz="1400" strike="noStrike" u="none">
               <a:solidFill>
-                <a:srgbClr val="ffffff"/>
-              </a:solidFill>
-              <a:effectLst/>
-              <a:uFillTx/>
-              <a:latin typeface="Arial"/>
+                <a:srgbClr val="04617b"/>
+              </a:solidFill>
+              <a:effectLst/>
+              <a:uFillTx/>
+              <a:latin typeface="Noto Sans"/>
             </a:endParaRPr>
           </a:p>
           <a:p>
             <a:pPr lvl="1" marL="864000" indent="-324000">
-              <a:lnSpc>
-                <a:spcPct val="100000"/>
-              </a:lnSpc>
               <a:spcAft>
                 <a:spcPts val="842"/>
               </a:spcAft>
@@ -7961,29 +7283,1295 @@
                 <a:uFillTx/>
                 <a:latin typeface="Noto Sans"/>
               </a:rPr>
-              <a:t>Storage Token (sMKTB) – Pay once for storage</a:t>
+              <a:t>Storage Token </a:t>
+            </a:r>
+            <a:r>
+              <a:rPr b="0" lang="en-US" sz="1400" strike="noStrike" u="none">
+                <a:solidFill>
+                  <a:srgbClr val="04617b"/>
+                </a:solidFill>
+                <a:effectLst/>
+                <a:uFillTx/>
+                <a:latin typeface="Noto Sans"/>
+              </a:rPr>
+              <a:t>(sMKTB) – Pay once for storage</a:t>
             </a:r>
             <a:endParaRPr b="0" lang="en-US" sz="1400" strike="noStrike" u="none">
               <a:solidFill>
-                <a:srgbClr val="ffffff"/>
-              </a:solidFill>
-              <a:effectLst/>
-              <a:uFillTx/>
-              <a:latin typeface="Arial"/>
+                <a:srgbClr val="04617b"/>
+              </a:solidFill>
+              <a:effectLst/>
+              <a:uFillTx/>
+              <a:latin typeface="Noto Sans"/>
             </a:endParaRPr>
           </a:p>
         </p:txBody>
       </p:sp>
     </p:spTree>
   </p:cSld>
-  <mc:AlternateContent>
-    <mc:Choice Requires="p14">
-      <p:transition spd="slow" p14:dur="2000"/>
-    </mc:Choice>
-    <mc:Fallback>
-      <p:transition spd="slow"/>
-    </mc:Fallback>
-  </mc:AlternateContent>
+</p:sld>
+</file>
+
+<file path=ppt/slides/slide6.xml><?xml version="1.0" encoding="utf-8"?>
+<p:sld xmlns:a="http://schemas.openxmlformats.org/drawingml/2006/main" xmlns:p="http://schemas.openxmlformats.org/presentationml/2006/main" xmlns:r="http://schemas.openxmlformats.org/officeDocument/2006/relationships" xmlns:p14="http://schemas.microsoft.com/office/powerpoint/2010/main" xmlns:p15="http://schemas.microsoft.com/office/powerpoint/2012/main" xmlns:mc="http://schemas.openxmlformats.org/markup-compatibility/2006">
+  <p:cSld>
+    <p:spTree>
+      <p:nvGrpSpPr>
+        <p:cNvPr id="1" name=""/>
+        <p:cNvGrpSpPr/>
+        <p:nvPr/>
+      </p:nvGrpSpPr>
+      <p:grpSpPr>
+        <a:xfrm>
+          <a:off x="0" y="0"/>
+          <a:ext cx="0" cy="0"/>
+          <a:chOff x="0" y="0"/>
+          <a:chExt cx="0" cy="0"/>
+        </a:xfrm>
+      </p:grpSpPr>
+      <p:sp>
+        <p:nvSpPr>
+          <p:cNvPr id="34" name="PlaceHolder 1"/>
+          <p:cNvSpPr>
+            <a:spLocks noGrp="1"/>
+          </p:cNvSpPr>
+          <p:nvPr>
+            <p:ph type="title"/>
+          </p:nvPr>
+        </p:nvSpPr>
+        <p:spPr>
+          <a:xfrm>
+            <a:off x="504000" y="90000"/>
+            <a:ext cx="9072000" cy="990000"/>
+          </a:xfrm>
+          <a:prstGeom prst="rect">
+            <a:avLst/>
+          </a:prstGeom>
+          <a:noFill/>
+          <a:ln w="0">
+            <a:noFill/>
+          </a:ln>
+        </p:spPr>
+        <p:txBody>
+          <a:bodyPr lIns="0" rIns="0" tIns="0" bIns="0" anchor="b">
+            <a:normAutofit/>
+          </a:bodyPr>
+          <a:p>
+            <a:pPr indent="0">
+              <a:buNone/>
+            </a:pPr>
+            <a:r>
+              <a:rPr b="0" lang="en-US" sz="4500" strike="noStrike" u="none">
+                <a:solidFill>
+                  <a:srgbClr val="dbf5f9"/>
+                </a:solidFill>
+                <a:effectLst/>
+                <a:uFillTx/>
+                <a:latin typeface="Noto Sans"/>
+              </a:rPr>
+              <a:t>Marketplace Token (mMKTB)</a:t>
+            </a:r>
+            <a:endParaRPr b="0" lang="en-US" sz="4500" strike="noStrike" u="none">
+              <a:solidFill>
+                <a:srgbClr val="dbf5f9"/>
+              </a:solidFill>
+              <a:effectLst/>
+              <a:uFillTx/>
+              <a:latin typeface="Noto Sans"/>
+            </a:endParaRPr>
+          </a:p>
+        </p:txBody>
+      </p:sp>
+      <p:sp>
+        <p:nvSpPr>
+          <p:cNvPr id="35" name="PlaceHolder 2"/>
+          <p:cNvSpPr>
+            <a:spLocks noGrp="1"/>
+          </p:cNvSpPr>
+          <p:nvPr>
+            <p:ph/>
+          </p:nvPr>
+        </p:nvSpPr>
+        <p:spPr>
+          <a:xfrm>
+            <a:off x="504000" y="1440000"/>
+            <a:ext cx="9072000" cy="4046400"/>
+          </a:xfrm>
+          <a:prstGeom prst="rect">
+            <a:avLst/>
+          </a:prstGeom>
+          <a:noFill/>
+          <a:ln w="0">
+            <a:noFill/>
+          </a:ln>
+        </p:spPr>
+        <p:txBody>
+          <a:bodyPr lIns="0" rIns="0" tIns="0" bIns="0" anchor="t">
+            <a:normAutofit/>
+          </a:bodyPr>
+          <a:p>
+            <a:pPr marL="432000" indent="-324000">
+              <a:spcAft>
+                <a:spcPts val="1054"/>
+              </a:spcAft>
+              <a:buClr>
+                <a:srgbClr val="009eda"/>
+              </a:buClr>
+              <a:buSzPct val="45000"/>
+              <a:buFont typeface="Wingdings" charset="2"/>
+              <a:buChar char=""/>
+            </a:pPr>
+            <a:r>
+              <a:rPr b="0" lang="en-US" sz="1400" strike="noStrike" u="none">
+                <a:solidFill>
+                  <a:srgbClr val="04617b"/>
+                </a:solidFill>
+                <a:effectLst/>
+                <a:uFillTx/>
+                <a:latin typeface="Noto Sans"/>
+              </a:rPr>
+              <a:t>Marketplace currency used for private transactions in the marketplace</a:t>
+            </a:r>
+            <a:endParaRPr b="0" lang="en-US" sz="1400" strike="noStrike" u="none">
+              <a:solidFill>
+                <a:srgbClr val="04617b"/>
+              </a:solidFill>
+              <a:effectLst/>
+              <a:uFillTx/>
+              <a:latin typeface="Noto Sans"/>
+            </a:endParaRPr>
+          </a:p>
+          <a:p>
+            <a:pPr marL="432000" indent="-324000">
+              <a:spcAft>
+                <a:spcPts val="1054"/>
+              </a:spcAft>
+              <a:buClr>
+                <a:srgbClr val="009eda"/>
+              </a:buClr>
+              <a:buSzPct val="45000"/>
+              <a:buFont typeface="Wingdings" charset="2"/>
+              <a:buChar char=""/>
+            </a:pPr>
+            <a:r>
+              <a:rPr b="0" lang="en-US" sz="1400" strike="noStrike" u="none">
+                <a:solidFill>
+                  <a:srgbClr val="04617b"/>
+                </a:solidFill>
+                <a:effectLst/>
+                <a:uFillTx/>
+                <a:latin typeface="Noto Sans"/>
+              </a:rPr>
+              <a:t>Tied to value of a liquid token (ie ETH, USDT, RAI etc..)</a:t>
+            </a:r>
+            <a:endParaRPr b="0" lang="en-US" sz="1400" strike="noStrike" u="none">
+              <a:solidFill>
+                <a:srgbClr val="04617b"/>
+              </a:solidFill>
+              <a:effectLst/>
+              <a:uFillTx/>
+              <a:latin typeface="Noto Sans"/>
+            </a:endParaRPr>
+          </a:p>
+          <a:p>
+            <a:pPr marL="432000" indent="-324000">
+              <a:spcAft>
+                <a:spcPts val="1054"/>
+              </a:spcAft>
+              <a:buClr>
+                <a:srgbClr val="009eda"/>
+              </a:buClr>
+              <a:buSzPct val="45000"/>
+              <a:buFont typeface="Wingdings" charset="2"/>
+              <a:buChar char=""/>
+            </a:pPr>
+            <a:r>
+              <a:rPr b="0" lang="en-US" sz="1400" strike="noStrike" u="none">
+                <a:solidFill>
+                  <a:srgbClr val="04617b"/>
+                </a:solidFill>
+                <a:effectLst/>
+                <a:uFillTx/>
+                <a:latin typeface="Noto Sans"/>
+              </a:rPr>
+              <a:t>Incentives:</a:t>
+            </a:r>
+            <a:endParaRPr b="0" lang="en-US" sz="1400" strike="noStrike" u="none">
+              <a:solidFill>
+                <a:srgbClr val="04617b"/>
+              </a:solidFill>
+              <a:effectLst/>
+              <a:uFillTx/>
+              <a:latin typeface="Noto Sans"/>
+            </a:endParaRPr>
+          </a:p>
+          <a:p>
+            <a:pPr lvl="1" marL="864000" indent="-324000">
+              <a:spcAft>
+                <a:spcPts val="842"/>
+              </a:spcAft>
+              <a:buClr>
+                <a:srgbClr val="009eda"/>
+              </a:buClr>
+              <a:buSzPct val="45000"/>
+              <a:buFont typeface="Wingdings" charset="2"/>
+              <a:buChar char=""/>
+            </a:pPr>
+            <a:r>
+              <a:rPr b="0" lang="en-US" sz="1400" strike="noStrike" u="none">
+                <a:solidFill>
+                  <a:srgbClr val="04617b"/>
+                </a:solidFill>
+                <a:effectLst/>
+                <a:uFillTx/>
+                <a:latin typeface="Noto Sans"/>
+              </a:rPr>
+              <a:t>Transaction Mining - Reward users who complete marketplace transactions with bonus mMKTB or gMKTB (small rebate / cashback model).</a:t>
+            </a:r>
+            <a:endParaRPr b="0" lang="en-US" sz="1400" strike="noStrike" u="none">
+              <a:solidFill>
+                <a:srgbClr val="04617b"/>
+              </a:solidFill>
+              <a:effectLst/>
+              <a:uFillTx/>
+              <a:latin typeface="Noto Sans"/>
+            </a:endParaRPr>
+          </a:p>
+          <a:p>
+            <a:pPr lvl="1" marL="864000" indent="-324000">
+              <a:spcAft>
+                <a:spcPts val="842"/>
+              </a:spcAft>
+              <a:buClr>
+                <a:srgbClr val="009eda"/>
+              </a:buClr>
+              <a:buSzPct val="45000"/>
+              <a:buFont typeface="Wingdings" charset="2"/>
+              <a:buChar char=""/>
+            </a:pPr>
+            <a:r>
+              <a:rPr b="0" lang="en-US" sz="1400" strike="noStrike" u="none">
+                <a:solidFill>
+                  <a:srgbClr val="04617b"/>
+                </a:solidFill>
+                <a:effectLst/>
+                <a:uFillTx/>
+                <a:latin typeface="Noto Sans"/>
+              </a:rPr>
+              <a:t>Fee Rebates- Users who pay transaction fees in mMKTB get a % rebate back, or reduced fees compared to ETH/USDT/Rai users.</a:t>
+            </a:r>
+            <a:endParaRPr b="0" lang="en-US" sz="1400" strike="noStrike" u="none">
+              <a:solidFill>
+                <a:srgbClr val="04617b"/>
+              </a:solidFill>
+              <a:effectLst/>
+              <a:uFillTx/>
+              <a:latin typeface="Noto Sans"/>
+            </a:endParaRPr>
+          </a:p>
+          <a:p>
+            <a:pPr lvl="1" marL="864000" indent="-324000">
+              <a:spcAft>
+                <a:spcPts val="842"/>
+              </a:spcAft>
+              <a:buClr>
+                <a:srgbClr val="009eda"/>
+              </a:buClr>
+              <a:buSzPct val="45000"/>
+              <a:buFont typeface="Wingdings" charset="2"/>
+              <a:buChar char=""/>
+            </a:pPr>
+            <a:r>
+              <a:rPr b="0" lang="en-US" sz="1400" strike="noStrike" u="none">
+                <a:solidFill>
+                  <a:srgbClr val="04617b"/>
+                </a:solidFill>
+                <a:effectLst/>
+                <a:uFillTx/>
+                <a:latin typeface="Noto Sans"/>
+              </a:rPr>
+              <a:t>Early Adopter Bonuses - First X users to complete Y trades with mMKTB get locked gMKTB airdrops.</a:t>
+            </a:r>
+            <a:endParaRPr b="0" lang="en-US" sz="1400" strike="noStrike" u="none">
+              <a:solidFill>
+                <a:srgbClr val="04617b"/>
+              </a:solidFill>
+              <a:effectLst/>
+              <a:uFillTx/>
+              <a:latin typeface="Noto Sans"/>
+            </a:endParaRPr>
+          </a:p>
+          <a:p>
+            <a:pPr marL="432000" indent="0">
+              <a:spcAft>
+                <a:spcPts val="1054"/>
+              </a:spcAft>
+              <a:buNone/>
+            </a:pPr>
+            <a:endParaRPr b="0" lang="en-US" sz="1400" strike="noStrike" u="none">
+              <a:solidFill>
+                <a:srgbClr val="04617b"/>
+              </a:solidFill>
+              <a:effectLst/>
+              <a:uFillTx/>
+              <a:latin typeface="Noto Sans"/>
+            </a:endParaRPr>
+          </a:p>
+        </p:txBody>
+      </p:sp>
+    </p:spTree>
+  </p:cSld>
+</p:sld>
+</file>
+
+<file path=ppt/slides/slide7.xml><?xml version="1.0" encoding="utf-8"?>
+<p:sld xmlns:a="http://schemas.openxmlformats.org/drawingml/2006/main" xmlns:p="http://schemas.openxmlformats.org/presentationml/2006/main" xmlns:r="http://schemas.openxmlformats.org/officeDocument/2006/relationships" xmlns:p14="http://schemas.microsoft.com/office/powerpoint/2010/main" xmlns:p15="http://schemas.microsoft.com/office/powerpoint/2012/main" xmlns:mc="http://schemas.openxmlformats.org/markup-compatibility/2006">
+  <p:cSld>
+    <p:spTree>
+      <p:nvGrpSpPr>
+        <p:cNvPr id="1" name=""/>
+        <p:cNvGrpSpPr/>
+        <p:nvPr/>
+      </p:nvGrpSpPr>
+      <p:grpSpPr>
+        <a:xfrm>
+          <a:off x="0" y="0"/>
+          <a:ext cx="0" cy="0"/>
+          <a:chOff x="0" y="0"/>
+          <a:chExt cx="0" cy="0"/>
+        </a:xfrm>
+      </p:grpSpPr>
+      <p:sp>
+        <p:nvSpPr>
+          <p:cNvPr id="36" name="PlaceHolder 1"/>
+          <p:cNvSpPr>
+            <a:spLocks noGrp="1"/>
+          </p:cNvSpPr>
+          <p:nvPr>
+            <p:ph type="title"/>
+          </p:nvPr>
+        </p:nvSpPr>
+        <p:spPr>
+          <a:xfrm>
+            <a:off x="504000" y="90000"/>
+            <a:ext cx="9072000" cy="990000"/>
+          </a:xfrm>
+          <a:prstGeom prst="rect">
+            <a:avLst/>
+          </a:prstGeom>
+          <a:noFill/>
+          <a:ln w="0">
+            <a:noFill/>
+          </a:ln>
+        </p:spPr>
+        <p:txBody>
+          <a:bodyPr lIns="0" rIns="0" tIns="0" bIns="0" anchor="b">
+            <a:normAutofit/>
+          </a:bodyPr>
+          <a:p>
+            <a:pPr indent="0">
+              <a:buNone/>
+            </a:pPr>
+            <a:r>
+              <a:rPr b="0" lang="en-US" sz="4500" strike="noStrike" u="none">
+                <a:solidFill>
+                  <a:srgbClr val="dbf5f9"/>
+                </a:solidFill>
+                <a:effectLst/>
+                <a:uFillTx/>
+                <a:latin typeface="Noto Sans"/>
+              </a:rPr>
+              <a:t>Governance &amp; Staking (gMKTB)</a:t>
+            </a:r>
+            <a:endParaRPr b="0" lang="en-US" sz="4500" strike="noStrike" u="none">
+              <a:solidFill>
+                <a:srgbClr val="dbf5f9"/>
+              </a:solidFill>
+              <a:effectLst/>
+              <a:uFillTx/>
+              <a:latin typeface="Noto Sans"/>
+            </a:endParaRPr>
+          </a:p>
+        </p:txBody>
+      </p:sp>
+      <p:sp>
+        <p:nvSpPr>
+          <p:cNvPr id="37" name="PlaceHolder 2"/>
+          <p:cNvSpPr>
+            <a:spLocks noGrp="1"/>
+          </p:cNvSpPr>
+          <p:nvPr>
+            <p:ph/>
+          </p:nvPr>
+        </p:nvSpPr>
+        <p:spPr>
+          <a:xfrm>
+            <a:off x="504000" y="1440000"/>
+            <a:ext cx="9072000" cy="4046400"/>
+          </a:xfrm>
+          <a:prstGeom prst="rect">
+            <a:avLst/>
+          </a:prstGeom>
+          <a:noFill/>
+          <a:ln w="0">
+            <a:noFill/>
+          </a:ln>
+        </p:spPr>
+        <p:txBody>
+          <a:bodyPr lIns="0" rIns="0" tIns="0" bIns="0" anchor="t">
+            <a:normAutofit/>
+          </a:bodyPr>
+          <a:p>
+            <a:pPr marL="432000" indent="-324000">
+              <a:spcAft>
+                <a:spcPts val="1054"/>
+              </a:spcAft>
+              <a:buClr>
+                <a:srgbClr val="009eda"/>
+              </a:buClr>
+              <a:buSzPct val="45000"/>
+              <a:buFont typeface="Wingdings" charset="2"/>
+              <a:buChar char=""/>
+            </a:pPr>
+            <a:r>
+              <a:rPr b="0" lang="en-US" sz="1400" strike="noStrike" u="none">
+                <a:solidFill>
+                  <a:srgbClr val="04617b"/>
+                </a:solidFill>
+                <a:effectLst/>
+                <a:uFillTx/>
+                <a:latin typeface="Noto Sans"/>
+              </a:rPr>
+              <a:t>DAO Voting and Staking Yield</a:t>
+            </a:r>
+            <a:endParaRPr b="0" lang="en-US" sz="1400" strike="noStrike" u="none">
+              <a:solidFill>
+                <a:srgbClr val="04617b"/>
+              </a:solidFill>
+              <a:effectLst/>
+              <a:uFillTx/>
+              <a:latin typeface="Noto Sans"/>
+            </a:endParaRPr>
+          </a:p>
+          <a:p>
+            <a:pPr marL="432000" indent="-324000">
+              <a:spcAft>
+                <a:spcPts val="1054"/>
+              </a:spcAft>
+              <a:buClr>
+                <a:srgbClr val="009eda"/>
+              </a:buClr>
+              <a:buSzPct val="45000"/>
+              <a:buFont typeface="Wingdings" charset="2"/>
+              <a:buChar char=""/>
+            </a:pPr>
+            <a:r>
+              <a:rPr b="0" lang="en-US" sz="1400" strike="noStrike" u="none">
+                <a:solidFill>
+                  <a:srgbClr val="04617b"/>
+                </a:solidFill>
+                <a:effectLst/>
+                <a:uFillTx/>
+                <a:latin typeface="Noto Sans"/>
+              </a:rPr>
+              <a:t>Incentives:</a:t>
+            </a:r>
+            <a:endParaRPr b="0" lang="en-US" sz="1400" strike="noStrike" u="none">
+              <a:solidFill>
+                <a:srgbClr val="04617b"/>
+              </a:solidFill>
+              <a:effectLst/>
+              <a:uFillTx/>
+              <a:latin typeface="Noto Sans"/>
+            </a:endParaRPr>
+          </a:p>
+          <a:p>
+            <a:pPr lvl="1" marL="864000" indent="-324000">
+              <a:spcAft>
+                <a:spcPts val="842"/>
+              </a:spcAft>
+              <a:buClr>
+                <a:srgbClr val="009eda"/>
+              </a:buClr>
+              <a:buSzPct val="45000"/>
+              <a:buFont typeface="Wingdings" charset="2"/>
+              <a:buChar char=""/>
+            </a:pPr>
+            <a:r>
+              <a:rPr b="0" lang="en-US" sz="1400" strike="noStrike" u="none">
+                <a:solidFill>
+                  <a:srgbClr val="04617b"/>
+                </a:solidFill>
+                <a:effectLst/>
+                <a:uFillTx/>
+                <a:latin typeface="Noto Sans"/>
+              </a:rPr>
+              <a:t>Staking Rewards (Real Yield) - Marketplace fees (from mMKTB payments) flow to gMKTB stakers as dividends.</a:t>
+            </a:r>
+            <a:endParaRPr b="0" lang="en-US" sz="1400" strike="noStrike" u="none">
+              <a:solidFill>
+                <a:srgbClr val="04617b"/>
+              </a:solidFill>
+              <a:effectLst/>
+              <a:uFillTx/>
+              <a:latin typeface="Noto Sans"/>
+            </a:endParaRPr>
+          </a:p>
+          <a:p>
+            <a:pPr lvl="1" marL="864000" indent="-324000">
+              <a:spcAft>
+                <a:spcPts val="842"/>
+              </a:spcAft>
+              <a:buClr>
+                <a:srgbClr val="009eda"/>
+              </a:buClr>
+              <a:buSzPct val="45000"/>
+              <a:buFont typeface="Wingdings" charset="2"/>
+              <a:buChar char=""/>
+            </a:pPr>
+            <a:r>
+              <a:rPr b="0" lang="en-US" sz="1400" strike="noStrike" u="none">
+                <a:solidFill>
+                  <a:srgbClr val="04617b"/>
+                </a:solidFill>
+                <a:effectLst/>
+                <a:uFillTx/>
+                <a:latin typeface="Noto Sans"/>
+              </a:rPr>
+              <a:t>Long-term stakers (e.g., 1 year+) get amplified governance weight compared to unstaked holders.</a:t>
+            </a:r>
+            <a:endParaRPr b="0" lang="en-US" sz="1400" strike="noStrike" u="none">
+              <a:solidFill>
+                <a:srgbClr val="04617b"/>
+              </a:solidFill>
+              <a:effectLst/>
+              <a:uFillTx/>
+              <a:latin typeface="Noto Sans"/>
+            </a:endParaRPr>
+          </a:p>
+          <a:p>
+            <a:pPr lvl="1" marL="864000" indent="-324000">
+              <a:spcAft>
+                <a:spcPts val="842"/>
+              </a:spcAft>
+              <a:buClr>
+                <a:srgbClr val="009eda"/>
+              </a:buClr>
+              <a:buSzPct val="45000"/>
+              <a:buFont typeface="Wingdings" charset="2"/>
+              <a:buChar char=""/>
+            </a:pPr>
+            <a:r>
+              <a:rPr b="0" lang="en-US" sz="1400" strike="noStrike" u="none">
+                <a:solidFill>
+                  <a:srgbClr val="04617b"/>
+                </a:solidFill>
+                <a:effectLst/>
+                <a:uFillTx/>
+                <a:latin typeface="Noto Sans"/>
+              </a:rPr>
+              <a:t>Provide extra gMKTB if users pair gMKTB with ETH or mMKTB in liquidity pools.</a:t>
+            </a:r>
+            <a:endParaRPr b="0" lang="en-US" sz="1400" strike="noStrike" u="none">
+              <a:solidFill>
+                <a:srgbClr val="04617b"/>
+              </a:solidFill>
+              <a:effectLst/>
+              <a:uFillTx/>
+              <a:latin typeface="Noto Sans"/>
+            </a:endParaRPr>
+          </a:p>
+          <a:p>
+            <a:pPr lvl="1" marL="864000" indent="-324000">
+              <a:spcAft>
+                <a:spcPts val="842"/>
+              </a:spcAft>
+              <a:buClr>
+                <a:srgbClr val="009eda"/>
+              </a:buClr>
+              <a:buSzPct val="45000"/>
+              <a:buFont typeface="Wingdings" charset="2"/>
+              <a:buChar char=""/>
+            </a:pPr>
+            <a:r>
+              <a:rPr b="0" lang="en-US" sz="1400" strike="noStrike" u="none">
+                <a:solidFill>
+                  <a:srgbClr val="04617b"/>
+                </a:solidFill>
+                <a:effectLst/>
+                <a:uFillTx/>
+                <a:latin typeface="Noto Sans"/>
+              </a:rPr>
+              <a:t>Early liquidity providers in gMKTB pools get bonus allocations during upgrades or expansions.</a:t>
+            </a:r>
+            <a:endParaRPr b="0" lang="en-US" sz="1400" strike="noStrike" u="none">
+              <a:solidFill>
+                <a:srgbClr val="04617b"/>
+              </a:solidFill>
+              <a:effectLst/>
+              <a:uFillTx/>
+              <a:latin typeface="Noto Sans"/>
+            </a:endParaRPr>
+          </a:p>
+          <a:p>
+            <a:pPr lvl="1" marL="864000" indent="-324000">
+              <a:spcBef>
+                <a:spcPts val="1191"/>
+              </a:spcBef>
+              <a:spcAft>
+                <a:spcPts val="992"/>
+              </a:spcAft>
+              <a:buClr>
+                <a:srgbClr val="009eda"/>
+              </a:buClr>
+              <a:buSzPct val="45000"/>
+              <a:buFont typeface="Wingdings" charset="2"/>
+              <a:buChar char=""/>
+            </a:pPr>
+            <a:r>
+              <a:rPr b="0" lang="en-US" sz="1400" strike="noStrike" u="none">
+                <a:solidFill>
+                  <a:srgbClr val="04617b"/>
+                </a:solidFill>
+                <a:effectLst/>
+                <a:uFillTx/>
+                <a:latin typeface="Noto Sans"/>
+              </a:rPr>
+              <a:t>Vesting for Loyalty: Early users earn locked gMKTB that vests slowly, keeping liquidity sticky.</a:t>
+            </a:r>
+            <a:endParaRPr b="0" lang="en-US" sz="1400" strike="noStrike" u="none">
+              <a:solidFill>
+                <a:srgbClr val="04617b"/>
+              </a:solidFill>
+              <a:effectLst/>
+              <a:uFillTx/>
+              <a:latin typeface="Noto Sans"/>
+            </a:endParaRPr>
+          </a:p>
+        </p:txBody>
+      </p:sp>
+    </p:spTree>
+  </p:cSld>
+</p:sld>
+</file>
+
+<file path=ppt/slides/slide8.xml><?xml version="1.0" encoding="utf-8"?>
+<p:sld xmlns:a="http://schemas.openxmlformats.org/drawingml/2006/main" xmlns:p="http://schemas.openxmlformats.org/presentationml/2006/main" xmlns:r="http://schemas.openxmlformats.org/officeDocument/2006/relationships" xmlns:p14="http://schemas.microsoft.com/office/powerpoint/2010/main" xmlns:p15="http://schemas.microsoft.com/office/powerpoint/2012/main" xmlns:mc="http://schemas.openxmlformats.org/markup-compatibility/2006">
+  <p:cSld>
+    <p:spTree>
+      <p:nvGrpSpPr>
+        <p:cNvPr id="1" name=""/>
+        <p:cNvGrpSpPr/>
+        <p:nvPr/>
+      </p:nvGrpSpPr>
+      <p:grpSpPr>
+        <a:xfrm>
+          <a:off x="0" y="0"/>
+          <a:ext cx="0" cy="0"/>
+          <a:chOff x="0" y="0"/>
+          <a:chExt cx="0" cy="0"/>
+        </a:xfrm>
+      </p:grpSpPr>
+      <p:sp>
+        <p:nvSpPr>
+          <p:cNvPr id="38" name="PlaceHolder 1"/>
+          <p:cNvSpPr>
+            <a:spLocks noGrp="1"/>
+          </p:cNvSpPr>
+          <p:nvPr>
+            <p:ph type="title"/>
+          </p:nvPr>
+        </p:nvSpPr>
+        <p:spPr>
+          <a:xfrm>
+            <a:off x="504000" y="90000"/>
+            <a:ext cx="9072000" cy="990000"/>
+          </a:xfrm>
+          <a:prstGeom prst="rect">
+            <a:avLst/>
+          </a:prstGeom>
+          <a:noFill/>
+          <a:ln w="0">
+            <a:noFill/>
+          </a:ln>
+        </p:spPr>
+        <p:txBody>
+          <a:bodyPr lIns="0" rIns="0" tIns="0" bIns="0" anchor="b">
+            <a:normAutofit/>
+          </a:bodyPr>
+          <a:p>
+            <a:pPr indent="0">
+              <a:buNone/>
+            </a:pPr>
+            <a:r>
+              <a:rPr b="0" lang="en-US" sz="4500" strike="noStrike" u="none">
+                <a:solidFill>
+                  <a:srgbClr val="dbf5f9"/>
+                </a:solidFill>
+                <a:effectLst/>
+                <a:uFillTx/>
+                <a:latin typeface="Noto Sans"/>
+              </a:rPr>
+              <a:t>DeFi Token (dMKTB)</a:t>
+            </a:r>
+            <a:endParaRPr b="0" lang="en-US" sz="4500" strike="noStrike" u="none">
+              <a:solidFill>
+                <a:srgbClr val="dbf5f9"/>
+              </a:solidFill>
+              <a:effectLst/>
+              <a:uFillTx/>
+              <a:latin typeface="Noto Sans"/>
+            </a:endParaRPr>
+          </a:p>
+        </p:txBody>
+      </p:sp>
+      <p:sp>
+        <p:nvSpPr>
+          <p:cNvPr id="39" name="PlaceHolder 2"/>
+          <p:cNvSpPr>
+            <a:spLocks noGrp="1"/>
+          </p:cNvSpPr>
+          <p:nvPr>
+            <p:ph/>
+          </p:nvPr>
+        </p:nvSpPr>
+        <p:spPr>
+          <a:xfrm>
+            <a:off x="504000" y="1440000"/>
+            <a:ext cx="9072000" cy="4046400"/>
+          </a:xfrm>
+          <a:prstGeom prst="rect">
+            <a:avLst/>
+          </a:prstGeom>
+          <a:noFill/>
+          <a:ln w="0">
+            <a:noFill/>
+          </a:ln>
+        </p:spPr>
+        <p:txBody>
+          <a:bodyPr lIns="0" rIns="0" tIns="0" bIns="0" anchor="t">
+            <a:normAutofit/>
+          </a:bodyPr>
+          <a:p>
+            <a:pPr marL="432000" indent="-324000">
+              <a:spcAft>
+                <a:spcPts val="1054"/>
+              </a:spcAft>
+              <a:buClr>
+                <a:srgbClr val="009eda"/>
+              </a:buClr>
+              <a:buSzPct val="45000"/>
+              <a:buFont typeface="Wingdings" charset="2"/>
+              <a:buChar char=""/>
+            </a:pPr>
+            <a:r>
+              <a:rPr b="0" lang="en-US" sz="1400" strike="noStrike" u="none">
+                <a:solidFill>
+                  <a:srgbClr val="04617b"/>
+                </a:solidFill>
+                <a:effectLst/>
+                <a:uFillTx/>
+                <a:latin typeface="Noto Sans"/>
+              </a:rPr>
+              <a:t>Yield and lending pools</a:t>
+            </a:r>
+            <a:endParaRPr b="0" lang="en-US" sz="1400" strike="noStrike" u="none">
+              <a:solidFill>
+                <a:srgbClr val="04617b"/>
+              </a:solidFill>
+              <a:effectLst/>
+              <a:uFillTx/>
+              <a:latin typeface="Noto Sans"/>
+            </a:endParaRPr>
+          </a:p>
+          <a:p>
+            <a:pPr marL="432000" indent="-324000">
+              <a:spcAft>
+                <a:spcPts val="1054"/>
+              </a:spcAft>
+              <a:buClr>
+                <a:srgbClr val="009eda"/>
+              </a:buClr>
+              <a:buSzPct val="45000"/>
+              <a:buFont typeface="Wingdings" charset="2"/>
+              <a:buChar char=""/>
+            </a:pPr>
+            <a:r>
+              <a:rPr b="0" lang="en-US" sz="1400" strike="noStrike" u="none">
+                <a:solidFill>
+                  <a:srgbClr val="04617b"/>
+                </a:solidFill>
+                <a:effectLst/>
+                <a:uFillTx/>
+                <a:latin typeface="Noto Sans"/>
+              </a:rPr>
+              <a:t>Incentives:</a:t>
+            </a:r>
+            <a:endParaRPr b="0" lang="en-US" sz="1400" strike="noStrike" u="none">
+              <a:solidFill>
+                <a:srgbClr val="04617b"/>
+              </a:solidFill>
+              <a:effectLst/>
+              <a:uFillTx/>
+              <a:latin typeface="Noto Sans"/>
+            </a:endParaRPr>
+          </a:p>
+          <a:p>
+            <a:pPr lvl="1" marL="864000" indent="-324000">
+              <a:spcAft>
+                <a:spcPts val="842"/>
+              </a:spcAft>
+              <a:buClr>
+                <a:srgbClr val="009eda"/>
+              </a:buClr>
+              <a:buSzPct val="45000"/>
+              <a:buFont typeface="Wingdings" charset="2"/>
+              <a:buChar char=""/>
+            </a:pPr>
+            <a:r>
+              <a:rPr b="0" lang="en-US" sz="1400" strike="noStrike" u="none">
+                <a:solidFill>
+                  <a:srgbClr val="04617b"/>
+                </a:solidFill>
+                <a:effectLst/>
+                <a:uFillTx/>
+                <a:latin typeface="Noto Sans"/>
+              </a:rPr>
+              <a:t>Supply stablecoins (like DAI, USDT) into your dMKTB pools and receive dMKTB + mMKTB rewards.</a:t>
+            </a:r>
+            <a:endParaRPr b="0" lang="en-US" sz="1400" strike="noStrike" u="none">
+              <a:solidFill>
+                <a:srgbClr val="04617b"/>
+              </a:solidFill>
+              <a:effectLst/>
+              <a:uFillTx/>
+              <a:latin typeface="Noto Sans"/>
+            </a:endParaRPr>
+          </a:p>
+          <a:p>
+            <a:pPr lvl="1" marL="864000" indent="-324000">
+              <a:spcAft>
+                <a:spcPts val="842"/>
+              </a:spcAft>
+              <a:buClr>
+                <a:srgbClr val="009eda"/>
+              </a:buClr>
+              <a:buSzPct val="45000"/>
+              <a:buFont typeface="Wingdings" charset="2"/>
+              <a:buChar char=""/>
+            </a:pPr>
+            <a:r>
+              <a:rPr b="0" lang="en-US" sz="1400" strike="noStrike" u="none">
+                <a:solidFill>
+                  <a:srgbClr val="04617b"/>
+                </a:solidFill>
+                <a:effectLst/>
+                <a:uFillTx/>
+                <a:latin typeface="Noto Sans"/>
+              </a:rPr>
+              <a:t>Borrower Discounts - If borrowers post dMKTB as collateral, offer lower borrowing interest rates.</a:t>
+            </a:r>
+            <a:endParaRPr b="0" lang="en-US" sz="1400" strike="noStrike" u="none">
+              <a:solidFill>
+                <a:srgbClr val="04617b"/>
+              </a:solidFill>
+              <a:effectLst/>
+              <a:uFillTx/>
+              <a:latin typeface="Noto Sans"/>
+            </a:endParaRPr>
+          </a:p>
+          <a:p>
+            <a:pPr lvl="1" marL="864000" indent="-324000">
+              <a:spcAft>
+                <a:spcPts val="842"/>
+              </a:spcAft>
+              <a:buClr>
+                <a:srgbClr val="009eda"/>
+              </a:buClr>
+              <a:buSzPct val="45000"/>
+              <a:buFont typeface="Wingdings" charset="2"/>
+              <a:buChar char=""/>
+            </a:pPr>
+            <a:r>
+              <a:rPr b="0" lang="en-US" sz="1400" strike="noStrike" u="none">
+                <a:solidFill>
+                  <a:srgbClr val="04617b"/>
+                </a:solidFill>
+                <a:effectLst/>
+                <a:uFillTx/>
+                <a:latin typeface="Noto Sans"/>
+              </a:rPr>
+              <a:t>Create high APR incentives at launch to bootstrap TVL (Total Value Locked) in dMKTB pools.</a:t>
+            </a:r>
+            <a:endParaRPr b="0" lang="en-US" sz="1400" strike="noStrike" u="none">
+              <a:solidFill>
+                <a:srgbClr val="04617b"/>
+              </a:solidFill>
+              <a:effectLst/>
+              <a:uFillTx/>
+              <a:latin typeface="Noto Sans"/>
+            </a:endParaRPr>
+          </a:p>
+          <a:p>
+            <a:pPr lvl="1" marL="864000" indent="-324000">
+              <a:spcAft>
+                <a:spcPts val="842"/>
+              </a:spcAft>
+              <a:buClr>
+                <a:srgbClr val="009eda"/>
+              </a:buClr>
+              <a:buSzPct val="45000"/>
+              <a:buFont typeface="Wingdings" charset="2"/>
+              <a:buChar char=""/>
+            </a:pPr>
+            <a:r>
+              <a:rPr b="0" lang="en-US" sz="1400" strike="noStrike" u="none">
+                <a:solidFill>
+                  <a:srgbClr val="04617b"/>
+                </a:solidFill>
+                <a:effectLst/>
+                <a:uFillTx/>
+                <a:latin typeface="Noto Sans"/>
+              </a:rPr>
+              <a:t>Allow users to deposit dMKTB into vaults that automatically compound yield into more dMKTB or gMKTB.</a:t>
+            </a:r>
+            <a:endParaRPr b="0" lang="en-US" sz="1400" strike="noStrike" u="none">
+              <a:solidFill>
+                <a:srgbClr val="04617b"/>
+              </a:solidFill>
+              <a:effectLst/>
+              <a:uFillTx/>
+              <a:latin typeface="Noto Sans"/>
+            </a:endParaRPr>
+          </a:p>
+          <a:p>
+            <a:pPr lvl="1" marL="864000" indent="0">
+              <a:spcAft>
+                <a:spcPts val="842"/>
+              </a:spcAft>
+              <a:buNone/>
+            </a:pPr>
+            <a:endParaRPr b="0" lang="en-US" sz="1400" strike="noStrike" u="none">
+              <a:solidFill>
+                <a:srgbClr val="04617b"/>
+              </a:solidFill>
+              <a:effectLst/>
+              <a:uFillTx/>
+              <a:latin typeface="Noto Sans"/>
+            </a:endParaRPr>
+          </a:p>
+        </p:txBody>
+      </p:sp>
+    </p:spTree>
+  </p:cSld>
+</p:sld>
+</file>
+
+<file path=ppt/slides/slide9.xml><?xml version="1.0" encoding="utf-8"?>
+<p:sld xmlns:a="http://schemas.openxmlformats.org/drawingml/2006/main" xmlns:p="http://schemas.openxmlformats.org/presentationml/2006/main" xmlns:r="http://schemas.openxmlformats.org/officeDocument/2006/relationships" xmlns:p14="http://schemas.microsoft.com/office/powerpoint/2010/main" xmlns:p15="http://schemas.microsoft.com/office/powerpoint/2012/main" xmlns:mc="http://schemas.openxmlformats.org/markup-compatibility/2006">
+  <p:cSld>
+    <p:spTree>
+      <p:nvGrpSpPr>
+        <p:cNvPr id="1" name=""/>
+        <p:cNvGrpSpPr/>
+        <p:nvPr/>
+      </p:nvGrpSpPr>
+      <p:grpSpPr>
+        <a:xfrm>
+          <a:off x="0" y="0"/>
+          <a:ext cx="0" cy="0"/>
+          <a:chOff x="0" y="0"/>
+          <a:chExt cx="0" cy="0"/>
+        </a:xfrm>
+      </p:grpSpPr>
+      <p:sp>
+        <p:nvSpPr>
+          <p:cNvPr id="40" name="PlaceHolder 1"/>
+          <p:cNvSpPr>
+            <a:spLocks noGrp="1"/>
+          </p:cNvSpPr>
+          <p:nvPr>
+            <p:ph type="title"/>
+          </p:nvPr>
+        </p:nvSpPr>
+        <p:spPr>
+          <a:xfrm>
+            <a:off x="504000" y="90000"/>
+            <a:ext cx="9072000" cy="990000"/>
+          </a:xfrm>
+          <a:prstGeom prst="rect">
+            <a:avLst/>
+          </a:prstGeom>
+          <a:noFill/>
+          <a:ln w="0">
+            <a:noFill/>
+          </a:ln>
+        </p:spPr>
+        <p:txBody>
+          <a:bodyPr lIns="0" rIns="0" tIns="0" bIns="0" anchor="b">
+            <a:normAutofit/>
+          </a:bodyPr>
+          <a:p>
+            <a:pPr indent="0">
+              <a:buNone/>
+            </a:pPr>
+            <a:r>
+              <a:rPr b="0" lang="en-US" sz="4500" strike="noStrike" u="none">
+                <a:solidFill>
+                  <a:srgbClr val="dbf5f9"/>
+                </a:solidFill>
+                <a:effectLst/>
+                <a:uFillTx/>
+                <a:latin typeface="Noto Sans"/>
+              </a:rPr>
+              <a:t>Storage Token (sMKTB)</a:t>
+            </a:r>
+            <a:endParaRPr b="0" lang="en-US" sz="4500" strike="noStrike" u="none">
+              <a:solidFill>
+                <a:srgbClr val="dbf5f9"/>
+              </a:solidFill>
+              <a:effectLst/>
+              <a:uFillTx/>
+              <a:latin typeface="Noto Sans"/>
+            </a:endParaRPr>
+          </a:p>
+        </p:txBody>
+      </p:sp>
+      <p:sp>
+        <p:nvSpPr>
+          <p:cNvPr id="41" name="PlaceHolder 2"/>
+          <p:cNvSpPr>
+            <a:spLocks noGrp="1"/>
+          </p:cNvSpPr>
+          <p:nvPr>
+            <p:ph/>
+          </p:nvPr>
+        </p:nvSpPr>
+        <p:spPr>
+          <a:xfrm>
+            <a:off x="504000" y="1440000"/>
+            <a:ext cx="9072000" cy="4046400"/>
+          </a:xfrm>
+          <a:prstGeom prst="rect">
+            <a:avLst/>
+          </a:prstGeom>
+          <a:noFill/>
+          <a:ln w="0">
+            <a:noFill/>
+          </a:ln>
+        </p:spPr>
+        <p:txBody>
+          <a:bodyPr lIns="0" rIns="0" tIns="0" bIns="0" anchor="t">
+            <a:normAutofit/>
+          </a:bodyPr>
+          <a:p>
+            <a:pPr marL="432000" indent="-324000">
+              <a:spcAft>
+                <a:spcPts val="1054"/>
+              </a:spcAft>
+              <a:buClr>
+                <a:srgbClr val="009eda"/>
+              </a:buClr>
+              <a:buSzPct val="45000"/>
+              <a:buFont typeface="Wingdings" charset="2"/>
+              <a:buChar char=""/>
+            </a:pPr>
+            <a:r>
+              <a:rPr b="0" lang="en-US" sz="1400" strike="noStrike" u="none">
+                <a:solidFill>
+                  <a:srgbClr val="04617b"/>
+                </a:solidFill>
+                <a:effectLst/>
+                <a:uFillTx/>
+                <a:latin typeface="Noto Sans"/>
+              </a:rPr>
+              <a:t>Pay once for storage</a:t>
+            </a:r>
+            <a:endParaRPr b="0" lang="en-US" sz="1400" strike="noStrike" u="none">
+              <a:solidFill>
+                <a:srgbClr val="04617b"/>
+              </a:solidFill>
+              <a:effectLst/>
+              <a:uFillTx/>
+              <a:latin typeface="Noto Sans"/>
+            </a:endParaRPr>
+          </a:p>
+          <a:p>
+            <a:pPr marL="432000" indent="-324000">
+              <a:spcAft>
+                <a:spcPts val="1054"/>
+              </a:spcAft>
+              <a:buClr>
+                <a:srgbClr val="009eda"/>
+              </a:buClr>
+              <a:buSzPct val="45000"/>
+              <a:buFont typeface="Wingdings" charset="2"/>
+              <a:buChar char=""/>
+            </a:pPr>
+            <a:r>
+              <a:rPr b="0" lang="en-US" sz="1400" strike="noStrike" u="none">
+                <a:solidFill>
+                  <a:srgbClr val="04617b"/>
+                </a:solidFill>
+                <a:effectLst/>
+                <a:uFillTx/>
+                <a:latin typeface="Noto Sans"/>
+              </a:rPr>
+              <a:t>Incentives:</a:t>
+            </a:r>
+            <a:endParaRPr b="0" lang="en-US" sz="1400" strike="noStrike" u="none">
+              <a:solidFill>
+                <a:srgbClr val="04617b"/>
+              </a:solidFill>
+              <a:effectLst/>
+              <a:uFillTx/>
+              <a:latin typeface="Noto Sans"/>
+            </a:endParaRPr>
+          </a:p>
+          <a:p>
+            <a:pPr lvl="1" marL="864000" indent="-324000">
+              <a:spcBef>
+                <a:spcPts val="1191"/>
+              </a:spcBef>
+              <a:spcAft>
+                <a:spcPts val="992"/>
+              </a:spcAft>
+              <a:buClr>
+                <a:srgbClr val="009eda"/>
+              </a:buClr>
+              <a:buSzPct val="45000"/>
+              <a:buFont typeface="Wingdings" charset="2"/>
+              <a:buChar char=""/>
+            </a:pPr>
+            <a:r>
+              <a:rPr b="0" lang="en-US" sz="1400" strike="noStrike" u="none">
+                <a:solidFill>
+                  <a:srgbClr val="04617b"/>
+                </a:solidFill>
+                <a:effectLst/>
+                <a:uFillTx/>
+                <a:latin typeface="Noto Sans"/>
+              </a:rPr>
+              <a:t>Users who pay for storage in sMKTB get permanent or longer-term discounts compared to USD/ETH payments</a:t>
+            </a:r>
+            <a:endParaRPr b="0" lang="en-US" sz="1400" strike="noStrike" u="none">
+              <a:solidFill>
+                <a:srgbClr val="04617b"/>
+              </a:solidFill>
+              <a:effectLst/>
+              <a:uFillTx/>
+              <a:latin typeface="Noto Sans"/>
+            </a:endParaRPr>
+          </a:p>
+          <a:p>
+            <a:pPr lvl="1" marL="864000" indent="-324000">
+              <a:spcBef>
+                <a:spcPts val="1191"/>
+              </a:spcBef>
+              <a:spcAft>
+                <a:spcPts val="992"/>
+              </a:spcAft>
+              <a:buClr>
+                <a:srgbClr val="009eda"/>
+              </a:buClr>
+              <a:buSzPct val="45000"/>
+              <a:buFont typeface="Wingdings" charset="2"/>
+              <a:buChar char=""/>
+            </a:pPr>
+            <a:r>
+              <a:rPr b="0" lang="en-US" sz="1400" strike="noStrike" u="none">
+                <a:solidFill>
+                  <a:srgbClr val="04617b"/>
+                </a:solidFill>
+                <a:effectLst/>
+                <a:uFillTx/>
+                <a:latin typeface="Noto Sans"/>
+              </a:rPr>
+              <a:t>Set up pools where users can stake sMKTB to earn passive returns (for example, returns from storage service fees)</a:t>
+            </a:r>
+            <a:endParaRPr b="0" lang="en-US" sz="1400" strike="noStrike" u="none">
+              <a:solidFill>
+                <a:srgbClr val="04617b"/>
+              </a:solidFill>
+              <a:effectLst/>
+              <a:uFillTx/>
+              <a:latin typeface="Noto Sans"/>
+            </a:endParaRPr>
+          </a:p>
+          <a:p>
+            <a:pPr lvl="1" marL="864000" indent="-324000">
+              <a:spcBef>
+                <a:spcPts val="1191"/>
+              </a:spcBef>
+              <a:spcAft>
+                <a:spcPts val="992"/>
+              </a:spcAft>
+              <a:buClr>
+                <a:srgbClr val="009eda"/>
+              </a:buClr>
+              <a:buSzPct val="45000"/>
+              <a:buFont typeface="Wingdings" charset="2"/>
+              <a:buChar char=""/>
+            </a:pPr>
+            <a:r>
+              <a:rPr b="0" lang="en-US" sz="1400" strike="noStrike" u="none">
+                <a:solidFill>
+                  <a:srgbClr val="04617b"/>
+                </a:solidFill>
+                <a:effectLst/>
+                <a:uFillTx/>
+                <a:latin typeface="Noto Sans"/>
+              </a:rPr>
+              <a:t>Give users a % bonus of sMKTB if they onboard new users who buy storage</a:t>
+            </a:r>
+            <a:endParaRPr b="0" lang="en-US" sz="1400" strike="noStrike" u="none">
+              <a:solidFill>
+                <a:srgbClr val="04617b"/>
+              </a:solidFill>
+              <a:effectLst/>
+              <a:uFillTx/>
+              <a:latin typeface="Noto Sans"/>
+            </a:endParaRPr>
+          </a:p>
+          <a:p>
+            <a:pPr lvl="1" marL="864000" indent="-324000">
+              <a:spcBef>
+                <a:spcPts val="1191"/>
+              </a:spcBef>
+              <a:spcAft>
+                <a:spcPts val="992"/>
+              </a:spcAft>
+              <a:buClr>
+                <a:srgbClr val="009eda"/>
+              </a:buClr>
+              <a:buSzPct val="45000"/>
+              <a:buFont typeface="Wingdings" charset="2"/>
+              <a:buChar char=""/>
+            </a:pPr>
+            <a:r>
+              <a:rPr b="0" lang="en-US" sz="1400" strike="noStrike" u="none">
+                <a:solidFill>
+                  <a:srgbClr val="04617b"/>
+                </a:solidFill>
+                <a:effectLst/>
+                <a:uFillTx/>
+                <a:latin typeface="Noto Sans"/>
+              </a:rPr>
+              <a:t>Users locking a certain amount of sMKTB could mint a "Storage NFT" representing storage rights + tradable on secondary markets</a:t>
+            </a:r>
+            <a:endParaRPr b="0" lang="en-US" sz="1400" strike="noStrike" u="none">
+              <a:solidFill>
+                <a:srgbClr val="04617b"/>
+              </a:solidFill>
+              <a:effectLst/>
+              <a:uFillTx/>
+              <a:latin typeface="Noto Sans"/>
+            </a:endParaRPr>
+          </a:p>
+        </p:txBody>
+      </p:sp>
+    </p:spTree>
+  </p:cSld>
 </p:sld>
 </file>
 
